--- a/Lectures/12-features-and-imputation.pptx
+++ b/Lectures/12-features-and-imputation.pptx
@@ -5,43 +5,48 @@
     <p:sldMasterId id="2147483648" r:id="rId1"/>
   </p:sldMasterIdLst>
   <p:notesMasterIdLst>
-    <p:notesMasterId r:id="rId36"/>
+    <p:notesMasterId r:id="rId41"/>
   </p:notesMasterIdLst>
   <p:sldIdLst>
     <p:sldId id="256" r:id="rId2"/>
     <p:sldId id="471" r:id="rId3"/>
     <p:sldId id="318" r:id="rId4"/>
-    <p:sldId id="499" r:id="rId5"/>
-    <p:sldId id="323" r:id="rId6"/>
-    <p:sldId id="282" r:id="rId7"/>
-    <p:sldId id="274" r:id="rId8"/>
-    <p:sldId id="309" r:id="rId9"/>
-    <p:sldId id="301" r:id="rId10"/>
-    <p:sldId id="303" r:id="rId11"/>
-    <p:sldId id="320" r:id="rId12"/>
-    <p:sldId id="295" r:id="rId13"/>
-    <p:sldId id="300" r:id="rId14"/>
-    <p:sldId id="302" r:id="rId15"/>
-    <p:sldId id="304" r:id="rId16"/>
-    <p:sldId id="277" r:id="rId17"/>
-    <p:sldId id="321" r:id="rId18"/>
-    <p:sldId id="278" r:id="rId19"/>
-    <p:sldId id="280" r:id="rId20"/>
-    <p:sldId id="279" r:id="rId21"/>
-    <p:sldId id="306" r:id="rId22"/>
-    <p:sldId id="310" r:id="rId23"/>
-    <p:sldId id="312" r:id="rId24"/>
-    <p:sldId id="313" r:id="rId25"/>
-    <p:sldId id="317" r:id="rId26"/>
-    <p:sldId id="314" r:id="rId27"/>
-    <p:sldId id="316" r:id="rId28"/>
-    <p:sldId id="315" r:id="rId29"/>
-    <p:sldId id="322" r:id="rId30"/>
-    <p:sldId id="473" r:id="rId31"/>
-    <p:sldId id="502" r:id="rId32"/>
-    <p:sldId id="500" r:id="rId33"/>
-    <p:sldId id="501" r:id="rId34"/>
-    <p:sldId id="474" r:id="rId35"/>
+    <p:sldId id="428" r:id="rId5"/>
+    <p:sldId id="475" r:id="rId6"/>
+    <p:sldId id="476" r:id="rId7"/>
+    <p:sldId id="499" r:id="rId8"/>
+    <p:sldId id="323" r:id="rId9"/>
+    <p:sldId id="282" r:id="rId10"/>
+    <p:sldId id="274" r:id="rId11"/>
+    <p:sldId id="309" r:id="rId12"/>
+    <p:sldId id="301" r:id="rId13"/>
+    <p:sldId id="303" r:id="rId14"/>
+    <p:sldId id="320" r:id="rId15"/>
+    <p:sldId id="295" r:id="rId16"/>
+    <p:sldId id="503" r:id="rId17"/>
+    <p:sldId id="478" r:id="rId18"/>
+    <p:sldId id="502" r:id="rId19"/>
+    <p:sldId id="500" r:id="rId20"/>
+    <p:sldId id="501" r:id="rId21"/>
+    <p:sldId id="300" r:id="rId22"/>
+    <p:sldId id="302" r:id="rId23"/>
+    <p:sldId id="304" r:id="rId24"/>
+    <p:sldId id="277" r:id="rId25"/>
+    <p:sldId id="321" r:id="rId26"/>
+    <p:sldId id="278" r:id="rId27"/>
+    <p:sldId id="280" r:id="rId28"/>
+    <p:sldId id="279" r:id="rId29"/>
+    <p:sldId id="306" r:id="rId30"/>
+    <p:sldId id="310" r:id="rId31"/>
+    <p:sldId id="312" r:id="rId32"/>
+    <p:sldId id="313" r:id="rId33"/>
+    <p:sldId id="317" r:id="rId34"/>
+    <p:sldId id="314" r:id="rId35"/>
+    <p:sldId id="316" r:id="rId36"/>
+    <p:sldId id="315" r:id="rId37"/>
+    <p:sldId id="322" r:id="rId38"/>
+    <p:sldId id="473" r:id="rId39"/>
+    <p:sldId id="504" r:id="rId40"/>
   </p:sldIdLst>
   <p:sldSz cx="12192000" cy="6858000"/>
   <p:notesSz cx="6858000" cy="9144000"/>
@@ -279,7 +284,7 @@
       <p15:sldGuideLst xmlns:p15="http://schemas.microsoft.com/office/powerpoint/2012/main"/>
     </p:ext>
     <p:ext uri="http://customooxmlschemas.google.com/">
-      <go:slidesCustomData xmlns:go="http://customooxmlschemas.google.com/" xmlns:p15="http://schemas.microsoft.com/office/powerpoint/2012/main" xmlns:p14="http://schemas.microsoft.com/office/powerpoint/2010/main" xmlns:com="http://schemas.openxmlformats.org/drawingml/2006/compatibility" xmlns:pvml="urn:schemas-microsoft-com:office:powerpoint" xmlns:v="urn:schemas-microsoft-com:vml" xmlns:o="urn:schemas-microsoft-com:office:office" xmlns:dgm="http://schemas.openxmlformats.org/drawingml/2006/diagram" xmlns:c="http://schemas.openxmlformats.org/drawingml/2006/chart" xmlns:mv="urn:schemas-microsoft-com:mac:vml" xmlns:mc="http://schemas.openxmlformats.org/markup-compatibility/2006" xmlns="" r:id="rId40" roundtripDataSignature="AMtx7mjFyVUGRZWio+dc9dxzYsimUxNJbg=="/>
+      <go:slidesCustomData xmlns="" xmlns:mc="http://schemas.openxmlformats.org/markup-compatibility/2006" xmlns:mv="urn:schemas-microsoft-com:mac:vml" xmlns:c="http://schemas.openxmlformats.org/drawingml/2006/chart" xmlns:dgm="http://schemas.openxmlformats.org/drawingml/2006/diagram" xmlns:o="urn:schemas-microsoft-com:office:office" xmlns:v="urn:schemas-microsoft-com:vml" xmlns:pvml="urn:schemas-microsoft-com:office:powerpoint" xmlns:com="http://schemas.openxmlformats.org/drawingml/2006/compatibility" xmlns:p14="http://schemas.microsoft.com/office/powerpoint/2010/main" xmlns:p15="http://schemas.microsoft.com/office/powerpoint/2012/main" xmlns:go="http://customooxmlschemas.google.com/" r:id="rId42" roundtripDataSignature="AMtx7mjFyVUGRZWio+dc9dxzYsimUxNJbg=="/>
     </p:ext>
   </p:extLst>
 </p:presentation>
@@ -9565,7 +9570,7 @@
           <a:p>
             <a:fld id="{87916DAE-669F-3546-9A68-DB1260F5EB98}" type="slidenum">
               <a:rPr lang="en-US" smtClean="0"/>
-              <a:t>7</a:t>
+              <a:t>10</a:t>
             </a:fld>
             <a:endParaRPr lang="en-US"/>
           </a:p>
@@ -9649,7 +9654,7 @@
           <a:p>
             <a:fld id="{87916DAE-669F-3546-9A68-DB1260F5EB98}" type="slidenum">
               <a:rPr lang="en-US" smtClean="0"/>
-              <a:t>8</a:t>
+              <a:t>11</a:t>
             </a:fld>
             <a:endParaRPr lang="en-US"/>
           </a:p>
@@ -15272,6 +15277,358 @@
           <a:p>
             <a:r>
               <a:rPr lang="en-US" dirty="0"/>
+              <a:t>Why do we care?</a:t>
+            </a:r>
+          </a:p>
+        </p:txBody>
+      </p:sp>
+      <p:sp>
+        <p:nvSpPr>
+          <p:cNvPr id="2" name="Content Placeholder 1"/>
+          <p:cNvSpPr>
+            <a:spLocks noGrp="1"/>
+          </p:cNvSpPr>
+          <p:nvPr>
+            <p:ph type="body" idx="1"/>
+          </p:nvPr>
+        </p:nvSpPr>
+        <p:spPr/>
+        <p:txBody>
+          <a:bodyPr>
+            <a:normAutofit/>
+          </a:bodyPr>
+          <a:lstStyle/>
+          <a:p>
+            <a:r>
+              <a:rPr lang="en-US" dirty="0"/>
+              <a:t>Features are hints/rules of thumb you give your model</a:t>
+            </a:r>
+          </a:p>
+          <a:p>
+            <a:pPr lvl="1"/>
+            <a:r>
+              <a:rPr lang="en-US" sz="2000" dirty="0"/>
+              <a:t>Encoding domain knowledge and context for the model to use</a:t>
+            </a:r>
+          </a:p>
+          <a:p>
+            <a:endParaRPr lang="en-US" dirty="0"/>
+          </a:p>
+          <a:p>
+            <a:r>
+              <a:rPr lang="en-US" dirty="0"/>
+              <a:t>Feature generation is a critical part of the machine learning modeling process, especially with structured data.</a:t>
+            </a:r>
+          </a:p>
+          <a:p>
+            <a:endParaRPr lang="en-US" dirty="0"/>
+          </a:p>
+          <a:p>
+            <a:r>
+              <a:rPr lang="en-US" dirty="0"/>
+              <a:t>Complexity in features may allow us to use less complex models that are faster to run, easier to understand and easier to maintain.</a:t>
+            </a:r>
+          </a:p>
+          <a:p>
+            <a:endParaRPr lang="en-US" dirty="0"/>
+          </a:p>
+          <a:p>
+            <a:endParaRPr lang="en-US" dirty="0"/>
+          </a:p>
+        </p:txBody>
+      </p:sp>
+    </p:spTree>
+    <p:extLst>
+      <p:ext uri="{BB962C8B-B14F-4D97-AF65-F5344CB8AC3E}">
+        <p14:creationId xmlns:p14="http://schemas.microsoft.com/office/powerpoint/2010/main" val="837826461"/>
+      </p:ext>
+    </p:extLst>
+  </p:cSld>
+  <p:clrMapOvr>
+    <a:masterClrMapping/>
+  </p:clrMapOvr>
+</p:sld>
+</file>
+
+<file path=ppt/slides/slide11.xml><?xml version="1.0" encoding="utf-8"?>
+<p:sld xmlns:a="http://schemas.openxmlformats.org/drawingml/2006/main" xmlns:r="http://schemas.openxmlformats.org/officeDocument/2006/relationships" xmlns:p="http://schemas.openxmlformats.org/presentationml/2006/main">
+  <p:cSld>
+    <p:spTree>
+      <p:nvGrpSpPr>
+        <p:cNvPr id="1" name=""/>
+        <p:cNvGrpSpPr/>
+        <p:nvPr/>
+      </p:nvGrpSpPr>
+      <p:grpSpPr>
+        <a:xfrm>
+          <a:off x="0" y="0"/>
+          <a:ext cx="0" cy="0"/>
+          <a:chOff x="0" y="0"/>
+          <a:chExt cx="0" cy="0"/>
+        </a:xfrm>
+      </p:grpSpPr>
+      <p:sp>
+        <p:nvSpPr>
+          <p:cNvPr id="3" name="Title 2"/>
+          <p:cNvSpPr>
+            <a:spLocks noGrp="1"/>
+          </p:cNvSpPr>
+          <p:nvPr>
+            <p:ph type="title"/>
+          </p:nvPr>
+        </p:nvSpPr>
+        <p:spPr/>
+        <p:txBody>
+          <a:bodyPr/>
+          <a:lstStyle/>
+          <a:p>
+            <a:r>
+              <a:rPr lang="en-US" dirty="0"/>
+              <a:t>Practical Pointers</a:t>
+            </a:r>
+          </a:p>
+        </p:txBody>
+      </p:sp>
+      <p:sp>
+        <p:nvSpPr>
+          <p:cNvPr id="2" name="Content Placeholder 1"/>
+          <p:cNvSpPr>
+            <a:spLocks noGrp="1"/>
+          </p:cNvSpPr>
+          <p:nvPr>
+            <p:ph type="body" idx="1"/>
+          </p:nvPr>
+        </p:nvSpPr>
+        <p:spPr/>
+        <p:txBody>
+          <a:bodyPr>
+            <a:normAutofit/>
+          </a:bodyPr>
+          <a:lstStyle/>
+          <a:p>
+            <a:r>
+              <a:rPr lang="en-US" dirty="0"/>
+              <a:t>When generating a feature, what did you know and </a:t>
+            </a:r>
+            <a:r>
+              <a:rPr lang="en-US" b="1" u="sng" dirty="0"/>
+              <a:t>when</a:t>
+            </a:r>
+            <a:r>
+              <a:rPr lang="en-US" dirty="0"/>
+              <a:t> did you know it?</a:t>
+            </a:r>
+          </a:p>
+          <a:p>
+            <a:pPr lvl="1"/>
+            <a:r>
+              <a:rPr lang="en-US" dirty="0"/>
+              <a:t>You can only create features from information available </a:t>
+            </a:r>
+            <a:r>
+              <a:rPr lang="en-US" sz="3200" b="1" dirty="0">
+                <a:solidFill>
+                  <a:srgbClr val="FF0000"/>
+                </a:solidFill>
+              </a:rPr>
+              <a:t>before</a:t>
+            </a:r>
+            <a:r>
+              <a:rPr lang="en-US" dirty="0"/>
+              <a:t> the “training” date for a given row</a:t>
+            </a:r>
+            <a:br>
+              <a:rPr lang="en-US" dirty="0"/>
+            </a:br>
+            <a:endParaRPr lang="en-US" dirty="0"/>
+          </a:p>
+          <a:p>
+            <a:r>
+              <a:rPr lang="en-US" dirty="0"/>
+              <a:t>Domain/expert knowledge and prior research in the field can help a lot!</a:t>
+            </a:r>
+          </a:p>
+          <a:p>
+            <a:endParaRPr lang="en-US" dirty="0"/>
+          </a:p>
+        </p:txBody>
+      </p:sp>
+    </p:spTree>
+    <p:extLst>
+      <p:ext uri="{BB962C8B-B14F-4D97-AF65-F5344CB8AC3E}">
+        <p14:creationId xmlns:p14="http://schemas.microsoft.com/office/powerpoint/2010/main" val="4045032903"/>
+      </p:ext>
+    </p:extLst>
+  </p:cSld>
+  <p:clrMapOvr>
+    <a:masterClrMapping/>
+  </p:clrMapOvr>
+</p:sld>
+</file>
+
+<file path=ppt/slides/slide12.xml><?xml version="1.0" encoding="utf-8"?>
+<p:sld xmlns:a="http://schemas.openxmlformats.org/drawingml/2006/main" xmlns:r="http://schemas.openxmlformats.org/officeDocument/2006/relationships" xmlns:p="http://schemas.openxmlformats.org/presentationml/2006/main">
+  <p:cSld>
+    <p:spTree>
+      <p:nvGrpSpPr>
+        <p:cNvPr id="1" name=""/>
+        <p:cNvGrpSpPr/>
+        <p:nvPr/>
+      </p:nvGrpSpPr>
+      <p:grpSpPr>
+        <a:xfrm>
+          <a:off x="0" y="0"/>
+          <a:ext cx="0" cy="0"/>
+          <a:chOff x="0" y="0"/>
+          <a:chExt cx="0" cy="0"/>
+        </a:xfrm>
+      </p:grpSpPr>
+      <p:sp>
+        <p:nvSpPr>
+          <p:cNvPr id="3" name="Title 2"/>
+          <p:cNvSpPr>
+            <a:spLocks noGrp="1"/>
+          </p:cNvSpPr>
+          <p:nvPr>
+            <p:ph type="title"/>
+          </p:nvPr>
+        </p:nvSpPr>
+        <p:spPr>
+          <a:xfrm>
+            <a:off x="415600" y="86585"/>
+            <a:ext cx="11360700" cy="763500"/>
+          </a:xfrm>
+        </p:spPr>
+        <p:txBody>
+          <a:bodyPr/>
+          <a:lstStyle/>
+          <a:p>
+            <a:r>
+              <a:rPr lang="en-US" dirty="0"/>
+              <a:t>Feature development is an </a:t>
+            </a:r>
+            <a:r>
+              <a:rPr lang="en-US" b="1" dirty="0"/>
+              <a:t>iterative</a:t>
+            </a:r>
+            <a:r>
+              <a:rPr lang="en-US" dirty="0"/>
+              <a:t> process</a:t>
+            </a:r>
+          </a:p>
+        </p:txBody>
+      </p:sp>
+      <p:graphicFrame>
+        <p:nvGraphicFramePr>
+          <p:cNvPr id="4" name="Content Placeholder 3"/>
+          <p:cNvGraphicFramePr>
+            <a:graphicFrameLocks noGrp="1"/>
+          </p:cNvGraphicFramePr>
+          <p:nvPr>
+            <p:ph idx="4294967295"/>
+            <p:extLst>
+              <p:ext uri="{D42A27DB-BD31-4B8C-83A1-F6EECF244321}">
+                <p14:modId xmlns:p14="http://schemas.microsoft.com/office/powerpoint/2010/main" val="2865556934"/>
+              </p:ext>
+            </p:extLst>
+          </p:nvPr>
+        </p:nvGraphicFramePr>
+        <p:xfrm>
+          <a:off x="1990675" y="2420472"/>
+          <a:ext cx="7013476" cy="4142572"/>
+        </p:xfrm>
+        <a:graphic>
+          <a:graphicData uri="http://schemas.openxmlformats.org/drawingml/2006/diagram">
+            <dgm:relIds xmlns:dgm="http://schemas.openxmlformats.org/drawingml/2006/diagram" xmlns:r="http://schemas.openxmlformats.org/officeDocument/2006/relationships" r:dm="rId2" r:lo="rId3" r:qs="rId4" r:cs="rId5"/>
+          </a:graphicData>
+        </a:graphic>
+      </p:graphicFrame>
+      <p:sp>
+        <p:nvSpPr>
+          <p:cNvPr id="2" name="Rectangle 1">
+            <a:extLst>
+              <a:ext uri="{FF2B5EF4-FFF2-40B4-BE49-F238E27FC236}">
+                <a16:creationId xmlns:a16="http://schemas.microsoft.com/office/drawing/2014/main" id="{62AA2596-889F-CA4A-81F2-861C7AF734E0}"/>
+              </a:ext>
+            </a:extLst>
+          </p:cNvPr>
+          <p:cNvSpPr/>
+          <p:nvPr/>
+        </p:nvSpPr>
+        <p:spPr>
+          <a:xfrm>
+            <a:off x="347830" y="1530907"/>
+            <a:ext cx="11360699" cy="1015663"/>
+          </a:xfrm>
+          <a:prstGeom prst="rect">
+            <a:avLst/>
+          </a:prstGeom>
+        </p:spPr>
+        <p:txBody>
+          <a:bodyPr wrap="square">
+            <a:spAutoFit/>
+          </a:bodyPr>
+          <a:lstStyle/>
+          <a:p>
+            <a:pPr lvl="1"/>
+            <a:r>
+              <a:rPr lang="en-US" sz="2000" dirty="0"/>
+              <a:t>Start simple: build a couple features (from each data source) you think are most important and expand from there</a:t>
+            </a:r>
+            <a:br>
+              <a:rPr lang="en-US" sz="2000" dirty="0"/>
+            </a:br>
+            <a:endParaRPr lang="en-US" sz="2000" dirty="0"/>
+          </a:p>
+        </p:txBody>
+      </p:sp>
+    </p:spTree>
+    <p:extLst>
+      <p:ext uri="{BB962C8B-B14F-4D97-AF65-F5344CB8AC3E}">
+        <p14:creationId xmlns:p14="http://schemas.microsoft.com/office/powerpoint/2010/main" val="771801604"/>
+      </p:ext>
+    </p:extLst>
+  </p:cSld>
+  <p:clrMapOvr>
+    <a:masterClrMapping/>
+  </p:clrMapOvr>
+</p:sld>
+</file>
+
+<file path=ppt/slides/slide13.xml><?xml version="1.0" encoding="utf-8"?>
+<p:sld xmlns:a="http://schemas.openxmlformats.org/drawingml/2006/main" xmlns:r="http://schemas.openxmlformats.org/officeDocument/2006/relationships" xmlns:p="http://schemas.openxmlformats.org/presentationml/2006/main">
+  <p:cSld>
+    <p:spTree>
+      <p:nvGrpSpPr>
+        <p:cNvPr id="1" name=""/>
+        <p:cNvGrpSpPr/>
+        <p:nvPr/>
+      </p:nvGrpSpPr>
+      <p:grpSpPr>
+        <a:xfrm>
+          <a:off x="0" y="0"/>
+          <a:ext cx="0" cy="0"/>
+          <a:chOff x="0" y="0"/>
+          <a:chExt cx="0" cy="0"/>
+        </a:xfrm>
+      </p:grpSpPr>
+      <p:sp>
+        <p:nvSpPr>
+          <p:cNvPr id="3" name="Title 2"/>
+          <p:cNvSpPr>
+            <a:spLocks noGrp="1"/>
+          </p:cNvSpPr>
+          <p:nvPr>
+            <p:ph type="title"/>
+          </p:nvPr>
+        </p:nvSpPr>
+        <p:spPr/>
+        <p:txBody>
+          <a:bodyPr/>
+          <a:lstStyle/>
+          <a:p>
+            <a:r>
+              <a:rPr lang="en-US" dirty="0"/>
               <a:t>Bias in Feature Development: Mechanisms</a:t>
             </a:r>
           </a:p>
@@ -15309,9 +15666,6 @@
             <a:br>
               <a:rPr lang="en-US" dirty="0"/>
             </a:br>
-            <a:br>
-              <a:rPr lang="en-US" dirty="0"/>
-            </a:br>
             <a:endParaRPr lang="en-US" dirty="0"/>
           </a:p>
           <a:p>
@@ -15344,7 +15698,7 @@
 </p:sld>
 </file>
 
-<file path=ppt/slides/slide11.xml><?xml version="1.0" encoding="utf-8"?>
+<file path=ppt/slides/slide14.xml><?xml version="1.0" encoding="utf-8"?>
 <p:sld xmlns:a="http://schemas.openxmlformats.org/drawingml/2006/main" xmlns:r="http://schemas.openxmlformats.org/officeDocument/2006/relationships" xmlns:p="http://schemas.openxmlformats.org/presentationml/2006/main">
   <p:cSld>
     <p:spTree>
@@ -15526,7 +15880,7 @@
 </p:sld>
 </file>
 
-<file path=ppt/slides/slide12.xml><?xml version="1.0" encoding="utf-8"?>
+<file path=ppt/slides/slide15.xml><?xml version="1.0" encoding="utf-8"?>
 <p:sld xmlns:a="http://schemas.openxmlformats.org/drawingml/2006/main" xmlns:r="http://schemas.openxmlformats.org/officeDocument/2006/relationships" xmlns:p="http://schemas.openxmlformats.org/presentationml/2006/main">
   <p:cSld>
     <p:spTree>
@@ -15636,7 +15990,7 @@
 </p:sld>
 </file>
 
-<file path=ppt/slides/slide13.xml><?xml version="1.0" encoding="utf-8"?>
+<file path=ppt/slides/slide16.xml><?xml version="1.0" encoding="utf-8"?>
 <p:sld xmlns:a="http://schemas.openxmlformats.org/drawingml/2006/main" xmlns:r="http://schemas.openxmlformats.org/officeDocument/2006/relationships" xmlns:p="http://schemas.openxmlformats.org/presentationml/2006/main">
   <p:cSld>
     <p:spTree>
@@ -15670,7 +16024,7 @@
           <a:p>
             <a:r>
               <a:rPr lang="en-US" dirty="0"/>
-              <a:t>Feature Generation</a:t>
+              <a:t>Feature Generation: Practical Pointers</a:t>
             </a:r>
           </a:p>
         </p:txBody>
@@ -15685,72 +16039,70 @@
             <p:ph type="body" idx="1"/>
           </p:nvPr>
         </p:nvSpPr>
-        <p:spPr/>
+        <p:spPr>
+          <a:xfrm>
+            <a:off x="415600" y="1536632"/>
+            <a:ext cx="11360700" cy="5195471"/>
+          </a:xfrm>
+        </p:spPr>
         <p:txBody>
           <a:bodyPr>
-            <a:normAutofit/>
+            <a:normAutofit fontScale="92500" lnSpcReduction="10000"/>
           </a:bodyPr>
           <a:lstStyle/>
           <a:p>
+            <a:pPr>
+              <a:spcAft>
+                <a:spcPts val="1800"/>
+              </a:spcAft>
+            </a:pPr>
             <a:r>
-              <a:rPr lang="en-US" dirty="0"/>
-              <a:t>Categorical to Binary (Dummies)</a:t>
+              <a:rPr lang="en-US" sz="2800" dirty="0"/>
+              <a:t>Historical aggregations (especially of outcomes) are often the most predictive features (and give the model plenty of variations)</a:t>
             </a:r>
           </a:p>
           <a:p>
+            <a:pPr>
+              <a:spcAft>
+                <a:spcPts val="1800"/>
+              </a:spcAft>
+            </a:pPr>
             <a:r>
-              <a:rPr lang="en-US" dirty="0"/>
-              <a:t>Features for missing values</a:t>
+              <a:rPr lang="en-US" sz="2800" dirty="0"/>
+              <a:t>Aggregate outcomes for similar entities (for various definitions of “similar” are often very useful as well)</a:t>
             </a:r>
           </a:p>
           <a:p>
+            <a:pPr>
+              <a:spcAft>
+                <a:spcPts val="1800"/>
+              </a:spcAft>
+            </a:pPr>
             <a:r>
-              <a:rPr lang="en-US" dirty="0"/>
-              <a:t>Discretization</a:t>
+              <a:rPr lang="en-US" sz="2800" dirty="0"/>
+              <a:t>So are features that tell you how the current entity compares to the population</a:t>
             </a:r>
           </a:p>
           <a:p>
+            <a:pPr>
+              <a:spcAft>
+                <a:spcPts val="1800"/>
+              </a:spcAft>
+            </a:pPr>
             <a:r>
-              <a:rPr lang="en-US" dirty="0"/>
-              <a:t>Date/Time Features</a:t>
+              <a:rPr lang="en-US" sz="2800" dirty="0"/>
+              <a:t>Make sure you handle missing data, and do so thoughtfully (DON’T throw away the records)</a:t>
             </a:r>
           </a:p>
           <a:p>
+            <a:pPr>
+              <a:spcAft>
+                <a:spcPts val="1800"/>
+              </a:spcAft>
+            </a:pPr>
             <a:r>
-              <a:rPr lang="en-US" dirty="0"/>
-              <a:t>Scaling/Normalizing</a:t>
-            </a:r>
-          </a:p>
-          <a:p>
-            <a:r>
-              <a:rPr lang="en-US" dirty="0"/>
-              <a:t>Transformations</a:t>
-            </a:r>
-          </a:p>
-          <a:p>
-            <a:r>
-              <a:rPr lang="en-US" b="1" dirty="0"/>
-              <a:t>Aggregations (space, time, space and time)</a:t>
-            </a:r>
-          </a:p>
-          <a:p>
-            <a:r>
-              <a:rPr lang="en-US" b="1" dirty="0"/>
-              <a:t>Relative (compared to the average</a:t>
-            </a:r>
-            <a:r>
-              <a:rPr lang="mr-IN" b="1" dirty="0"/>
-              <a:t>…</a:t>
-            </a:r>
-            <a:r>
-              <a:rPr lang="en-US" b="1" dirty="0"/>
-              <a:t>)</a:t>
-            </a:r>
-          </a:p>
-          <a:p>
-            <a:r>
-              <a:rPr lang="en-US" dirty="0"/>
-              <a:t>Interactions</a:t>
+              <a:rPr lang="en-US" sz="2800" dirty="0"/>
+              <a:t>Remember to scale your features when necessary</a:t>
             </a:r>
           </a:p>
         </p:txBody>
@@ -15758,7 +16110,732 @@
     </p:spTree>
     <p:extLst>
       <p:ext uri="{BB962C8B-B14F-4D97-AF65-F5344CB8AC3E}">
-        <p14:creationId xmlns:p14="http://schemas.microsoft.com/office/powerpoint/2010/main" val="273184349"/>
+        <p14:creationId xmlns:p14="http://schemas.microsoft.com/office/powerpoint/2010/main" val="1725079299"/>
+      </p:ext>
+    </p:extLst>
+  </p:cSld>
+  <p:clrMapOvr>
+    <a:masterClrMapping/>
+  </p:clrMapOvr>
+  <p:timing>
+    <p:tnLst>
+      <p:par>
+        <p:cTn id="1" dur="indefinite" restart="never" nodeType="tmRoot">
+          <p:childTnLst>
+            <p:seq concurrent="1" nextAc="seek">
+              <p:cTn id="2" dur="indefinite" nodeType="mainSeq">
+                <p:childTnLst>
+                  <p:par>
+                    <p:cTn id="3" fill="hold">
+                      <p:stCondLst>
+                        <p:cond delay="indefinite"/>
+                      </p:stCondLst>
+                      <p:childTnLst>
+                        <p:par>
+                          <p:cTn id="4" fill="hold">
+                            <p:stCondLst>
+                              <p:cond delay="0"/>
+                            </p:stCondLst>
+                            <p:childTnLst>
+                              <p:par>
+                                <p:cTn id="5" presetID="1" presetClass="entr" presetSubtype="0" fill="hold" grpId="0" nodeType="clickEffect">
+                                  <p:stCondLst>
+                                    <p:cond delay="0"/>
+                                  </p:stCondLst>
+                                  <p:childTnLst>
+                                    <p:set>
+                                      <p:cBhvr>
+                                        <p:cTn id="6" dur="1" fill="hold">
+                                          <p:stCondLst>
+                                            <p:cond delay="0"/>
+                                          </p:stCondLst>
+                                        </p:cTn>
+                                        <p:tgtEl>
+                                          <p:spTgt spid="2">
+                                            <p:txEl>
+                                              <p:pRg st="0" end="0"/>
+                                            </p:txEl>
+                                          </p:spTgt>
+                                        </p:tgtEl>
+                                        <p:attrNameLst>
+                                          <p:attrName>style.visibility</p:attrName>
+                                        </p:attrNameLst>
+                                      </p:cBhvr>
+                                      <p:to>
+                                        <p:strVal val="visible"/>
+                                      </p:to>
+                                    </p:set>
+                                  </p:childTnLst>
+                                </p:cTn>
+                              </p:par>
+                            </p:childTnLst>
+                          </p:cTn>
+                        </p:par>
+                      </p:childTnLst>
+                    </p:cTn>
+                  </p:par>
+                  <p:par>
+                    <p:cTn id="7" fill="hold">
+                      <p:stCondLst>
+                        <p:cond delay="indefinite"/>
+                      </p:stCondLst>
+                      <p:childTnLst>
+                        <p:par>
+                          <p:cTn id="8" fill="hold">
+                            <p:stCondLst>
+                              <p:cond delay="0"/>
+                            </p:stCondLst>
+                            <p:childTnLst>
+                              <p:par>
+                                <p:cTn id="9" presetID="1" presetClass="entr" presetSubtype="0" fill="hold" grpId="0" nodeType="clickEffect">
+                                  <p:stCondLst>
+                                    <p:cond delay="0"/>
+                                  </p:stCondLst>
+                                  <p:childTnLst>
+                                    <p:set>
+                                      <p:cBhvr>
+                                        <p:cTn id="10" dur="1" fill="hold">
+                                          <p:stCondLst>
+                                            <p:cond delay="0"/>
+                                          </p:stCondLst>
+                                        </p:cTn>
+                                        <p:tgtEl>
+                                          <p:spTgt spid="2">
+                                            <p:txEl>
+                                              <p:pRg st="1" end="1"/>
+                                            </p:txEl>
+                                          </p:spTgt>
+                                        </p:tgtEl>
+                                        <p:attrNameLst>
+                                          <p:attrName>style.visibility</p:attrName>
+                                        </p:attrNameLst>
+                                      </p:cBhvr>
+                                      <p:to>
+                                        <p:strVal val="visible"/>
+                                      </p:to>
+                                    </p:set>
+                                  </p:childTnLst>
+                                </p:cTn>
+                              </p:par>
+                            </p:childTnLst>
+                          </p:cTn>
+                        </p:par>
+                      </p:childTnLst>
+                    </p:cTn>
+                  </p:par>
+                  <p:par>
+                    <p:cTn id="11" fill="hold">
+                      <p:stCondLst>
+                        <p:cond delay="indefinite"/>
+                      </p:stCondLst>
+                      <p:childTnLst>
+                        <p:par>
+                          <p:cTn id="12" fill="hold">
+                            <p:stCondLst>
+                              <p:cond delay="0"/>
+                            </p:stCondLst>
+                            <p:childTnLst>
+                              <p:par>
+                                <p:cTn id="13" presetID="1" presetClass="entr" presetSubtype="0" fill="hold" grpId="0" nodeType="clickEffect">
+                                  <p:stCondLst>
+                                    <p:cond delay="0"/>
+                                  </p:stCondLst>
+                                  <p:childTnLst>
+                                    <p:set>
+                                      <p:cBhvr>
+                                        <p:cTn id="14" dur="1" fill="hold">
+                                          <p:stCondLst>
+                                            <p:cond delay="0"/>
+                                          </p:stCondLst>
+                                        </p:cTn>
+                                        <p:tgtEl>
+                                          <p:spTgt spid="2">
+                                            <p:txEl>
+                                              <p:pRg st="2" end="2"/>
+                                            </p:txEl>
+                                          </p:spTgt>
+                                        </p:tgtEl>
+                                        <p:attrNameLst>
+                                          <p:attrName>style.visibility</p:attrName>
+                                        </p:attrNameLst>
+                                      </p:cBhvr>
+                                      <p:to>
+                                        <p:strVal val="visible"/>
+                                      </p:to>
+                                    </p:set>
+                                  </p:childTnLst>
+                                </p:cTn>
+                              </p:par>
+                            </p:childTnLst>
+                          </p:cTn>
+                        </p:par>
+                      </p:childTnLst>
+                    </p:cTn>
+                  </p:par>
+                  <p:par>
+                    <p:cTn id="15" fill="hold">
+                      <p:stCondLst>
+                        <p:cond delay="indefinite"/>
+                      </p:stCondLst>
+                      <p:childTnLst>
+                        <p:par>
+                          <p:cTn id="16" fill="hold">
+                            <p:stCondLst>
+                              <p:cond delay="0"/>
+                            </p:stCondLst>
+                            <p:childTnLst>
+                              <p:par>
+                                <p:cTn id="17" presetID="1" presetClass="entr" presetSubtype="0" fill="hold" grpId="0" nodeType="clickEffect">
+                                  <p:stCondLst>
+                                    <p:cond delay="0"/>
+                                  </p:stCondLst>
+                                  <p:childTnLst>
+                                    <p:set>
+                                      <p:cBhvr>
+                                        <p:cTn id="18" dur="1" fill="hold">
+                                          <p:stCondLst>
+                                            <p:cond delay="0"/>
+                                          </p:stCondLst>
+                                        </p:cTn>
+                                        <p:tgtEl>
+                                          <p:spTgt spid="2">
+                                            <p:txEl>
+                                              <p:pRg st="3" end="3"/>
+                                            </p:txEl>
+                                          </p:spTgt>
+                                        </p:tgtEl>
+                                        <p:attrNameLst>
+                                          <p:attrName>style.visibility</p:attrName>
+                                        </p:attrNameLst>
+                                      </p:cBhvr>
+                                      <p:to>
+                                        <p:strVal val="visible"/>
+                                      </p:to>
+                                    </p:set>
+                                  </p:childTnLst>
+                                </p:cTn>
+                              </p:par>
+                            </p:childTnLst>
+                          </p:cTn>
+                        </p:par>
+                      </p:childTnLst>
+                    </p:cTn>
+                  </p:par>
+                  <p:par>
+                    <p:cTn id="19" fill="hold">
+                      <p:stCondLst>
+                        <p:cond delay="indefinite"/>
+                      </p:stCondLst>
+                      <p:childTnLst>
+                        <p:par>
+                          <p:cTn id="20" fill="hold">
+                            <p:stCondLst>
+                              <p:cond delay="0"/>
+                            </p:stCondLst>
+                            <p:childTnLst>
+                              <p:par>
+                                <p:cTn id="21" presetID="1" presetClass="entr" presetSubtype="0" fill="hold" grpId="0" nodeType="clickEffect">
+                                  <p:stCondLst>
+                                    <p:cond delay="0"/>
+                                  </p:stCondLst>
+                                  <p:childTnLst>
+                                    <p:set>
+                                      <p:cBhvr>
+                                        <p:cTn id="22" dur="1" fill="hold">
+                                          <p:stCondLst>
+                                            <p:cond delay="0"/>
+                                          </p:stCondLst>
+                                        </p:cTn>
+                                        <p:tgtEl>
+                                          <p:spTgt spid="2">
+                                            <p:txEl>
+                                              <p:pRg st="4" end="4"/>
+                                            </p:txEl>
+                                          </p:spTgt>
+                                        </p:tgtEl>
+                                        <p:attrNameLst>
+                                          <p:attrName>style.visibility</p:attrName>
+                                        </p:attrNameLst>
+                                      </p:cBhvr>
+                                      <p:to>
+                                        <p:strVal val="visible"/>
+                                      </p:to>
+                                    </p:set>
+                                  </p:childTnLst>
+                                </p:cTn>
+                              </p:par>
+                            </p:childTnLst>
+                          </p:cTn>
+                        </p:par>
+                      </p:childTnLst>
+                    </p:cTn>
+                  </p:par>
+                </p:childTnLst>
+              </p:cTn>
+              <p:prevCondLst>
+                <p:cond evt="onPrev" delay="0">
+                  <p:tgtEl>
+                    <p:sldTgt/>
+                  </p:tgtEl>
+                </p:cond>
+              </p:prevCondLst>
+              <p:nextCondLst>
+                <p:cond evt="onNext" delay="0">
+                  <p:tgtEl>
+                    <p:sldTgt/>
+                  </p:tgtEl>
+                </p:cond>
+              </p:nextCondLst>
+            </p:seq>
+          </p:childTnLst>
+        </p:cTn>
+      </p:par>
+    </p:tnLst>
+    <p:bldLst>
+      <p:bldP spid="2" grpId="0" uiExpand="1" build="p"/>
+    </p:bldLst>
+  </p:timing>
+</p:sld>
+</file>
+
+<file path=ppt/slides/slide17.xml><?xml version="1.0" encoding="utf-8"?>
+<p:sld xmlns:a="http://schemas.openxmlformats.org/drawingml/2006/main" xmlns:r="http://schemas.openxmlformats.org/officeDocument/2006/relationships" xmlns:p="http://schemas.openxmlformats.org/presentationml/2006/main">
+  <p:cSld>
+    <p:spTree>
+      <p:nvGrpSpPr>
+        <p:cNvPr id="1" name=""/>
+        <p:cNvGrpSpPr/>
+        <p:nvPr/>
+      </p:nvGrpSpPr>
+      <p:grpSpPr>
+        <a:xfrm>
+          <a:off x="0" y="0"/>
+          <a:ext cx="0" cy="0"/>
+          <a:chOff x="0" y="0"/>
+          <a:chExt cx="0" cy="0"/>
+        </a:xfrm>
+      </p:grpSpPr>
+      <p:sp>
+        <p:nvSpPr>
+          <p:cNvPr id="3" name="Title 2"/>
+          <p:cNvSpPr>
+            <a:spLocks noGrp="1"/>
+          </p:cNvSpPr>
+          <p:nvPr>
+            <p:ph type="title"/>
+          </p:nvPr>
+        </p:nvSpPr>
+        <p:spPr>
+          <a:xfrm>
+            <a:off x="111210" y="367459"/>
+            <a:ext cx="12080789" cy="763500"/>
+          </a:xfrm>
+        </p:spPr>
+        <p:txBody>
+          <a:bodyPr/>
+          <a:lstStyle/>
+          <a:p>
+            <a:r>
+              <a:rPr lang="en-US" dirty="0"/>
+              <a:t>Is Scaling Important for…</a:t>
+            </a:r>
+          </a:p>
+        </p:txBody>
+      </p:sp>
+      <p:sp>
+        <p:nvSpPr>
+          <p:cNvPr id="2" name="Content Placeholder 1"/>
+          <p:cNvSpPr>
+            <a:spLocks noGrp="1"/>
+          </p:cNvSpPr>
+          <p:nvPr>
+            <p:ph type="body" idx="1"/>
+          </p:nvPr>
+        </p:nvSpPr>
+        <p:spPr>
+          <a:xfrm>
+            <a:off x="415600" y="1536633"/>
+            <a:ext cx="4235913" cy="4555200"/>
+          </a:xfrm>
+        </p:spPr>
+        <p:txBody>
+          <a:bodyPr/>
+          <a:lstStyle/>
+          <a:p>
+            <a:r>
+              <a:rPr lang="en-US" dirty="0"/>
+              <a:t>Decision Trees?</a:t>
+            </a:r>
+            <a:br>
+              <a:rPr lang="en-US" dirty="0"/>
+            </a:br>
+            <a:endParaRPr lang="en-US" dirty="0"/>
+          </a:p>
+          <a:p>
+            <a:r>
+              <a:rPr lang="en-US" dirty="0"/>
+              <a:t>k-Nearest Neighbors?</a:t>
+            </a:r>
+            <a:br>
+              <a:rPr lang="en-US" dirty="0"/>
+            </a:br>
+            <a:endParaRPr lang="en-US" dirty="0"/>
+          </a:p>
+          <a:p>
+            <a:r>
+              <a:rPr lang="en-US" dirty="0"/>
+              <a:t>Random Forest?</a:t>
+            </a:r>
+            <a:br>
+              <a:rPr lang="en-US" dirty="0"/>
+            </a:br>
+            <a:endParaRPr lang="en-US" dirty="0"/>
+          </a:p>
+          <a:p>
+            <a:r>
+              <a:rPr lang="en-US" dirty="0"/>
+              <a:t>Logistic Regression?</a:t>
+            </a:r>
+          </a:p>
+          <a:p>
+            <a:endParaRPr lang="en-US" dirty="0"/>
+          </a:p>
+          <a:p>
+            <a:r>
+              <a:rPr lang="en-US" dirty="0"/>
+              <a:t>Neural Nets?</a:t>
+            </a:r>
+          </a:p>
+          <a:p>
+            <a:endParaRPr lang="en-US" dirty="0"/>
+          </a:p>
+        </p:txBody>
+      </p:sp>
+      <p:sp>
+        <p:nvSpPr>
+          <p:cNvPr id="4" name="Content Placeholder 1">
+            <a:extLst>
+              <a:ext uri="{FF2B5EF4-FFF2-40B4-BE49-F238E27FC236}">
+                <a16:creationId xmlns:a16="http://schemas.microsoft.com/office/drawing/2014/main" id="{14BBE1C8-D8BC-2A41-A04B-7C6439BF19C4}"/>
+              </a:ext>
+            </a:extLst>
+          </p:cNvPr>
+          <p:cNvSpPr txBox="1">
+            <a:spLocks/>
+          </p:cNvSpPr>
+          <p:nvPr/>
+        </p:nvSpPr>
+        <p:spPr>
+          <a:xfrm>
+            <a:off x="6557983" y="2355190"/>
+            <a:ext cx="4235913" cy="3542027"/>
+          </a:xfrm>
+          <a:prstGeom prst="rect">
+            <a:avLst/>
+          </a:prstGeom>
+          <a:noFill/>
+          <a:ln>
+            <a:noFill/>
+          </a:ln>
+        </p:spPr>
+        <p:txBody>
+          <a:bodyPr spcFirstLastPara="1" wrap="square" lIns="121900" tIns="121900" rIns="121900" bIns="121900" anchor="t" anchorCtr="0">
+            <a:noAutofit/>
+          </a:bodyPr>
+          <a:lstStyle>
+            <a:defPPr marR="0" lvl="0" algn="l" rtl="0">
+              <a:lnSpc>
+                <a:spcPct val="100000"/>
+              </a:lnSpc>
+              <a:spcBef>
+                <a:spcPts val="0"/>
+              </a:spcBef>
+              <a:spcAft>
+                <a:spcPts val="0"/>
+              </a:spcAft>
+            </a:defPPr>
+            <a:lvl1pPr marL="457200" marR="0" lvl="0" indent="-381000" algn="l" rtl="0">
+              <a:lnSpc>
+                <a:spcPct val="115000"/>
+              </a:lnSpc>
+              <a:spcBef>
+                <a:spcPts val="0"/>
+              </a:spcBef>
+              <a:spcAft>
+                <a:spcPts val="0"/>
+              </a:spcAft>
+              <a:buClr>
+                <a:srgbClr val="434343"/>
+              </a:buClr>
+              <a:buSzPts val="2400"/>
+              <a:buFont typeface="Arial"/>
+              <a:buChar char="●"/>
+              <a:defRPr sz="2400" b="0" i="0" u="none" strike="noStrike" cap="none">
+                <a:solidFill>
+                  <a:srgbClr val="434343"/>
+                </a:solidFill>
+                <a:latin typeface="Arial"/>
+                <a:ea typeface="Arial"/>
+                <a:cs typeface="Arial"/>
+                <a:sym typeface="Arial"/>
+              </a:defRPr>
+            </a:lvl1pPr>
+            <a:lvl2pPr marL="914400" marR="0" lvl="1" indent="-349250" algn="l" rtl="0">
+              <a:lnSpc>
+                <a:spcPct val="115000"/>
+              </a:lnSpc>
+              <a:spcBef>
+                <a:spcPts val="2100"/>
+              </a:spcBef>
+              <a:spcAft>
+                <a:spcPts val="0"/>
+              </a:spcAft>
+              <a:buClr>
+                <a:srgbClr val="434343"/>
+              </a:buClr>
+              <a:buSzPts val="1900"/>
+              <a:buFont typeface="Arial"/>
+              <a:buChar char="○"/>
+              <a:defRPr sz="1900" b="0" i="0" u="none" strike="noStrike" cap="none">
+                <a:solidFill>
+                  <a:srgbClr val="434343"/>
+                </a:solidFill>
+                <a:latin typeface="Arial"/>
+                <a:ea typeface="Arial"/>
+                <a:cs typeface="Arial"/>
+                <a:sym typeface="Arial"/>
+              </a:defRPr>
+            </a:lvl2pPr>
+            <a:lvl3pPr marL="1371600" marR="0" lvl="2" indent="-349250" algn="l" rtl="0">
+              <a:lnSpc>
+                <a:spcPct val="115000"/>
+              </a:lnSpc>
+              <a:spcBef>
+                <a:spcPts val="2100"/>
+              </a:spcBef>
+              <a:spcAft>
+                <a:spcPts val="0"/>
+              </a:spcAft>
+              <a:buClr>
+                <a:srgbClr val="434343"/>
+              </a:buClr>
+              <a:buSzPts val="1900"/>
+              <a:buFont typeface="Arial"/>
+              <a:buChar char="■"/>
+              <a:defRPr sz="1900" b="0" i="0" u="none" strike="noStrike" cap="none">
+                <a:solidFill>
+                  <a:srgbClr val="434343"/>
+                </a:solidFill>
+                <a:latin typeface="Arial"/>
+                <a:ea typeface="Arial"/>
+                <a:cs typeface="Arial"/>
+                <a:sym typeface="Arial"/>
+              </a:defRPr>
+            </a:lvl3pPr>
+            <a:lvl4pPr marL="1828800" marR="0" lvl="3" indent="-349250" algn="l" rtl="0">
+              <a:lnSpc>
+                <a:spcPct val="115000"/>
+              </a:lnSpc>
+              <a:spcBef>
+                <a:spcPts val="2100"/>
+              </a:spcBef>
+              <a:spcAft>
+                <a:spcPts val="0"/>
+              </a:spcAft>
+              <a:buClr>
+                <a:srgbClr val="434343"/>
+              </a:buClr>
+              <a:buSzPts val="1900"/>
+              <a:buFont typeface="Arial"/>
+              <a:buChar char="●"/>
+              <a:defRPr sz="1900" b="0" i="0" u="none" strike="noStrike" cap="none">
+                <a:solidFill>
+                  <a:srgbClr val="434343"/>
+                </a:solidFill>
+                <a:latin typeface="Arial"/>
+                <a:ea typeface="Arial"/>
+                <a:cs typeface="Arial"/>
+                <a:sym typeface="Arial"/>
+              </a:defRPr>
+            </a:lvl4pPr>
+            <a:lvl5pPr marL="2286000" marR="0" lvl="4" indent="-349250" algn="l" rtl="0">
+              <a:lnSpc>
+                <a:spcPct val="115000"/>
+              </a:lnSpc>
+              <a:spcBef>
+                <a:spcPts val="2100"/>
+              </a:spcBef>
+              <a:spcAft>
+                <a:spcPts val="0"/>
+              </a:spcAft>
+              <a:buClr>
+                <a:srgbClr val="434343"/>
+              </a:buClr>
+              <a:buSzPts val="1900"/>
+              <a:buFont typeface="Arial"/>
+              <a:buChar char="○"/>
+              <a:defRPr sz="1900" b="0" i="0" u="none" strike="noStrike" cap="none">
+                <a:solidFill>
+                  <a:srgbClr val="434343"/>
+                </a:solidFill>
+                <a:latin typeface="Arial"/>
+                <a:ea typeface="Arial"/>
+                <a:cs typeface="Arial"/>
+                <a:sym typeface="Arial"/>
+              </a:defRPr>
+            </a:lvl5pPr>
+            <a:lvl6pPr marL="2743200" marR="0" lvl="5" indent="-349250" algn="l" rtl="0">
+              <a:lnSpc>
+                <a:spcPct val="115000"/>
+              </a:lnSpc>
+              <a:spcBef>
+                <a:spcPts val="2100"/>
+              </a:spcBef>
+              <a:spcAft>
+                <a:spcPts val="0"/>
+              </a:spcAft>
+              <a:buClr>
+                <a:srgbClr val="434343"/>
+              </a:buClr>
+              <a:buSzPts val="1900"/>
+              <a:buFont typeface="Arial"/>
+              <a:buChar char="■"/>
+              <a:defRPr sz="1900" b="0" i="0" u="none" strike="noStrike" cap="none">
+                <a:solidFill>
+                  <a:srgbClr val="434343"/>
+                </a:solidFill>
+                <a:latin typeface="Arial"/>
+                <a:ea typeface="Arial"/>
+                <a:cs typeface="Arial"/>
+                <a:sym typeface="Arial"/>
+              </a:defRPr>
+            </a:lvl6pPr>
+            <a:lvl7pPr marL="3200400" marR="0" lvl="6" indent="-349250" algn="l" rtl="0">
+              <a:lnSpc>
+                <a:spcPct val="115000"/>
+              </a:lnSpc>
+              <a:spcBef>
+                <a:spcPts val="2100"/>
+              </a:spcBef>
+              <a:spcAft>
+                <a:spcPts val="0"/>
+              </a:spcAft>
+              <a:buClr>
+                <a:srgbClr val="434343"/>
+              </a:buClr>
+              <a:buSzPts val="1900"/>
+              <a:buFont typeface="Arial"/>
+              <a:buChar char="●"/>
+              <a:defRPr sz="1900" b="0" i="0" u="none" strike="noStrike" cap="none">
+                <a:solidFill>
+                  <a:srgbClr val="434343"/>
+                </a:solidFill>
+                <a:latin typeface="Arial"/>
+                <a:ea typeface="Arial"/>
+                <a:cs typeface="Arial"/>
+                <a:sym typeface="Arial"/>
+              </a:defRPr>
+            </a:lvl7pPr>
+            <a:lvl8pPr marL="3657600" marR="0" lvl="7" indent="-349250" algn="l" rtl="0">
+              <a:lnSpc>
+                <a:spcPct val="115000"/>
+              </a:lnSpc>
+              <a:spcBef>
+                <a:spcPts val="2100"/>
+              </a:spcBef>
+              <a:spcAft>
+                <a:spcPts val="0"/>
+              </a:spcAft>
+              <a:buClr>
+                <a:srgbClr val="434343"/>
+              </a:buClr>
+              <a:buSzPts val="1900"/>
+              <a:buFont typeface="Arial"/>
+              <a:buChar char="○"/>
+              <a:defRPr sz="1900" b="0" i="0" u="none" strike="noStrike" cap="none">
+                <a:solidFill>
+                  <a:srgbClr val="434343"/>
+                </a:solidFill>
+                <a:latin typeface="Arial"/>
+                <a:ea typeface="Arial"/>
+                <a:cs typeface="Arial"/>
+                <a:sym typeface="Arial"/>
+              </a:defRPr>
+            </a:lvl8pPr>
+            <a:lvl9pPr marL="4114800" marR="0" lvl="8" indent="-349250" algn="l" rtl="0">
+              <a:lnSpc>
+                <a:spcPct val="115000"/>
+              </a:lnSpc>
+              <a:spcBef>
+                <a:spcPts val="2100"/>
+              </a:spcBef>
+              <a:spcAft>
+                <a:spcPts val="2100"/>
+              </a:spcAft>
+              <a:buClr>
+                <a:srgbClr val="434343"/>
+              </a:buClr>
+              <a:buSzPts val="1900"/>
+              <a:buFont typeface="Arial"/>
+              <a:buChar char="■"/>
+              <a:defRPr sz="1900" b="0" i="0" u="none" strike="noStrike" cap="none">
+                <a:solidFill>
+                  <a:srgbClr val="434343"/>
+                </a:solidFill>
+                <a:latin typeface="Arial"/>
+                <a:ea typeface="Arial"/>
+                <a:cs typeface="Arial"/>
+                <a:sym typeface="Arial"/>
+              </a:defRPr>
+            </a:lvl9pPr>
+          </a:lstStyle>
+          <a:p>
+            <a:pPr marL="76200" indent="0" algn="ctr">
+              <a:buNone/>
+            </a:pPr>
+            <a:r>
+              <a:rPr lang="en-US" sz="5400" b="1" dirty="0" err="1">
+                <a:solidFill>
+                  <a:srgbClr val="C00000"/>
+                </a:solidFill>
+              </a:rPr>
+              <a:t>slido.com</a:t>
+            </a:r>
+            <a:endParaRPr lang="en-US" sz="5400" b="1" dirty="0">
+              <a:solidFill>
+                <a:srgbClr val="C00000"/>
+              </a:solidFill>
+            </a:endParaRPr>
+          </a:p>
+          <a:p>
+            <a:pPr marL="76200" indent="0" algn="ctr">
+              <a:buNone/>
+            </a:pPr>
+            <a:endParaRPr lang="en-US" sz="5400" b="1" dirty="0">
+              <a:solidFill>
+                <a:srgbClr val="C00000"/>
+              </a:solidFill>
+            </a:endParaRPr>
+          </a:p>
+          <a:p>
+            <a:pPr marL="76200" indent="0" algn="ctr">
+              <a:buNone/>
+            </a:pPr>
+            <a:r>
+              <a:rPr lang="en-US" sz="5400" b="1" dirty="0">
+                <a:solidFill>
+                  <a:srgbClr val="C00000"/>
+                </a:solidFill>
+              </a:rPr>
+              <a:t>#94889</a:t>
+            </a:r>
+          </a:p>
+        </p:txBody>
+      </p:sp>
+    </p:spTree>
+    <p:extLst>
+      <p:ext uri="{BB962C8B-B14F-4D97-AF65-F5344CB8AC3E}">
+        <p14:creationId xmlns:p14="http://schemas.microsoft.com/office/powerpoint/2010/main" val="838504151"/>
       </p:ext>
     </p:extLst>
   </p:cSld>
@@ -15768,7 +16845,1087 @@
 </p:sld>
 </file>
 
-<file path=ppt/slides/slide14.xml><?xml version="1.0" encoding="utf-8"?>
+<file path=ppt/slides/slide18.xml><?xml version="1.0" encoding="utf-8"?>
+<p:sld xmlns:a="http://schemas.openxmlformats.org/drawingml/2006/main" xmlns:r="http://schemas.openxmlformats.org/officeDocument/2006/relationships" xmlns:p="http://schemas.openxmlformats.org/presentationml/2006/main">
+  <p:cSld>
+    <p:spTree>
+      <p:nvGrpSpPr>
+        <p:cNvPr id="1" name=""/>
+        <p:cNvGrpSpPr/>
+        <p:nvPr/>
+      </p:nvGrpSpPr>
+      <p:grpSpPr>
+        <a:xfrm>
+          <a:off x="0" y="0"/>
+          <a:ext cx="0" cy="0"/>
+          <a:chOff x="0" y="0"/>
+          <a:chExt cx="0" cy="0"/>
+        </a:xfrm>
+      </p:grpSpPr>
+      <p:sp>
+        <p:nvSpPr>
+          <p:cNvPr id="2" name="Title 1">
+            <a:extLst>
+              <a:ext uri="{FF2B5EF4-FFF2-40B4-BE49-F238E27FC236}">
+                <a16:creationId xmlns:a16="http://schemas.microsoft.com/office/drawing/2014/main" id="{98347210-B4BE-4047-93B4-3D7AA966D0F1}"/>
+              </a:ext>
+            </a:extLst>
+          </p:cNvPr>
+          <p:cNvSpPr>
+            <a:spLocks noGrp="1"/>
+          </p:cNvSpPr>
+          <p:nvPr>
+            <p:ph type="title"/>
+          </p:nvPr>
+        </p:nvSpPr>
+        <p:spPr/>
+        <p:txBody>
+          <a:bodyPr/>
+          <a:lstStyle/>
+          <a:p>
+            <a:r>
+              <a:rPr lang="en-US" dirty="0"/>
+              <a:t>Feature in triage: Collate</a:t>
+            </a:r>
+          </a:p>
+        </p:txBody>
+      </p:sp>
+      <p:sp>
+        <p:nvSpPr>
+          <p:cNvPr id="3" name="Text Placeholder 2">
+            <a:extLst>
+              <a:ext uri="{FF2B5EF4-FFF2-40B4-BE49-F238E27FC236}">
+                <a16:creationId xmlns:a16="http://schemas.microsoft.com/office/drawing/2014/main" id="{8B9D9112-B2A1-D142-B67C-41AA10739FF6}"/>
+              </a:ext>
+            </a:extLst>
+          </p:cNvPr>
+          <p:cNvSpPr>
+            <a:spLocks noGrp="1"/>
+          </p:cNvSpPr>
+          <p:nvPr>
+            <p:ph type="body" idx="1"/>
+          </p:nvPr>
+        </p:nvSpPr>
+        <p:spPr/>
+        <p:txBody>
+          <a:bodyPr/>
+          <a:lstStyle/>
+          <a:p>
+            <a:r>
+              <a:rPr lang="en-US" dirty="0"/>
+              <a:t>All features are temporal aggregates, reflecting nature of data</a:t>
+            </a:r>
+            <a:br>
+              <a:rPr lang="en-US" dirty="0"/>
+            </a:br>
+            <a:endParaRPr lang="en-US" dirty="0"/>
+          </a:p>
+          <a:p>
+            <a:r>
+              <a:rPr lang="en-US" dirty="0"/>
+              <a:t>Need to specify what you’re using and when it was known</a:t>
+            </a:r>
+            <a:br>
+              <a:rPr lang="en-US" dirty="0"/>
+            </a:br>
+            <a:endParaRPr lang="en-US" dirty="0"/>
+          </a:p>
+          <a:p>
+            <a:r>
+              <a:rPr lang="en-US" dirty="0"/>
+              <a:t>Need to specify how you’ll handle missingness explicitly</a:t>
+            </a:r>
+            <a:br>
+              <a:rPr lang="en-US" dirty="0"/>
+            </a:br>
+            <a:endParaRPr lang="en-US" dirty="0"/>
+          </a:p>
+          <a:p>
+            <a:r>
+              <a:rPr lang="en-US" dirty="0"/>
+              <a:t>YAML structure can take a little getting used to, but powerful for specifying many aggregations over many time frames in compact format</a:t>
+            </a:r>
+          </a:p>
+        </p:txBody>
+      </p:sp>
+    </p:spTree>
+    <p:extLst>
+      <p:ext uri="{BB962C8B-B14F-4D97-AF65-F5344CB8AC3E}">
+        <p14:creationId xmlns:p14="http://schemas.microsoft.com/office/powerpoint/2010/main" val="460448307"/>
+      </p:ext>
+    </p:extLst>
+  </p:cSld>
+  <p:clrMapOvr>
+    <a:masterClrMapping/>
+  </p:clrMapOvr>
+</p:sld>
+</file>
+
+<file path=ppt/slides/slide19.xml><?xml version="1.0" encoding="utf-8"?>
+<p:sld xmlns:a="http://schemas.openxmlformats.org/drawingml/2006/main" xmlns:r="http://schemas.openxmlformats.org/officeDocument/2006/relationships" xmlns:p="http://schemas.openxmlformats.org/presentationml/2006/main">
+  <p:cSld>
+    <p:spTree>
+      <p:nvGrpSpPr>
+        <p:cNvPr id="1" name=""/>
+        <p:cNvGrpSpPr/>
+        <p:nvPr/>
+      </p:nvGrpSpPr>
+      <p:grpSpPr>
+        <a:xfrm>
+          <a:off x="0" y="0"/>
+          <a:ext cx="0" cy="0"/>
+          <a:chOff x="0" y="0"/>
+          <a:chExt cx="0" cy="0"/>
+        </a:xfrm>
+      </p:grpSpPr>
+      <p:sp>
+        <p:nvSpPr>
+          <p:cNvPr id="2" name="Title 1">
+            <a:extLst>
+              <a:ext uri="{FF2B5EF4-FFF2-40B4-BE49-F238E27FC236}">
+                <a16:creationId xmlns:a16="http://schemas.microsoft.com/office/drawing/2014/main" id="{98347210-B4BE-4047-93B4-3D7AA966D0F1}"/>
+              </a:ext>
+            </a:extLst>
+          </p:cNvPr>
+          <p:cNvSpPr>
+            <a:spLocks noGrp="1"/>
+          </p:cNvSpPr>
+          <p:nvPr>
+            <p:ph type="title"/>
+          </p:nvPr>
+        </p:nvSpPr>
+        <p:spPr/>
+        <p:txBody>
+          <a:bodyPr/>
+          <a:lstStyle/>
+          <a:p>
+            <a:r>
+              <a:rPr lang="en-US" dirty="0"/>
+              <a:t>Feature in triage: Collate</a:t>
+            </a:r>
+          </a:p>
+        </p:txBody>
+      </p:sp>
+      <p:pic>
+        <p:nvPicPr>
+          <p:cNvPr id="6" name="Google Shape;360;p31">
+            <a:extLst>
+              <a:ext uri="{FF2B5EF4-FFF2-40B4-BE49-F238E27FC236}">
+                <a16:creationId xmlns:a16="http://schemas.microsoft.com/office/drawing/2014/main" id="{F639CF4D-F46A-4A46-9F18-B2A0130E6F29}"/>
+              </a:ext>
+            </a:extLst>
+          </p:cNvPr>
+          <p:cNvPicPr preferRelativeResize="0"/>
+          <p:nvPr/>
+        </p:nvPicPr>
+        <p:blipFill>
+          <a:blip r:embed="rId2">
+            <a:alphaModFix/>
+          </a:blip>
+          <a:stretch>
+            <a:fillRect/>
+          </a:stretch>
+        </p:blipFill>
+        <p:spPr>
+          <a:xfrm>
+            <a:off x="268552" y="1475202"/>
+            <a:ext cx="5464983" cy="5071236"/>
+          </a:xfrm>
+          <a:prstGeom prst="rect">
+            <a:avLst/>
+          </a:prstGeom>
+          <a:noFill/>
+          <a:ln>
+            <a:noFill/>
+          </a:ln>
+        </p:spPr>
+      </p:pic>
+      <p:sp>
+        <p:nvSpPr>
+          <p:cNvPr id="7" name="Google Shape;362;p31">
+            <a:extLst>
+              <a:ext uri="{FF2B5EF4-FFF2-40B4-BE49-F238E27FC236}">
+                <a16:creationId xmlns:a16="http://schemas.microsoft.com/office/drawing/2014/main" id="{5FA8DA65-E5A6-8F45-BE0B-68902ECB02D6}"/>
+              </a:ext>
+            </a:extLst>
+          </p:cNvPr>
+          <p:cNvSpPr txBox="1"/>
+          <p:nvPr/>
+        </p:nvSpPr>
+        <p:spPr>
+          <a:xfrm>
+            <a:off x="5870067" y="2525206"/>
+            <a:ext cx="2575500" cy="694500"/>
+          </a:xfrm>
+          <a:prstGeom prst="rect">
+            <a:avLst/>
+          </a:prstGeom>
+          <a:noFill/>
+          <a:ln>
+            <a:noFill/>
+          </a:ln>
+        </p:spPr>
+        <p:txBody>
+          <a:bodyPr spcFirstLastPara="1" wrap="square" lIns="91425" tIns="91425" rIns="91425" bIns="91425" anchor="t" anchorCtr="0">
+            <a:noAutofit/>
+          </a:bodyPr>
+          <a:lstStyle/>
+          <a:p>
+            <a:pPr marL="0" lvl="0" indent="0" algn="l" rtl="0">
+              <a:spcBef>
+                <a:spcPts val="0"/>
+              </a:spcBef>
+              <a:spcAft>
+                <a:spcPts val="0"/>
+              </a:spcAft>
+              <a:buNone/>
+            </a:pPr>
+            <a:r>
+              <a:rPr lang="en" sz="2000" b="1" dirty="0">
+                <a:latin typeface="Calibri"/>
+                <a:ea typeface="Calibri"/>
+                <a:cs typeface="Calibri"/>
+                <a:sym typeface="Calibri"/>
+              </a:rPr>
+              <a:t>Several options for missing data</a:t>
+            </a:r>
+            <a:endParaRPr sz="2000" b="1" dirty="0">
+              <a:latin typeface="Calibri"/>
+              <a:ea typeface="Calibri"/>
+              <a:cs typeface="Calibri"/>
+              <a:sym typeface="Calibri"/>
+            </a:endParaRPr>
+          </a:p>
+        </p:txBody>
+      </p:sp>
+      <p:cxnSp>
+        <p:nvCxnSpPr>
+          <p:cNvPr id="8" name="Google Shape;363;p31">
+            <a:extLst>
+              <a:ext uri="{FF2B5EF4-FFF2-40B4-BE49-F238E27FC236}">
+                <a16:creationId xmlns:a16="http://schemas.microsoft.com/office/drawing/2014/main" id="{6529FA95-7C73-5B4C-B71F-2B0A41A3A50C}"/>
+              </a:ext>
+            </a:extLst>
+          </p:cNvPr>
+          <p:cNvCxnSpPr>
+            <a:cxnSpLocks/>
+          </p:cNvCxnSpPr>
+          <p:nvPr/>
+        </p:nvCxnSpPr>
+        <p:spPr>
+          <a:xfrm flipH="1">
+            <a:off x="3064476" y="2879506"/>
+            <a:ext cx="2843166" cy="677678"/>
+          </a:xfrm>
+          <a:prstGeom prst="straightConnector1">
+            <a:avLst/>
+          </a:prstGeom>
+          <a:noFill/>
+          <a:ln w="38100" cap="flat" cmpd="sng">
+            <a:solidFill>
+              <a:srgbClr val="000000"/>
+            </a:solidFill>
+            <a:prstDash val="solid"/>
+            <a:round/>
+            <a:headEnd type="none" w="med" len="med"/>
+            <a:tailEnd type="triangle" w="med" len="med"/>
+          </a:ln>
+        </p:spPr>
+      </p:cxnSp>
+      <p:cxnSp>
+        <p:nvCxnSpPr>
+          <p:cNvPr id="9" name="Google Shape;364;p31">
+            <a:extLst>
+              <a:ext uri="{FF2B5EF4-FFF2-40B4-BE49-F238E27FC236}">
+                <a16:creationId xmlns:a16="http://schemas.microsoft.com/office/drawing/2014/main" id="{FBC73B23-CE31-404F-B3DF-3C7B115315E5}"/>
+              </a:ext>
+            </a:extLst>
+          </p:cNvPr>
+          <p:cNvCxnSpPr>
+            <a:cxnSpLocks/>
+            <a:stCxn id="10" idx="1"/>
+          </p:cNvCxnSpPr>
+          <p:nvPr/>
+        </p:nvCxnSpPr>
+        <p:spPr>
+          <a:xfrm flipH="1">
+            <a:off x="3361038" y="2014434"/>
+            <a:ext cx="2509029" cy="438403"/>
+          </a:xfrm>
+          <a:prstGeom prst="straightConnector1">
+            <a:avLst/>
+          </a:prstGeom>
+          <a:noFill/>
+          <a:ln w="38100" cap="flat" cmpd="sng">
+            <a:solidFill>
+              <a:srgbClr val="000000"/>
+            </a:solidFill>
+            <a:prstDash val="solid"/>
+            <a:round/>
+            <a:headEnd type="none" w="med" len="med"/>
+            <a:tailEnd type="triangle" w="med" len="med"/>
+          </a:ln>
+        </p:spPr>
+      </p:cxnSp>
+      <p:sp>
+        <p:nvSpPr>
+          <p:cNvPr id="10" name="Google Shape;365;p31">
+            <a:extLst>
+              <a:ext uri="{FF2B5EF4-FFF2-40B4-BE49-F238E27FC236}">
+                <a16:creationId xmlns:a16="http://schemas.microsoft.com/office/drawing/2014/main" id="{FDD009F4-010D-BD4C-9032-29B0D2C08419}"/>
+              </a:ext>
+            </a:extLst>
+          </p:cNvPr>
+          <p:cNvSpPr txBox="1"/>
+          <p:nvPr/>
+        </p:nvSpPr>
+        <p:spPr>
+          <a:xfrm>
+            <a:off x="5870067" y="1777584"/>
+            <a:ext cx="2826900" cy="473700"/>
+          </a:xfrm>
+          <a:prstGeom prst="rect">
+            <a:avLst/>
+          </a:prstGeom>
+          <a:noFill/>
+          <a:ln>
+            <a:noFill/>
+          </a:ln>
+        </p:spPr>
+        <p:txBody>
+          <a:bodyPr spcFirstLastPara="1" wrap="square" lIns="91425" tIns="91425" rIns="91425" bIns="91425" anchor="t" anchorCtr="0">
+            <a:noAutofit/>
+          </a:bodyPr>
+          <a:lstStyle/>
+          <a:p>
+            <a:pPr marL="0" lvl="0" indent="0" algn="l" rtl="0">
+              <a:spcBef>
+                <a:spcPts val="0"/>
+              </a:spcBef>
+              <a:spcAft>
+                <a:spcPts val="0"/>
+              </a:spcAft>
+              <a:buNone/>
+            </a:pPr>
+            <a:r>
+              <a:rPr lang="en" sz="2000" b="1">
+                <a:latin typeface="Calibri"/>
+                <a:ea typeface="Calibri"/>
+                <a:cs typeface="Calibri"/>
+                <a:sym typeface="Calibri"/>
+              </a:rPr>
+              <a:t>Table or SQL snippet</a:t>
+            </a:r>
+            <a:endParaRPr sz="2000" b="1">
+              <a:latin typeface="Calibri"/>
+              <a:ea typeface="Calibri"/>
+              <a:cs typeface="Calibri"/>
+              <a:sym typeface="Calibri"/>
+            </a:endParaRPr>
+          </a:p>
+        </p:txBody>
+      </p:sp>
+      <p:cxnSp>
+        <p:nvCxnSpPr>
+          <p:cNvPr id="11" name="Google Shape;366;p31">
+            <a:extLst>
+              <a:ext uri="{FF2B5EF4-FFF2-40B4-BE49-F238E27FC236}">
+                <a16:creationId xmlns:a16="http://schemas.microsoft.com/office/drawing/2014/main" id="{2F6DA084-2F60-7645-9E31-EE51047BDCE6}"/>
+              </a:ext>
+            </a:extLst>
+          </p:cNvPr>
+          <p:cNvCxnSpPr>
+            <a:cxnSpLocks/>
+          </p:cNvCxnSpPr>
+          <p:nvPr/>
+        </p:nvCxnSpPr>
+        <p:spPr>
+          <a:xfrm flipH="1">
+            <a:off x="2483708" y="3897959"/>
+            <a:ext cx="3423934" cy="726051"/>
+          </a:xfrm>
+          <a:prstGeom prst="straightConnector1">
+            <a:avLst/>
+          </a:prstGeom>
+          <a:noFill/>
+          <a:ln w="38100" cap="flat" cmpd="sng">
+            <a:solidFill>
+              <a:srgbClr val="000000"/>
+            </a:solidFill>
+            <a:prstDash val="solid"/>
+            <a:round/>
+            <a:headEnd type="none" w="med" len="med"/>
+            <a:tailEnd type="triangle" w="med" len="med"/>
+          </a:ln>
+        </p:spPr>
+      </p:cxnSp>
+      <p:sp>
+        <p:nvSpPr>
+          <p:cNvPr id="12" name="Google Shape;367;p31">
+            <a:extLst>
+              <a:ext uri="{FF2B5EF4-FFF2-40B4-BE49-F238E27FC236}">
+                <a16:creationId xmlns:a16="http://schemas.microsoft.com/office/drawing/2014/main" id="{F2AC1F08-9383-D24B-9D21-A11FD31E42F8}"/>
+              </a:ext>
+            </a:extLst>
+          </p:cNvPr>
+          <p:cNvSpPr txBox="1"/>
+          <p:nvPr/>
+        </p:nvSpPr>
+        <p:spPr>
+          <a:xfrm>
+            <a:off x="5870066" y="3515384"/>
+            <a:ext cx="2843165" cy="694500"/>
+          </a:xfrm>
+          <a:prstGeom prst="rect">
+            <a:avLst/>
+          </a:prstGeom>
+          <a:noFill/>
+          <a:ln>
+            <a:noFill/>
+          </a:ln>
+        </p:spPr>
+        <p:txBody>
+          <a:bodyPr spcFirstLastPara="1" wrap="square" lIns="91425" tIns="91425" rIns="91425" bIns="91425" anchor="t" anchorCtr="0">
+            <a:noAutofit/>
+          </a:bodyPr>
+          <a:lstStyle/>
+          <a:p>
+            <a:pPr marL="0" lvl="0" indent="0" algn="l" rtl="0">
+              <a:spcBef>
+                <a:spcPts val="0"/>
+              </a:spcBef>
+              <a:spcAft>
+                <a:spcPts val="0"/>
+              </a:spcAft>
+              <a:buNone/>
+            </a:pPr>
+            <a:r>
+              <a:rPr lang="en" sz="2000" b="1" dirty="0">
+                <a:latin typeface="Calibri"/>
+                <a:ea typeface="Calibri"/>
+                <a:cs typeface="Calibri"/>
+                <a:sym typeface="Calibri"/>
+              </a:rPr>
+              <a:t>Column or SQL snippet</a:t>
+            </a:r>
+            <a:endParaRPr sz="2000" b="1" dirty="0">
+              <a:latin typeface="Calibri"/>
+              <a:ea typeface="Calibri"/>
+              <a:cs typeface="Calibri"/>
+              <a:sym typeface="Calibri"/>
+            </a:endParaRPr>
+          </a:p>
+          <a:p>
+            <a:pPr marL="0" lvl="0" indent="0" algn="l" rtl="0">
+              <a:spcBef>
+                <a:spcPts val="0"/>
+              </a:spcBef>
+              <a:spcAft>
+                <a:spcPts val="0"/>
+              </a:spcAft>
+              <a:buNone/>
+            </a:pPr>
+            <a:r>
+              <a:rPr lang="en" sz="2000" b="1" dirty="0">
+                <a:latin typeface="Calibri"/>
+                <a:ea typeface="Calibri"/>
+                <a:cs typeface="Calibri"/>
+                <a:sym typeface="Calibri"/>
+              </a:rPr>
+              <a:t>and aggregation function</a:t>
+            </a:r>
+            <a:endParaRPr sz="2000" b="1" dirty="0">
+              <a:latin typeface="Calibri"/>
+              <a:ea typeface="Calibri"/>
+              <a:cs typeface="Calibri"/>
+              <a:sym typeface="Calibri"/>
+            </a:endParaRPr>
+          </a:p>
+        </p:txBody>
+      </p:sp>
+      <p:cxnSp>
+        <p:nvCxnSpPr>
+          <p:cNvPr id="13" name="Google Shape;368;p31">
+            <a:extLst>
+              <a:ext uri="{FF2B5EF4-FFF2-40B4-BE49-F238E27FC236}">
+                <a16:creationId xmlns:a16="http://schemas.microsoft.com/office/drawing/2014/main" id="{A2EBC366-7C25-3B4D-9EC9-58C6705C2B40}"/>
+              </a:ext>
+            </a:extLst>
+          </p:cNvPr>
+          <p:cNvCxnSpPr/>
+          <p:nvPr/>
+        </p:nvCxnSpPr>
+        <p:spPr>
+          <a:xfrm flipH="1">
+            <a:off x="5588667" y="5542102"/>
+            <a:ext cx="609000" cy="113700"/>
+          </a:xfrm>
+          <a:prstGeom prst="straightConnector1">
+            <a:avLst/>
+          </a:prstGeom>
+          <a:noFill/>
+          <a:ln w="38100" cap="flat" cmpd="sng">
+            <a:solidFill>
+              <a:srgbClr val="000000"/>
+            </a:solidFill>
+            <a:prstDash val="solid"/>
+            <a:round/>
+            <a:headEnd type="none" w="med" len="med"/>
+            <a:tailEnd type="triangle" w="med" len="med"/>
+          </a:ln>
+        </p:spPr>
+      </p:cxnSp>
+      <p:sp>
+        <p:nvSpPr>
+          <p:cNvPr id="14" name="Google Shape;369;p31">
+            <a:extLst>
+              <a:ext uri="{FF2B5EF4-FFF2-40B4-BE49-F238E27FC236}">
+                <a16:creationId xmlns:a16="http://schemas.microsoft.com/office/drawing/2014/main" id="{DFCDACD2-5AB9-FB42-9E3E-61E65181D072}"/>
+              </a:ext>
+            </a:extLst>
+          </p:cNvPr>
+          <p:cNvSpPr txBox="1"/>
+          <p:nvPr/>
+        </p:nvSpPr>
+        <p:spPr>
+          <a:xfrm>
+            <a:off x="6121467" y="5129452"/>
+            <a:ext cx="2575500" cy="694500"/>
+          </a:xfrm>
+          <a:prstGeom prst="rect">
+            <a:avLst/>
+          </a:prstGeom>
+          <a:noFill/>
+          <a:ln>
+            <a:noFill/>
+          </a:ln>
+        </p:spPr>
+        <p:txBody>
+          <a:bodyPr spcFirstLastPara="1" wrap="square" lIns="91425" tIns="91425" rIns="91425" bIns="91425" anchor="t" anchorCtr="0">
+            <a:noAutofit/>
+          </a:bodyPr>
+          <a:lstStyle/>
+          <a:p>
+            <a:pPr marL="0" lvl="0" indent="0" algn="l" rtl="0">
+              <a:spcBef>
+                <a:spcPts val="0"/>
+              </a:spcBef>
+              <a:spcAft>
+                <a:spcPts val="0"/>
+              </a:spcAft>
+              <a:buNone/>
+            </a:pPr>
+            <a:r>
+              <a:rPr lang="en" sz="2000" b="1" dirty="0">
+                <a:latin typeface="Calibri"/>
+                <a:ea typeface="Calibri"/>
+                <a:cs typeface="Calibri"/>
+                <a:sym typeface="Calibri"/>
+              </a:rPr>
+              <a:t>Time frames for aggregation</a:t>
+            </a:r>
+            <a:endParaRPr sz="2000" b="1" dirty="0">
+              <a:latin typeface="Calibri"/>
+              <a:ea typeface="Calibri"/>
+              <a:cs typeface="Calibri"/>
+              <a:sym typeface="Calibri"/>
+            </a:endParaRPr>
+          </a:p>
+        </p:txBody>
+      </p:sp>
+    </p:spTree>
+    <p:extLst>
+      <p:ext uri="{BB962C8B-B14F-4D97-AF65-F5344CB8AC3E}">
+        <p14:creationId xmlns:p14="http://schemas.microsoft.com/office/powerpoint/2010/main" val="1940963158"/>
+      </p:ext>
+    </p:extLst>
+  </p:cSld>
+  <p:clrMapOvr>
+    <a:masterClrMapping/>
+  </p:clrMapOvr>
+</p:sld>
+</file>
+
+<file path=ppt/slides/slide2.xml><?xml version="1.0" encoding="utf-8"?>
+<p:sld xmlns:a="http://schemas.openxmlformats.org/drawingml/2006/main" xmlns:r="http://schemas.openxmlformats.org/officeDocument/2006/relationships" xmlns:p="http://schemas.openxmlformats.org/presentationml/2006/main">
+  <p:cSld>
+    <p:spTree>
+      <p:nvGrpSpPr>
+        <p:cNvPr id="1" name=""/>
+        <p:cNvGrpSpPr/>
+        <p:nvPr/>
+      </p:nvGrpSpPr>
+      <p:grpSpPr>
+        <a:xfrm>
+          <a:off x="0" y="0"/>
+          <a:ext cx="0" cy="0"/>
+          <a:chOff x="0" y="0"/>
+          <a:chExt cx="0" cy="0"/>
+        </a:xfrm>
+      </p:grpSpPr>
+      <p:sp>
+        <p:nvSpPr>
+          <p:cNvPr id="3" name="Title 2">
+            <a:extLst>
+              <a:ext uri="{FF2B5EF4-FFF2-40B4-BE49-F238E27FC236}">
+                <a16:creationId xmlns:a16="http://schemas.microsoft.com/office/drawing/2014/main" id="{9323871C-7CA8-1448-8FFC-1AE6E1838941}"/>
+              </a:ext>
+            </a:extLst>
+          </p:cNvPr>
+          <p:cNvSpPr>
+            <a:spLocks noGrp="1"/>
+          </p:cNvSpPr>
+          <p:nvPr>
+            <p:ph type="title"/>
+          </p:nvPr>
+        </p:nvSpPr>
+        <p:spPr/>
+        <p:txBody>
+          <a:bodyPr/>
+          <a:lstStyle/>
+          <a:p>
+            <a:r>
+              <a:rPr lang="en-US" dirty="0"/>
+              <a:t>Reminders</a:t>
+            </a:r>
+          </a:p>
+        </p:txBody>
+      </p:sp>
+      <p:sp>
+        <p:nvSpPr>
+          <p:cNvPr id="5" name="Text Placeholder 4">
+            <a:extLst>
+              <a:ext uri="{FF2B5EF4-FFF2-40B4-BE49-F238E27FC236}">
+                <a16:creationId xmlns:a16="http://schemas.microsoft.com/office/drawing/2014/main" id="{F4E0A5F0-1D89-954D-91FB-596CD9E690F2}"/>
+              </a:ext>
+            </a:extLst>
+          </p:cNvPr>
+          <p:cNvSpPr>
+            <a:spLocks noGrp="1"/>
+          </p:cNvSpPr>
+          <p:nvPr>
+            <p:ph type="body" idx="1"/>
+          </p:nvPr>
+        </p:nvSpPr>
+        <p:spPr/>
+        <p:txBody>
+          <a:bodyPr/>
+          <a:lstStyle/>
+          <a:p>
+            <a:pPr marL="76200" indent="0">
+              <a:buNone/>
+            </a:pPr>
+            <a:r>
+              <a:rPr lang="en-US" b="1" dirty="0">
+                <a:solidFill>
+                  <a:schemeClr val="tx1">
+                    <a:lumMod val="75000"/>
+                    <a:lumOff val="25000"/>
+                  </a:schemeClr>
+                </a:solidFill>
+              </a:rPr>
+              <a:t>This week:</a:t>
+            </a:r>
+          </a:p>
+          <a:p>
+            <a:r>
+              <a:rPr lang="en-US" dirty="0">
+                <a:solidFill>
+                  <a:schemeClr val="tx1">
+                    <a:lumMod val="75000"/>
+                    <a:lumOff val="25000"/>
+                  </a:schemeClr>
+                </a:solidFill>
+              </a:rPr>
+              <a:t>Tomorrow: Wednesday Group Check-Ins</a:t>
+            </a:r>
+          </a:p>
+          <a:p>
+            <a:r>
+              <a:rPr lang="en-US" dirty="0">
+                <a:solidFill>
+                  <a:schemeClr val="tx1">
+                    <a:lumMod val="75000"/>
+                    <a:lumOff val="25000"/>
+                  </a:schemeClr>
+                </a:solidFill>
+              </a:rPr>
+              <a:t>Thursday: Time for group work (no lecture)</a:t>
+            </a:r>
+          </a:p>
+          <a:p>
+            <a:pPr marL="76200" indent="0">
+              <a:buNone/>
+            </a:pPr>
+            <a:endParaRPr lang="en-US" b="1" dirty="0">
+              <a:solidFill>
+                <a:schemeClr val="tx1">
+                  <a:lumMod val="75000"/>
+                  <a:lumOff val="25000"/>
+                </a:schemeClr>
+              </a:solidFill>
+            </a:endParaRPr>
+          </a:p>
+          <a:p>
+            <a:pPr marL="76200" indent="0">
+              <a:buNone/>
+            </a:pPr>
+            <a:endParaRPr lang="en-US" b="1" dirty="0">
+              <a:solidFill>
+                <a:schemeClr val="tx1">
+                  <a:lumMod val="75000"/>
+                  <a:lumOff val="25000"/>
+                </a:schemeClr>
+              </a:solidFill>
+            </a:endParaRPr>
+          </a:p>
+          <a:p>
+            <a:pPr marL="76200" indent="0">
+              <a:buNone/>
+            </a:pPr>
+            <a:r>
+              <a:rPr lang="en-US" b="1" dirty="0">
+                <a:solidFill>
+                  <a:schemeClr val="tx1">
+                    <a:lumMod val="75000"/>
+                    <a:lumOff val="25000"/>
+                  </a:schemeClr>
+                </a:solidFill>
+              </a:rPr>
+              <a:t>Coming up after fall break:</a:t>
+            </a:r>
+          </a:p>
+          <a:p>
+            <a:r>
+              <a:rPr lang="en-US" dirty="0">
+                <a:solidFill>
+                  <a:schemeClr val="tx1">
+                    <a:lumMod val="75000"/>
+                    <a:lumOff val="25000"/>
+                  </a:schemeClr>
+                </a:solidFill>
+              </a:rPr>
+              <a:t>Monday: Project Update 3</a:t>
+            </a:r>
+          </a:p>
+          <a:p>
+            <a:r>
+              <a:rPr lang="en-US" dirty="0">
+                <a:solidFill>
+                  <a:schemeClr val="tx1">
+                    <a:lumMod val="75000"/>
+                    <a:lumOff val="25000"/>
+                  </a:schemeClr>
+                </a:solidFill>
+              </a:rPr>
+              <a:t>Tuesday: Weekly Feedback Form</a:t>
+            </a:r>
+          </a:p>
+          <a:p>
+            <a:r>
+              <a:rPr lang="en-US" dirty="0">
+                <a:solidFill>
+                  <a:schemeClr val="tx1">
+                    <a:lumMod val="75000"/>
+                    <a:lumOff val="25000"/>
+                  </a:schemeClr>
+                </a:solidFill>
+              </a:rPr>
+              <a:t>Tuesday: Readings on Practical ML</a:t>
+            </a:r>
+          </a:p>
+        </p:txBody>
+      </p:sp>
+    </p:spTree>
+    <p:extLst>
+      <p:ext uri="{BB962C8B-B14F-4D97-AF65-F5344CB8AC3E}">
+        <p14:creationId xmlns:p14="http://schemas.microsoft.com/office/powerpoint/2010/main" val="186046226"/>
+      </p:ext>
+    </p:extLst>
+  </p:cSld>
+  <p:clrMapOvr>
+    <a:masterClrMapping/>
+  </p:clrMapOvr>
+</p:sld>
+</file>
+
+<file path=ppt/slides/slide20.xml><?xml version="1.0" encoding="utf-8"?>
+<p:sld xmlns:a="http://schemas.openxmlformats.org/drawingml/2006/main" xmlns:r="http://schemas.openxmlformats.org/officeDocument/2006/relationships" xmlns:p="http://schemas.openxmlformats.org/presentationml/2006/main">
+  <p:cSld>
+    <p:spTree>
+      <p:nvGrpSpPr>
+        <p:cNvPr id="1" name=""/>
+        <p:cNvGrpSpPr/>
+        <p:nvPr/>
+      </p:nvGrpSpPr>
+      <p:grpSpPr>
+        <a:xfrm>
+          <a:off x="0" y="0"/>
+          <a:ext cx="0" cy="0"/>
+          <a:chOff x="0" y="0"/>
+          <a:chExt cx="0" cy="0"/>
+        </a:xfrm>
+      </p:grpSpPr>
+      <p:sp>
+        <p:nvSpPr>
+          <p:cNvPr id="2" name="Title 1">
+            <a:extLst>
+              <a:ext uri="{FF2B5EF4-FFF2-40B4-BE49-F238E27FC236}">
+                <a16:creationId xmlns:a16="http://schemas.microsoft.com/office/drawing/2014/main" id="{98347210-B4BE-4047-93B4-3D7AA966D0F1}"/>
+              </a:ext>
+            </a:extLst>
+          </p:cNvPr>
+          <p:cNvSpPr>
+            <a:spLocks noGrp="1"/>
+          </p:cNvSpPr>
+          <p:nvPr>
+            <p:ph type="title"/>
+          </p:nvPr>
+        </p:nvSpPr>
+        <p:spPr/>
+        <p:txBody>
+          <a:bodyPr/>
+          <a:lstStyle/>
+          <a:p>
+            <a:r>
+              <a:rPr lang="en-US" dirty="0"/>
+              <a:t>Feature in triage: Collate</a:t>
+            </a:r>
+          </a:p>
+        </p:txBody>
+      </p:sp>
+      <p:pic>
+        <p:nvPicPr>
+          <p:cNvPr id="15" name="Google Shape;374;p32">
+            <a:extLst>
+              <a:ext uri="{FF2B5EF4-FFF2-40B4-BE49-F238E27FC236}">
+                <a16:creationId xmlns:a16="http://schemas.microsoft.com/office/drawing/2014/main" id="{96658BB8-39C3-334B-8D4F-2527D220FB50}"/>
+              </a:ext>
+            </a:extLst>
+          </p:cNvPr>
+          <p:cNvPicPr preferRelativeResize="0"/>
+          <p:nvPr/>
+        </p:nvPicPr>
+        <p:blipFill>
+          <a:blip r:embed="rId2">
+            <a:alphaModFix/>
+          </a:blip>
+          <a:stretch>
+            <a:fillRect/>
+          </a:stretch>
+        </p:blipFill>
+        <p:spPr>
+          <a:xfrm>
+            <a:off x="160638" y="1469856"/>
+            <a:ext cx="4868561" cy="5007339"/>
+          </a:xfrm>
+          <a:prstGeom prst="rect">
+            <a:avLst/>
+          </a:prstGeom>
+          <a:noFill/>
+          <a:ln>
+            <a:noFill/>
+          </a:ln>
+        </p:spPr>
+      </p:pic>
+      <p:sp>
+        <p:nvSpPr>
+          <p:cNvPr id="16" name="Google Shape;376;p32">
+            <a:extLst>
+              <a:ext uri="{FF2B5EF4-FFF2-40B4-BE49-F238E27FC236}">
+                <a16:creationId xmlns:a16="http://schemas.microsoft.com/office/drawing/2014/main" id="{8142FD36-EDCE-734D-8AD5-ACE3E58DF356}"/>
+              </a:ext>
+            </a:extLst>
+          </p:cNvPr>
+          <p:cNvSpPr txBox="1"/>
+          <p:nvPr/>
+        </p:nvSpPr>
+        <p:spPr>
+          <a:xfrm>
+            <a:off x="5262595" y="2791281"/>
+            <a:ext cx="2575500" cy="694500"/>
+          </a:xfrm>
+          <a:prstGeom prst="rect">
+            <a:avLst/>
+          </a:prstGeom>
+          <a:noFill/>
+          <a:ln>
+            <a:noFill/>
+          </a:ln>
+        </p:spPr>
+        <p:txBody>
+          <a:bodyPr spcFirstLastPara="1" wrap="square" lIns="91425" tIns="91425" rIns="91425" bIns="91425" anchor="t" anchorCtr="0">
+            <a:noAutofit/>
+          </a:bodyPr>
+          <a:lstStyle/>
+          <a:p>
+            <a:pPr marL="0" lvl="0" indent="0" algn="l" rtl="0">
+              <a:spcBef>
+                <a:spcPts val="0"/>
+              </a:spcBef>
+              <a:spcAft>
+                <a:spcPts val="0"/>
+              </a:spcAft>
+              <a:buNone/>
+            </a:pPr>
+            <a:r>
+              <a:rPr lang="en" sz="2000" b="1">
+                <a:latin typeface="Calibri"/>
+                <a:ea typeface="Calibri"/>
+                <a:cs typeface="Calibri"/>
+                <a:sym typeface="Calibri"/>
+              </a:rPr>
+              <a:t>Similar structure for categoricals</a:t>
+            </a:r>
+            <a:endParaRPr sz="2000" b="1">
+              <a:latin typeface="Calibri"/>
+              <a:ea typeface="Calibri"/>
+              <a:cs typeface="Calibri"/>
+              <a:sym typeface="Calibri"/>
+            </a:endParaRPr>
+          </a:p>
+        </p:txBody>
+      </p:sp>
+      <p:cxnSp>
+        <p:nvCxnSpPr>
+          <p:cNvPr id="17" name="Google Shape;377;p32">
+            <a:extLst>
+              <a:ext uri="{FF2B5EF4-FFF2-40B4-BE49-F238E27FC236}">
+                <a16:creationId xmlns:a16="http://schemas.microsoft.com/office/drawing/2014/main" id="{D23696E0-1F1B-214A-B21A-E9C35A4E337C}"/>
+              </a:ext>
+            </a:extLst>
+          </p:cNvPr>
+          <p:cNvCxnSpPr>
+            <a:cxnSpLocks/>
+          </p:cNvCxnSpPr>
+          <p:nvPr/>
+        </p:nvCxnSpPr>
+        <p:spPr>
+          <a:xfrm flipH="1">
+            <a:off x="2724670" y="3145581"/>
+            <a:ext cx="2575500" cy="605750"/>
+          </a:xfrm>
+          <a:prstGeom prst="straightConnector1">
+            <a:avLst/>
+          </a:prstGeom>
+          <a:noFill/>
+          <a:ln w="38100" cap="flat" cmpd="sng">
+            <a:solidFill>
+              <a:srgbClr val="000000"/>
+            </a:solidFill>
+            <a:prstDash val="solid"/>
+            <a:round/>
+            <a:headEnd type="none" w="med" len="med"/>
+            <a:tailEnd type="triangle" w="med" len="med"/>
+          </a:ln>
+        </p:spPr>
+      </p:cxnSp>
+      <p:cxnSp>
+        <p:nvCxnSpPr>
+          <p:cNvPr id="18" name="Google Shape;378;p32">
+            <a:extLst>
+              <a:ext uri="{FF2B5EF4-FFF2-40B4-BE49-F238E27FC236}">
+                <a16:creationId xmlns:a16="http://schemas.microsoft.com/office/drawing/2014/main" id="{441C19BB-6061-3249-9980-AF2EC0D1FA70}"/>
+              </a:ext>
+            </a:extLst>
+          </p:cNvPr>
+          <p:cNvCxnSpPr>
+            <a:cxnSpLocks/>
+          </p:cNvCxnSpPr>
+          <p:nvPr/>
+        </p:nvCxnSpPr>
+        <p:spPr>
+          <a:xfrm flipH="1">
+            <a:off x="3793524" y="4133906"/>
+            <a:ext cx="1506646" cy="311925"/>
+          </a:xfrm>
+          <a:prstGeom prst="straightConnector1">
+            <a:avLst/>
+          </a:prstGeom>
+          <a:noFill/>
+          <a:ln w="38100" cap="flat" cmpd="sng">
+            <a:solidFill>
+              <a:srgbClr val="000000"/>
+            </a:solidFill>
+            <a:prstDash val="solid"/>
+            <a:round/>
+            <a:headEnd type="none" w="med" len="med"/>
+            <a:tailEnd type="triangle" w="med" len="med"/>
+          </a:ln>
+        </p:spPr>
+      </p:cxnSp>
+      <p:sp>
+        <p:nvSpPr>
+          <p:cNvPr id="19" name="Google Shape;379;p32">
+            <a:extLst>
+              <a:ext uri="{FF2B5EF4-FFF2-40B4-BE49-F238E27FC236}">
+                <a16:creationId xmlns:a16="http://schemas.microsoft.com/office/drawing/2014/main" id="{7BBE3A5B-371F-5F47-AB13-3C53804B9A02}"/>
+              </a:ext>
+            </a:extLst>
+          </p:cNvPr>
+          <p:cNvSpPr txBox="1"/>
+          <p:nvPr/>
+        </p:nvSpPr>
+        <p:spPr>
+          <a:xfrm>
+            <a:off x="5262595" y="3751331"/>
+            <a:ext cx="3016432" cy="694500"/>
+          </a:xfrm>
+          <a:prstGeom prst="rect">
+            <a:avLst/>
+          </a:prstGeom>
+          <a:noFill/>
+          <a:ln>
+            <a:noFill/>
+          </a:ln>
+        </p:spPr>
+        <p:txBody>
+          <a:bodyPr spcFirstLastPara="1" wrap="square" lIns="91425" tIns="91425" rIns="91425" bIns="91425" anchor="t" anchorCtr="0">
+            <a:noAutofit/>
+          </a:bodyPr>
+          <a:lstStyle/>
+          <a:p>
+            <a:pPr marL="0" lvl="0" indent="0" algn="l" rtl="0">
+              <a:spcBef>
+                <a:spcPts val="0"/>
+              </a:spcBef>
+              <a:spcAft>
+                <a:spcPts val="0"/>
+              </a:spcAft>
+              <a:buNone/>
+            </a:pPr>
+            <a:r>
+              <a:rPr lang="en" sz="2000" b="1" dirty="0">
+                <a:latin typeface="Calibri"/>
+                <a:ea typeface="Calibri"/>
+                <a:cs typeface="Calibri"/>
+                <a:sym typeface="Calibri"/>
+              </a:rPr>
+              <a:t>Specify categorical values by hand or query</a:t>
+            </a:r>
+            <a:endParaRPr sz="2000" b="1" dirty="0">
+              <a:latin typeface="Calibri"/>
+              <a:ea typeface="Calibri"/>
+              <a:cs typeface="Calibri"/>
+              <a:sym typeface="Calibri"/>
+            </a:endParaRPr>
+          </a:p>
+        </p:txBody>
+      </p:sp>
+    </p:spTree>
+    <p:extLst>
+      <p:ext uri="{BB962C8B-B14F-4D97-AF65-F5344CB8AC3E}">
+        <p14:creationId xmlns:p14="http://schemas.microsoft.com/office/powerpoint/2010/main" val="3980843704"/>
+      </p:ext>
+    </p:extLst>
+  </p:cSld>
+  <p:clrMapOvr>
+    <a:masterClrMapping/>
+  </p:clrMapOvr>
+</p:sld>
+</file>
+
+<file path=ppt/slides/slide21.xml><?xml version="1.0" encoding="utf-8"?>
 <p:sld xmlns:a="http://schemas.openxmlformats.org/drawingml/2006/main" xmlns:r="http://schemas.openxmlformats.org/officeDocument/2006/relationships" xmlns:p="http://schemas.openxmlformats.org/presentationml/2006/main">
   <p:cSld>
     <p:spTree>
@@ -15802,6 +17959,138 @@
           <a:p>
             <a:r>
               <a:rPr lang="en-US" dirty="0"/>
+              <a:t>Feature Generation – A Deeper Look</a:t>
+            </a:r>
+          </a:p>
+        </p:txBody>
+      </p:sp>
+      <p:sp>
+        <p:nvSpPr>
+          <p:cNvPr id="2" name="Content Placeholder 1"/>
+          <p:cNvSpPr>
+            <a:spLocks noGrp="1"/>
+          </p:cNvSpPr>
+          <p:nvPr>
+            <p:ph type="body" idx="1"/>
+          </p:nvPr>
+        </p:nvSpPr>
+        <p:spPr/>
+        <p:txBody>
+          <a:bodyPr>
+            <a:normAutofit/>
+          </a:bodyPr>
+          <a:lstStyle/>
+          <a:p>
+            <a:r>
+              <a:rPr lang="en-US" dirty="0"/>
+              <a:t>Categorical to Binary (Dummies)</a:t>
+            </a:r>
+          </a:p>
+          <a:p>
+            <a:r>
+              <a:rPr lang="en-US" dirty="0"/>
+              <a:t>Features for missing values</a:t>
+            </a:r>
+          </a:p>
+          <a:p>
+            <a:r>
+              <a:rPr lang="en-US" dirty="0"/>
+              <a:t>Discretization</a:t>
+            </a:r>
+          </a:p>
+          <a:p>
+            <a:r>
+              <a:rPr lang="en-US" dirty="0"/>
+              <a:t>Date/Time Features</a:t>
+            </a:r>
+          </a:p>
+          <a:p>
+            <a:r>
+              <a:rPr lang="en-US" dirty="0"/>
+              <a:t>Scaling/Normalizing</a:t>
+            </a:r>
+          </a:p>
+          <a:p>
+            <a:r>
+              <a:rPr lang="en-US" dirty="0"/>
+              <a:t>Transformations</a:t>
+            </a:r>
+          </a:p>
+          <a:p>
+            <a:r>
+              <a:rPr lang="en-US" b="1" dirty="0"/>
+              <a:t>Aggregations (space, time, space and time)</a:t>
+            </a:r>
+          </a:p>
+          <a:p>
+            <a:r>
+              <a:rPr lang="en-US" b="1" dirty="0"/>
+              <a:t>Relative (compared to the average</a:t>
+            </a:r>
+            <a:r>
+              <a:rPr lang="mr-IN" b="1" dirty="0"/>
+              <a:t>…</a:t>
+            </a:r>
+            <a:r>
+              <a:rPr lang="en-US" b="1" dirty="0"/>
+              <a:t>)</a:t>
+            </a:r>
+          </a:p>
+          <a:p>
+            <a:r>
+              <a:rPr lang="en-US" dirty="0"/>
+              <a:t>Interactions</a:t>
+            </a:r>
+          </a:p>
+        </p:txBody>
+      </p:sp>
+    </p:spTree>
+    <p:extLst>
+      <p:ext uri="{BB962C8B-B14F-4D97-AF65-F5344CB8AC3E}">
+        <p14:creationId xmlns:p14="http://schemas.microsoft.com/office/powerpoint/2010/main" val="273184349"/>
+      </p:ext>
+    </p:extLst>
+  </p:cSld>
+  <p:clrMapOvr>
+    <a:masterClrMapping/>
+  </p:clrMapOvr>
+</p:sld>
+</file>
+
+<file path=ppt/slides/slide22.xml><?xml version="1.0" encoding="utf-8"?>
+<p:sld xmlns:a="http://schemas.openxmlformats.org/drawingml/2006/main" xmlns:r="http://schemas.openxmlformats.org/officeDocument/2006/relationships" xmlns:p="http://schemas.openxmlformats.org/presentationml/2006/main">
+  <p:cSld>
+    <p:spTree>
+      <p:nvGrpSpPr>
+        <p:cNvPr id="1" name=""/>
+        <p:cNvGrpSpPr/>
+        <p:nvPr/>
+      </p:nvGrpSpPr>
+      <p:grpSpPr>
+        <a:xfrm>
+          <a:off x="0" y="0"/>
+          <a:ext cx="0" cy="0"/>
+          <a:chOff x="0" y="0"/>
+          <a:chExt cx="0" cy="0"/>
+        </a:xfrm>
+      </p:grpSpPr>
+      <p:sp>
+        <p:nvSpPr>
+          <p:cNvPr id="3" name="Title 2"/>
+          <p:cNvSpPr>
+            <a:spLocks noGrp="1"/>
+          </p:cNvSpPr>
+          <p:nvPr>
+            <p:ph type="title"/>
+          </p:nvPr>
+        </p:nvSpPr>
+        <p:spPr/>
+        <p:txBody>
+          <a:bodyPr/>
+          <a:lstStyle/>
+          <a:p>
+            <a:r>
+              <a:rPr lang="en-US" dirty="0"/>
               <a:t>Categorical to Binary</a:t>
             </a:r>
           </a:p>
@@ -15865,7 +18154,7 @@
 </p:sld>
 </file>
 
-<file path=ppt/slides/slide15.xml><?xml version="1.0" encoding="utf-8"?>
+<file path=ppt/slides/slide23.xml><?xml version="1.0" encoding="utf-8"?>
 <p:sld xmlns:a="http://schemas.openxmlformats.org/drawingml/2006/main" xmlns:r="http://schemas.openxmlformats.org/officeDocument/2006/relationships" xmlns:p="http://schemas.openxmlformats.org/presentationml/2006/main">
   <p:cSld>
     <p:spTree>
@@ -16157,7 +18446,7 @@
 </p:sld>
 </file>
 
-<file path=ppt/slides/slide16.xml><?xml version="1.0" encoding="utf-8"?>
+<file path=ppt/slides/slide24.xml><?xml version="1.0" encoding="utf-8"?>
 <p:sld xmlns:a="http://schemas.openxmlformats.org/drawingml/2006/main" xmlns:r="http://schemas.openxmlformats.org/officeDocument/2006/relationships" xmlns:p="http://schemas.openxmlformats.org/presentationml/2006/main">
   <p:cSld>
     <p:spTree>
@@ -16293,7 +18582,7 @@
 </p:sld>
 </file>
 
-<file path=ppt/slides/slide17.xml><?xml version="1.0" encoding="utf-8"?>
+<file path=ppt/slides/slide25.xml><?xml version="1.0" encoding="utf-8"?>
 <p:sld xmlns:a="http://schemas.openxmlformats.org/drawingml/2006/main" xmlns:r="http://schemas.openxmlformats.org/officeDocument/2006/relationships" xmlns:p="http://schemas.openxmlformats.org/presentationml/2006/main">
   <p:cSld>
     <p:spTree>
@@ -16414,7 +18703,7 @@
 </p:sld>
 </file>
 
-<file path=ppt/slides/slide18.xml><?xml version="1.0" encoding="utf-8"?>
+<file path=ppt/slides/slide26.xml><?xml version="1.0" encoding="utf-8"?>
 <p:sld xmlns:a="http://schemas.openxmlformats.org/drawingml/2006/main" xmlns:r="http://schemas.openxmlformats.org/officeDocument/2006/relationships" xmlns:p="http://schemas.openxmlformats.org/presentationml/2006/main">
   <p:cSld>
     <p:spTree>
@@ -16594,7 +18883,7 @@
 </p:sld>
 </file>
 
-<file path=ppt/slides/slide19.xml><?xml version="1.0" encoding="utf-8"?>
+<file path=ppt/slides/slide27.xml><?xml version="1.0" encoding="utf-8"?>
 <p:sld xmlns:a="http://schemas.openxmlformats.org/drawingml/2006/main" xmlns:r="http://schemas.openxmlformats.org/officeDocument/2006/relationships" xmlns:p="http://schemas.openxmlformats.org/presentationml/2006/main">
   <p:cSld>
     <p:spTree>
@@ -16747,152 +19036,7 @@
 </p:sld>
 </file>
 
-<file path=ppt/slides/slide2.xml><?xml version="1.0" encoding="utf-8"?>
-<p:sld xmlns:a="http://schemas.openxmlformats.org/drawingml/2006/main" xmlns:r="http://schemas.openxmlformats.org/officeDocument/2006/relationships" xmlns:p="http://schemas.openxmlformats.org/presentationml/2006/main">
-  <p:cSld>
-    <p:spTree>
-      <p:nvGrpSpPr>
-        <p:cNvPr id="1" name=""/>
-        <p:cNvGrpSpPr/>
-        <p:nvPr/>
-      </p:nvGrpSpPr>
-      <p:grpSpPr>
-        <a:xfrm>
-          <a:off x="0" y="0"/>
-          <a:ext cx="0" cy="0"/>
-          <a:chOff x="0" y="0"/>
-          <a:chExt cx="0" cy="0"/>
-        </a:xfrm>
-      </p:grpSpPr>
-      <p:sp>
-        <p:nvSpPr>
-          <p:cNvPr id="3" name="Title 2">
-            <a:extLst>
-              <a:ext uri="{FF2B5EF4-FFF2-40B4-BE49-F238E27FC236}">
-                <a16:creationId xmlns:a16="http://schemas.microsoft.com/office/drawing/2014/main" id="{9323871C-7CA8-1448-8FFC-1AE6E1838941}"/>
-              </a:ext>
-            </a:extLst>
-          </p:cNvPr>
-          <p:cNvSpPr>
-            <a:spLocks noGrp="1"/>
-          </p:cNvSpPr>
-          <p:nvPr>
-            <p:ph type="title"/>
-          </p:nvPr>
-        </p:nvSpPr>
-        <p:spPr/>
-        <p:txBody>
-          <a:bodyPr/>
-          <a:lstStyle/>
-          <a:p>
-            <a:r>
-              <a:rPr lang="en-US" dirty="0"/>
-              <a:t>Reminders</a:t>
-            </a:r>
-          </a:p>
-        </p:txBody>
-      </p:sp>
-      <p:sp>
-        <p:nvSpPr>
-          <p:cNvPr id="5" name="Text Placeholder 4">
-            <a:extLst>
-              <a:ext uri="{FF2B5EF4-FFF2-40B4-BE49-F238E27FC236}">
-                <a16:creationId xmlns:a16="http://schemas.microsoft.com/office/drawing/2014/main" id="{F4E0A5F0-1D89-954D-91FB-596CD9E690F2}"/>
-              </a:ext>
-            </a:extLst>
-          </p:cNvPr>
-          <p:cNvSpPr>
-            <a:spLocks noGrp="1"/>
-          </p:cNvSpPr>
-          <p:nvPr>
-            <p:ph type="body" idx="1"/>
-          </p:nvPr>
-        </p:nvSpPr>
-        <p:spPr/>
-        <p:txBody>
-          <a:bodyPr/>
-          <a:lstStyle/>
-          <a:p>
-            <a:pPr marL="76200" indent="0">
-              <a:buNone/>
-            </a:pPr>
-            <a:r>
-              <a:rPr lang="en-US" b="1" dirty="0"/>
-              <a:t>This week:</a:t>
-            </a:r>
-          </a:p>
-          <a:p>
-            <a:r>
-              <a:rPr lang="en-US" dirty="0"/>
-              <a:t>Tomorrow: Wednesday Group Check-Ins</a:t>
-            </a:r>
-            <a:endParaRPr lang="en-US" b="1" dirty="0">
-              <a:solidFill>
-                <a:schemeClr val="tx1"/>
-              </a:solidFill>
-            </a:endParaRPr>
-          </a:p>
-          <a:p>
-            <a:pPr marL="76200" indent="0">
-              <a:buNone/>
-            </a:pPr>
-            <a:endParaRPr lang="en-US" b="1" dirty="0"/>
-          </a:p>
-          <a:p>
-            <a:pPr marL="76200" indent="0">
-              <a:buNone/>
-            </a:pPr>
-            <a:endParaRPr lang="en-US" b="1" dirty="0"/>
-          </a:p>
-          <a:p>
-            <a:pPr marL="76200" indent="0">
-              <a:buNone/>
-            </a:pPr>
-            <a:r>
-              <a:rPr lang="en-US" b="1" dirty="0"/>
-              <a:t>Coming up next week:</a:t>
-            </a:r>
-          </a:p>
-          <a:p>
-            <a:r>
-              <a:rPr lang="en-US" dirty="0"/>
-              <a:t>Monday: Project Update 2</a:t>
-            </a:r>
-          </a:p>
-          <a:p>
-            <a:r>
-              <a:rPr lang="en-US" dirty="0"/>
-              <a:t>Tuesday: Weekly Feedback Form</a:t>
-            </a:r>
-          </a:p>
-          <a:p>
-            <a:r>
-              <a:rPr lang="en-US" dirty="0"/>
-              <a:t>Tuesday: Reading on Practical ML</a:t>
-            </a:r>
-          </a:p>
-          <a:p>
-            <a:r>
-              <a:rPr lang="en-US" dirty="0"/>
-              <a:t>Following week: Project Update Presentations</a:t>
-            </a:r>
-          </a:p>
-        </p:txBody>
-      </p:sp>
-    </p:spTree>
-    <p:extLst>
-      <p:ext uri="{BB962C8B-B14F-4D97-AF65-F5344CB8AC3E}">
-        <p14:creationId xmlns:p14="http://schemas.microsoft.com/office/powerpoint/2010/main" val="186046226"/>
-      </p:ext>
-    </p:extLst>
-  </p:cSld>
-  <p:clrMapOvr>
-    <a:masterClrMapping/>
-  </p:clrMapOvr>
-</p:sld>
-</file>
-
-<file path=ppt/slides/slide20.xml><?xml version="1.0" encoding="utf-8"?>
+<file path=ppt/slides/slide28.xml><?xml version="1.0" encoding="utf-8"?>
 <p:sld xmlns:a="http://schemas.openxmlformats.org/drawingml/2006/main" xmlns:r="http://schemas.openxmlformats.org/officeDocument/2006/relationships" xmlns:p="http://schemas.openxmlformats.org/presentationml/2006/main">
   <p:cSld>
     <p:spTree>
@@ -16992,7 +19136,7 @@
 </p:sld>
 </file>
 
-<file path=ppt/slides/slide21.xml><?xml version="1.0" encoding="utf-8"?>
+<file path=ppt/slides/slide29.xml><?xml version="1.0" encoding="utf-8"?>
 <p:sld xmlns:a="http://schemas.openxmlformats.org/drawingml/2006/main" xmlns:r="http://schemas.openxmlformats.org/officeDocument/2006/relationships" xmlns:p="http://schemas.openxmlformats.org/presentationml/2006/main">
   <p:cSld>
     <p:spTree>
@@ -17093,7 +19237,131 @@
 </p:sld>
 </file>
 
-<file path=ppt/slides/slide22.xml><?xml version="1.0" encoding="utf-8"?>
+<file path=ppt/slides/slide3.xml><?xml version="1.0" encoding="utf-8"?>
+<p:sld xmlns:a="http://schemas.openxmlformats.org/drawingml/2006/main" xmlns:r="http://schemas.openxmlformats.org/officeDocument/2006/relationships" xmlns:p="http://schemas.openxmlformats.org/presentationml/2006/main">
+  <p:cSld>
+    <p:spTree>
+      <p:nvGrpSpPr>
+        <p:cNvPr id="1" name=""/>
+        <p:cNvGrpSpPr/>
+        <p:nvPr/>
+      </p:nvGrpSpPr>
+      <p:grpSpPr>
+        <a:xfrm>
+          <a:off x="0" y="0"/>
+          <a:ext cx="0" cy="0"/>
+          <a:chOff x="0" y="0"/>
+          <a:chExt cx="0" cy="0"/>
+        </a:xfrm>
+      </p:grpSpPr>
+      <p:sp>
+        <p:nvSpPr>
+          <p:cNvPr id="2" name="Title 1">
+            <a:extLst>
+              <a:ext uri="{FF2B5EF4-FFF2-40B4-BE49-F238E27FC236}">
+                <a16:creationId xmlns:a16="http://schemas.microsoft.com/office/drawing/2014/main" id="{A073B702-ED77-884E-88F7-92D73313F38D}"/>
+              </a:ext>
+            </a:extLst>
+          </p:cNvPr>
+          <p:cNvSpPr>
+            <a:spLocks noGrp="1"/>
+          </p:cNvSpPr>
+          <p:nvPr>
+            <p:ph type="title"/>
+          </p:nvPr>
+        </p:nvSpPr>
+        <p:spPr/>
+        <p:txBody>
+          <a:bodyPr/>
+          <a:lstStyle/>
+          <a:p>
+            <a:r>
+              <a:rPr lang="en-US" dirty="0"/>
+              <a:t>Plan for the week</a:t>
+            </a:r>
+          </a:p>
+        </p:txBody>
+      </p:sp>
+      <p:sp>
+        <p:nvSpPr>
+          <p:cNvPr id="3" name="Text Placeholder 2">
+            <a:extLst>
+              <a:ext uri="{FF2B5EF4-FFF2-40B4-BE49-F238E27FC236}">
+                <a16:creationId xmlns:a16="http://schemas.microsoft.com/office/drawing/2014/main" id="{7861BAD4-F7FB-1D48-9D37-2273592A75CE}"/>
+              </a:ext>
+            </a:extLst>
+          </p:cNvPr>
+          <p:cNvSpPr>
+            <a:spLocks noGrp="1"/>
+          </p:cNvSpPr>
+          <p:nvPr>
+            <p:ph type="body" idx="1"/>
+          </p:nvPr>
+        </p:nvSpPr>
+        <p:spPr/>
+        <p:txBody>
+          <a:bodyPr/>
+          <a:lstStyle/>
+          <a:p>
+            <a:r>
+              <a:rPr lang="en-US" dirty="0"/>
+              <a:t>What you should be discussing this week within your team</a:t>
+            </a:r>
+          </a:p>
+          <a:p>
+            <a:pPr lvl="1"/>
+            <a:r>
+              <a:rPr lang="en-US" dirty="0"/>
+              <a:t>Validation strategy &amp; temporal parameters</a:t>
+            </a:r>
+          </a:p>
+          <a:p>
+            <a:pPr lvl="1"/>
+            <a:r>
+              <a:rPr lang="en-US" dirty="0"/>
+              <a:t>Initial brainstorming features you’d like to build</a:t>
+            </a:r>
+          </a:p>
+          <a:p>
+            <a:pPr lvl="1"/>
+            <a:endParaRPr lang="en-US" dirty="0"/>
+          </a:p>
+          <a:p>
+            <a:r>
+              <a:rPr lang="en-US" dirty="0"/>
+              <a:t>What you should be building this week</a:t>
+            </a:r>
+          </a:p>
+          <a:p>
+            <a:pPr lvl="1"/>
+            <a:r>
+              <a:rPr lang="en-US" dirty="0"/>
+              <a:t>Temporal Validation Parameters</a:t>
+            </a:r>
+          </a:p>
+          <a:p>
+            <a:pPr lvl="1"/>
+            <a:r>
+              <a:rPr lang="en-US" dirty="0"/>
+              <a:t>Updated Cohort &amp; Label Queries</a:t>
+            </a:r>
+          </a:p>
+        </p:txBody>
+      </p:sp>
+    </p:spTree>
+    <p:extLst>
+      <p:ext uri="{BB962C8B-B14F-4D97-AF65-F5344CB8AC3E}">
+        <p14:creationId xmlns:p14="http://schemas.microsoft.com/office/powerpoint/2010/main" val="517800727"/>
+      </p:ext>
+    </p:extLst>
+  </p:cSld>
+  <p:clrMapOvr>
+    <a:masterClrMapping/>
+  </p:clrMapOvr>
+</p:sld>
+</file>
+
+<file path=ppt/slides/slide30.xml><?xml version="1.0" encoding="utf-8"?>
 <p:sld xmlns:a="http://schemas.openxmlformats.org/drawingml/2006/main" xmlns:r="http://schemas.openxmlformats.org/officeDocument/2006/relationships" xmlns:p="http://schemas.openxmlformats.org/presentationml/2006/main">
   <p:cSld>
     <p:spTree>
@@ -17206,7 +19474,7 @@
 </p:sld>
 </file>
 
-<file path=ppt/slides/slide23.xml><?xml version="1.0" encoding="utf-8"?>
+<file path=ppt/slides/slide31.xml><?xml version="1.0" encoding="utf-8"?>
 <p:sld xmlns:a="http://schemas.openxmlformats.org/drawingml/2006/main" xmlns:r="http://schemas.openxmlformats.org/officeDocument/2006/relationships" xmlns:p="http://schemas.openxmlformats.org/presentationml/2006/main">
   <p:cSld>
     <p:spTree>
@@ -17346,7 +19614,7 @@
 </p:sld>
 </file>
 
-<file path=ppt/slides/slide24.xml><?xml version="1.0" encoding="utf-8"?>
+<file path=ppt/slides/slide32.xml><?xml version="1.0" encoding="utf-8"?>
 <p:sld xmlns:a="http://schemas.openxmlformats.org/drawingml/2006/main" xmlns:r="http://schemas.openxmlformats.org/officeDocument/2006/relationships" xmlns:p="http://schemas.openxmlformats.org/presentationml/2006/main">
   <p:cSld>
     <p:spTree>
@@ -17528,7 +19796,7 @@
 </p:sld>
 </file>
 
-<file path=ppt/slides/slide25.xml><?xml version="1.0" encoding="utf-8"?>
+<file path=ppt/slides/slide33.xml><?xml version="1.0" encoding="utf-8"?>
 <p:sld xmlns:a="http://schemas.openxmlformats.org/drawingml/2006/main" xmlns:r="http://schemas.openxmlformats.org/officeDocument/2006/relationships" xmlns:p="http://schemas.openxmlformats.org/presentationml/2006/main">
   <p:cSld>
     <p:spTree>
@@ -17708,7 +19976,7 @@
 </p:sld>
 </file>
 
-<file path=ppt/slides/slide26.xml><?xml version="1.0" encoding="utf-8"?>
+<file path=ppt/slides/slide34.xml><?xml version="1.0" encoding="utf-8"?>
 <p:sld xmlns:a="http://schemas.openxmlformats.org/drawingml/2006/main" xmlns:r="http://schemas.openxmlformats.org/officeDocument/2006/relationships" xmlns:p="http://schemas.openxmlformats.org/presentationml/2006/main">
   <p:cSld>
     <p:spTree>
@@ -17890,7 +20158,7 @@
 </p:sld>
 </file>
 
-<file path=ppt/slides/slide27.xml><?xml version="1.0" encoding="utf-8"?>
+<file path=ppt/slides/slide35.xml><?xml version="1.0" encoding="utf-8"?>
 <p:sld xmlns:a="http://schemas.openxmlformats.org/drawingml/2006/main" xmlns:r="http://schemas.openxmlformats.org/officeDocument/2006/relationships" xmlns:p="http://schemas.openxmlformats.org/presentationml/2006/main">
   <p:cSld>
     <p:spTree>
@@ -18072,7 +20340,7 @@
 </p:sld>
 </file>
 
-<file path=ppt/slides/slide28.xml><?xml version="1.0" encoding="utf-8"?>
+<file path=ppt/slides/slide36.xml><?xml version="1.0" encoding="utf-8"?>
 <p:sld xmlns:a="http://schemas.openxmlformats.org/drawingml/2006/main" xmlns:r="http://schemas.openxmlformats.org/officeDocument/2006/relationships" xmlns:p="http://schemas.openxmlformats.org/presentationml/2006/main">
   <p:cSld>
     <p:spTree>
@@ -18254,7 +20522,7 @@
 </p:sld>
 </file>
 
-<file path=ppt/slides/slide29.xml><?xml version="1.0" encoding="utf-8"?>
+<file path=ppt/slides/slide37.xml><?xml version="1.0" encoding="utf-8"?>
 <p:sld xmlns:a="http://schemas.openxmlformats.org/drawingml/2006/main" xmlns:r="http://schemas.openxmlformats.org/officeDocument/2006/relationships" xmlns:p="http://schemas.openxmlformats.org/presentationml/2006/main">
   <p:cSld>
     <p:spTree>
@@ -18367,138 +20635,7 @@
 </p:sld>
 </file>
 
-<file path=ppt/slides/slide3.xml><?xml version="1.0" encoding="utf-8"?>
-<p:sld xmlns:a="http://schemas.openxmlformats.org/drawingml/2006/main" xmlns:r="http://schemas.openxmlformats.org/officeDocument/2006/relationships" xmlns:p="http://schemas.openxmlformats.org/presentationml/2006/main">
-  <p:cSld>
-    <p:spTree>
-      <p:nvGrpSpPr>
-        <p:cNvPr id="1" name=""/>
-        <p:cNvGrpSpPr/>
-        <p:nvPr/>
-      </p:nvGrpSpPr>
-      <p:grpSpPr>
-        <a:xfrm>
-          <a:off x="0" y="0"/>
-          <a:ext cx="0" cy="0"/>
-          <a:chOff x="0" y="0"/>
-          <a:chExt cx="0" cy="0"/>
-        </a:xfrm>
-      </p:grpSpPr>
-      <p:sp>
-        <p:nvSpPr>
-          <p:cNvPr id="2" name="Title 1">
-            <a:extLst>
-              <a:ext uri="{FF2B5EF4-FFF2-40B4-BE49-F238E27FC236}">
-                <a16:creationId xmlns:a16="http://schemas.microsoft.com/office/drawing/2014/main" id="{A073B702-ED77-884E-88F7-92D73313F38D}"/>
-              </a:ext>
-            </a:extLst>
-          </p:cNvPr>
-          <p:cNvSpPr>
-            <a:spLocks noGrp="1"/>
-          </p:cNvSpPr>
-          <p:nvPr>
-            <p:ph type="title"/>
-          </p:nvPr>
-        </p:nvSpPr>
-        <p:spPr/>
-        <p:txBody>
-          <a:bodyPr/>
-          <a:lstStyle/>
-          <a:p>
-            <a:r>
-              <a:rPr lang="en-US" dirty="0"/>
-              <a:t>Plan for the week</a:t>
-            </a:r>
-          </a:p>
-        </p:txBody>
-      </p:sp>
-      <p:sp>
-        <p:nvSpPr>
-          <p:cNvPr id="3" name="Text Placeholder 2">
-            <a:extLst>
-              <a:ext uri="{FF2B5EF4-FFF2-40B4-BE49-F238E27FC236}">
-                <a16:creationId xmlns:a16="http://schemas.microsoft.com/office/drawing/2014/main" id="{7861BAD4-F7FB-1D48-9D37-2273592A75CE}"/>
-              </a:ext>
-            </a:extLst>
-          </p:cNvPr>
-          <p:cNvSpPr>
-            <a:spLocks noGrp="1"/>
-          </p:cNvSpPr>
-          <p:nvPr>
-            <p:ph type="body" idx="1"/>
-          </p:nvPr>
-        </p:nvSpPr>
-        <p:spPr/>
-        <p:txBody>
-          <a:bodyPr/>
-          <a:lstStyle/>
-          <a:p>
-            <a:r>
-              <a:rPr lang="en-US" dirty="0"/>
-              <a:t>What you should be discussing this week within your team</a:t>
-            </a:r>
-          </a:p>
-          <a:p>
-            <a:pPr lvl="1"/>
-            <a:r>
-              <a:rPr lang="en-US" dirty="0"/>
-              <a:t>Finalizing validation strategy &amp; temporal parameters</a:t>
-            </a:r>
-          </a:p>
-          <a:p>
-            <a:pPr lvl="1"/>
-            <a:r>
-              <a:rPr lang="en-US" dirty="0"/>
-              <a:t>Brainstorming features you’d like to build</a:t>
-            </a:r>
-          </a:p>
-          <a:p>
-            <a:pPr lvl="1"/>
-            <a:endParaRPr lang="en-US" dirty="0"/>
-          </a:p>
-          <a:p>
-            <a:r>
-              <a:rPr lang="en-US" dirty="0"/>
-              <a:t>What you should be building this week</a:t>
-            </a:r>
-          </a:p>
-          <a:p>
-            <a:pPr lvl="1"/>
-            <a:r>
-              <a:rPr lang="en-US" dirty="0"/>
-              <a:t>Temporal Validation Parameters</a:t>
-            </a:r>
-          </a:p>
-          <a:p>
-            <a:pPr lvl="1"/>
-            <a:r>
-              <a:rPr lang="en-US" dirty="0"/>
-              <a:t>Updated Cohort &amp; Label Queries</a:t>
-            </a:r>
-          </a:p>
-          <a:p>
-            <a:pPr lvl="1"/>
-            <a:r>
-              <a:rPr lang="en-US" dirty="0"/>
-              <a:t>Initial Basic Features</a:t>
-            </a:r>
-          </a:p>
-        </p:txBody>
-      </p:sp>
-    </p:spTree>
-    <p:extLst>
-      <p:ext uri="{BB962C8B-B14F-4D97-AF65-F5344CB8AC3E}">
-        <p14:creationId xmlns:p14="http://schemas.microsoft.com/office/powerpoint/2010/main" val="517800727"/>
-      </p:ext>
-    </p:extLst>
-  </p:cSld>
-  <p:clrMapOvr>
-    <a:masterClrMapping/>
-  </p:clrMapOvr>
-</p:sld>
-</file>
-
-<file path=ppt/slides/slide30.xml><?xml version="1.0" encoding="utf-8"?>
+<file path=ppt/slides/slide38.xml><?xml version="1.0" encoding="utf-8"?>
 <p:sld xmlns:a="http://schemas.openxmlformats.org/drawingml/2006/main" xmlns:r="http://schemas.openxmlformats.org/officeDocument/2006/relationships" xmlns:p="http://schemas.openxmlformats.org/presentationml/2006/main">
   <p:cSld>
     <p:spTree>
@@ -18581,884 +20718,7 @@
 </p:sld>
 </file>
 
-<file path=ppt/slides/slide31.xml><?xml version="1.0" encoding="utf-8"?>
-<p:sld xmlns:a="http://schemas.openxmlformats.org/drawingml/2006/main" xmlns:r="http://schemas.openxmlformats.org/officeDocument/2006/relationships" xmlns:p="http://schemas.openxmlformats.org/presentationml/2006/main">
-  <p:cSld>
-    <p:spTree>
-      <p:nvGrpSpPr>
-        <p:cNvPr id="1" name=""/>
-        <p:cNvGrpSpPr/>
-        <p:nvPr/>
-      </p:nvGrpSpPr>
-      <p:grpSpPr>
-        <a:xfrm>
-          <a:off x="0" y="0"/>
-          <a:ext cx="0" cy="0"/>
-          <a:chOff x="0" y="0"/>
-          <a:chExt cx="0" cy="0"/>
-        </a:xfrm>
-      </p:grpSpPr>
-      <p:sp>
-        <p:nvSpPr>
-          <p:cNvPr id="2" name="Title 1">
-            <a:extLst>
-              <a:ext uri="{FF2B5EF4-FFF2-40B4-BE49-F238E27FC236}">
-                <a16:creationId xmlns:a16="http://schemas.microsoft.com/office/drawing/2014/main" id="{98347210-B4BE-4047-93B4-3D7AA966D0F1}"/>
-              </a:ext>
-            </a:extLst>
-          </p:cNvPr>
-          <p:cNvSpPr>
-            <a:spLocks noGrp="1"/>
-          </p:cNvSpPr>
-          <p:nvPr>
-            <p:ph type="title"/>
-          </p:nvPr>
-        </p:nvSpPr>
-        <p:spPr/>
-        <p:txBody>
-          <a:bodyPr/>
-          <a:lstStyle/>
-          <a:p>
-            <a:r>
-              <a:rPr lang="en-US" dirty="0"/>
-              <a:t>Feature in triage: Collate</a:t>
-            </a:r>
-          </a:p>
-        </p:txBody>
-      </p:sp>
-      <p:sp>
-        <p:nvSpPr>
-          <p:cNvPr id="3" name="Text Placeholder 2">
-            <a:extLst>
-              <a:ext uri="{FF2B5EF4-FFF2-40B4-BE49-F238E27FC236}">
-                <a16:creationId xmlns:a16="http://schemas.microsoft.com/office/drawing/2014/main" id="{8B9D9112-B2A1-D142-B67C-41AA10739FF6}"/>
-              </a:ext>
-            </a:extLst>
-          </p:cNvPr>
-          <p:cNvSpPr>
-            <a:spLocks noGrp="1"/>
-          </p:cNvSpPr>
-          <p:nvPr>
-            <p:ph type="body" idx="1"/>
-          </p:nvPr>
-        </p:nvSpPr>
-        <p:spPr/>
-        <p:txBody>
-          <a:bodyPr/>
-          <a:lstStyle/>
-          <a:p>
-            <a:r>
-              <a:rPr lang="en-US" dirty="0"/>
-              <a:t>All features are temporal aggregates, reflecting nature of data</a:t>
-            </a:r>
-            <a:br>
-              <a:rPr lang="en-US" dirty="0"/>
-            </a:br>
-            <a:endParaRPr lang="en-US" dirty="0"/>
-          </a:p>
-          <a:p>
-            <a:r>
-              <a:rPr lang="en-US" dirty="0"/>
-              <a:t>Need to specify what you’re using and when it was known</a:t>
-            </a:r>
-            <a:br>
-              <a:rPr lang="en-US" dirty="0"/>
-            </a:br>
-            <a:endParaRPr lang="en-US" dirty="0"/>
-          </a:p>
-          <a:p>
-            <a:r>
-              <a:rPr lang="en-US" dirty="0"/>
-              <a:t>Need to specify how you’ll handle missingness explicitly</a:t>
-            </a:r>
-            <a:br>
-              <a:rPr lang="en-US" dirty="0"/>
-            </a:br>
-            <a:endParaRPr lang="en-US" dirty="0"/>
-          </a:p>
-          <a:p>
-            <a:r>
-              <a:rPr lang="en-US" dirty="0"/>
-              <a:t>YAML structure can take a little getting used to, but powerful for specifying many aggregations over many time frames in compact format</a:t>
-            </a:r>
-          </a:p>
-        </p:txBody>
-      </p:sp>
-    </p:spTree>
-    <p:extLst>
-      <p:ext uri="{BB962C8B-B14F-4D97-AF65-F5344CB8AC3E}">
-        <p14:creationId xmlns:p14="http://schemas.microsoft.com/office/powerpoint/2010/main" val="460448307"/>
-      </p:ext>
-    </p:extLst>
-  </p:cSld>
-  <p:clrMapOvr>
-    <a:masterClrMapping/>
-  </p:clrMapOvr>
-</p:sld>
-</file>
-
-<file path=ppt/slides/slide32.xml><?xml version="1.0" encoding="utf-8"?>
-<p:sld xmlns:a="http://schemas.openxmlformats.org/drawingml/2006/main" xmlns:r="http://schemas.openxmlformats.org/officeDocument/2006/relationships" xmlns:p="http://schemas.openxmlformats.org/presentationml/2006/main">
-  <p:cSld>
-    <p:spTree>
-      <p:nvGrpSpPr>
-        <p:cNvPr id="1" name=""/>
-        <p:cNvGrpSpPr/>
-        <p:nvPr/>
-      </p:nvGrpSpPr>
-      <p:grpSpPr>
-        <a:xfrm>
-          <a:off x="0" y="0"/>
-          <a:ext cx="0" cy="0"/>
-          <a:chOff x="0" y="0"/>
-          <a:chExt cx="0" cy="0"/>
-        </a:xfrm>
-      </p:grpSpPr>
-      <p:sp>
-        <p:nvSpPr>
-          <p:cNvPr id="2" name="Title 1">
-            <a:extLst>
-              <a:ext uri="{FF2B5EF4-FFF2-40B4-BE49-F238E27FC236}">
-                <a16:creationId xmlns:a16="http://schemas.microsoft.com/office/drawing/2014/main" id="{98347210-B4BE-4047-93B4-3D7AA966D0F1}"/>
-              </a:ext>
-            </a:extLst>
-          </p:cNvPr>
-          <p:cNvSpPr>
-            <a:spLocks noGrp="1"/>
-          </p:cNvSpPr>
-          <p:nvPr>
-            <p:ph type="title"/>
-          </p:nvPr>
-        </p:nvSpPr>
-        <p:spPr/>
-        <p:txBody>
-          <a:bodyPr/>
-          <a:lstStyle/>
-          <a:p>
-            <a:r>
-              <a:rPr lang="en-US" dirty="0"/>
-              <a:t>Feature in triage: Collate</a:t>
-            </a:r>
-          </a:p>
-        </p:txBody>
-      </p:sp>
-      <p:pic>
-        <p:nvPicPr>
-          <p:cNvPr id="6" name="Google Shape;360;p31">
-            <a:extLst>
-              <a:ext uri="{FF2B5EF4-FFF2-40B4-BE49-F238E27FC236}">
-                <a16:creationId xmlns:a16="http://schemas.microsoft.com/office/drawing/2014/main" id="{F639CF4D-F46A-4A46-9F18-B2A0130E6F29}"/>
-              </a:ext>
-            </a:extLst>
-          </p:cNvPr>
-          <p:cNvPicPr preferRelativeResize="0"/>
-          <p:nvPr/>
-        </p:nvPicPr>
-        <p:blipFill>
-          <a:blip r:embed="rId2">
-            <a:alphaModFix/>
-          </a:blip>
-          <a:stretch>
-            <a:fillRect/>
-          </a:stretch>
-        </p:blipFill>
-        <p:spPr>
-          <a:xfrm>
-            <a:off x="268552" y="1475202"/>
-            <a:ext cx="5464983" cy="5071236"/>
-          </a:xfrm>
-          <a:prstGeom prst="rect">
-            <a:avLst/>
-          </a:prstGeom>
-          <a:noFill/>
-          <a:ln>
-            <a:noFill/>
-          </a:ln>
-        </p:spPr>
-      </p:pic>
-      <p:sp>
-        <p:nvSpPr>
-          <p:cNvPr id="7" name="Google Shape;362;p31">
-            <a:extLst>
-              <a:ext uri="{FF2B5EF4-FFF2-40B4-BE49-F238E27FC236}">
-                <a16:creationId xmlns:a16="http://schemas.microsoft.com/office/drawing/2014/main" id="{5FA8DA65-E5A6-8F45-BE0B-68902ECB02D6}"/>
-              </a:ext>
-            </a:extLst>
-          </p:cNvPr>
-          <p:cNvSpPr txBox="1"/>
-          <p:nvPr/>
-        </p:nvSpPr>
-        <p:spPr>
-          <a:xfrm>
-            <a:off x="5870067" y="2525206"/>
-            <a:ext cx="2575500" cy="694500"/>
-          </a:xfrm>
-          <a:prstGeom prst="rect">
-            <a:avLst/>
-          </a:prstGeom>
-          <a:noFill/>
-          <a:ln>
-            <a:noFill/>
-          </a:ln>
-        </p:spPr>
-        <p:txBody>
-          <a:bodyPr spcFirstLastPara="1" wrap="square" lIns="91425" tIns="91425" rIns="91425" bIns="91425" anchor="t" anchorCtr="0">
-            <a:noAutofit/>
-          </a:bodyPr>
-          <a:lstStyle/>
-          <a:p>
-            <a:pPr marL="0" lvl="0" indent="0" algn="l" rtl="0">
-              <a:spcBef>
-                <a:spcPts val="0"/>
-              </a:spcBef>
-              <a:spcAft>
-                <a:spcPts val="0"/>
-              </a:spcAft>
-              <a:buNone/>
-            </a:pPr>
-            <a:r>
-              <a:rPr lang="en" sz="2000" b="1" dirty="0">
-                <a:latin typeface="Calibri"/>
-                <a:ea typeface="Calibri"/>
-                <a:cs typeface="Calibri"/>
-                <a:sym typeface="Calibri"/>
-              </a:rPr>
-              <a:t>Several options for missing data</a:t>
-            </a:r>
-            <a:endParaRPr sz="2000" b="1" dirty="0">
-              <a:latin typeface="Calibri"/>
-              <a:ea typeface="Calibri"/>
-              <a:cs typeface="Calibri"/>
-              <a:sym typeface="Calibri"/>
-            </a:endParaRPr>
-          </a:p>
-        </p:txBody>
-      </p:sp>
-      <p:cxnSp>
-        <p:nvCxnSpPr>
-          <p:cNvPr id="8" name="Google Shape;363;p31">
-            <a:extLst>
-              <a:ext uri="{FF2B5EF4-FFF2-40B4-BE49-F238E27FC236}">
-                <a16:creationId xmlns:a16="http://schemas.microsoft.com/office/drawing/2014/main" id="{6529FA95-7C73-5B4C-B71F-2B0A41A3A50C}"/>
-              </a:ext>
-            </a:extLst>
-          </p:cNvPr>
-          <p:cNvCxnSpPr>
-            <a:cxnSpLocks/>
-          </p:cNvCxnSpPr>
-          <p:nvPr/>
-        </p:nvCxnSpPr>
-        <p:spPr>
-          <a:xfrm flipH="1">
-            <a:off x="3064476" y="2879506"/>
-            <a:ext cx="2843166" cy="677678"/>
-          </a:xfrm>
-          <a:prstGeom prst="straightConnector1">
-            <a:avLst/>
-          </a:prstGeom>
-          <a:noFill/>
-          <a:ln w="38100" cap="flat" cmpd="sng">
-            <a:solidFill>
-              <a:srgbClr val="000000"/>
-            </a:solidFill>
-            <a:prstDash val="solid"/>
-            <a:round/>
-            <a:headEnd type="none" w="med" len="med"/>
-            <a:tailEnd type="triangle" w="med" len="med"/>
-          </a:ln>
-        </p:spPr>
-      </p:cxnSp>
-      <p:cxnSp>
-        <p:nvCxnSpPr>
-          <p:cNvPr id="9" name="Google Shape;364;p31">
-            <a:extLst>
-              <a:ext uri="{FF2B5EF4-FFF2-40B4-BE49-F238E27FC236}">
-                <a16:creationId xmlns:a16="http://schemas.microsoft.com/office/drawing/2014/main" id="{FBC73B23-CE31-404F-B3DF-3C7B115315E5}"/>
-              </a:ext>
-            </a:extLst>
-          </p:cNvPr>
-          <p:cNvCxnSpPr>
-            <a:cxnSpLocks/>
-            <a:stCxn id="10" idx="1"/>
-          </p:cNvCxnSpPr>
-          <p:nvPr/>
-        </p:nvCxnSpPr>
-        <p:spPr>
-          <a:xfrm flipH="1">
-            <a:off x="3361038" y="2014434"/>
-            <a:ext cx="2509029" cy="438403"/>
-          </a:xfrm>
-          <a:prstGeom prst="straightConnector1">
-            <a:avLst/>
-          </a:prstGeom>
-          <a:noFill/>
-          <a:ln w="38100" cap="flat" cmpd="sng">
-            <a:solidFill>
-              <a:srgbClr val="000000"/>
-            </a:solidFill>
-            <a:prstDash val="solid"/>
-            <a:round/>
-            <a:headEnd type="none" w="med" len="med"/>
-            <a:tailEnd type="triangle" w="med" len="med"/>
-          </a:ln>
-        </p:spPr>
-      </p:cxnSp>
-      <p:sp>
-        <p:nvSpPr>
-          <p:cNvPr id="10" name="Google Shape;365;p31">
-            <a:extLst>
-              <a:ext uri="{FF2B5EF4-FFF2-40B4-BE49-F238E27FC236}">
-                <a16:creationId xmlns:a16="http://schemas.microsoft.com/office/drawing/2014/main" id="{FDD009F4-010D-BD4C-9032-29B0D2C08419}"/>
-              </a:ext>
-            </a:extLst>
-          </p:cNvPr>
-          <p:cNvSpPr txBox="1"/>
-          <p:nvPr/>
-        </p:nvSpPr>
-        <p:spPr>
-          <a:xfrm>
-            <a:off x="5870067" y="1777584"/>
-            <a:ext cx="2826900" cy="473700"/>
-          </a:xfrm>
-          <a:prstGeom prst="rect">
-            <a:avLst/>
-          </a:prstGeom>
-          <a:noFill/>
-          <a:ln>
-            <a:noFill/>
-          </a:ln>
-        </p:spPr>
-        <p:txBody>
-          <a:bodyPr spcFirstLastPara="1" wrap="square" lIns="91425" tIns="91425" rIns="91425" bIns="91425" anchor="t" anchorCtr="0">
-            <a:noAutofit/>
-          </a:bodyPr>
-          <a:lstStyle/>
-          <a:p>
-            <a:pPr marL="0" lvl="0" indent="0" algn="l" rtl="0">
-              <a:spcBef>
-                <a:spcPts val="0"/>
-              </a:spcBef>
-              <a:spcAft>
-                <a:spcPts val="0"/>
-              </a:spcAft>
-              <a:buNone/>
-            </a:pPr>
-            <a:r>
-              <a:rPr lang="en" sz="2000" b="1">
-                <a:latin typeface="Calibri"/>
-                <a:ea typeface="Calibri"/>
-                <a:cs typeface="Calibri"/>
-                <a:sym typeface="Calibri"/>
-              </a:rPr>
-              <a:t>Table or SQL snippet</a:t>
-            </a:r>
-            <a:endParaRPr sz="2000" b="1">
-              <a:latin typeface="Calibri"/>
-              <a:ea typeface="Calibri"/>
-              <a:cs typeface="Calibri"/>
-              <a:sym typeface="Calibri"/>
-            </a:endParaRPr>
-          </a:p>
-        </p:txBody>
-      </p:sp>
-      <p:cxnSp>
-        <p:nvCxnSpPr>
-          <p:cNvPr id="11" name="Google Shape;366;p31">
-            <a:extLst>
-              <a:ext uri="{FF2B5EF4-FFF2-40B4-BE49-F238E27FC236}">
-                <a16:creationId xmlns:a16="http://schemas.microsoft.com/office/drawing/2014/main" id="{2F6DA084-2F60-7645-9E31-EE51047BDCE6}"/>
-              </a:ext>
-            </a:extLst>
-          </p:cNvPr>
-          <p:cNvCxnSpPr>
-            <a:cxnSpLocks/>
-          </p:cNvCxnSpPr>
-          <p:nvPr/>
-        </p:nvCxnSpPr>
-        <p:spPr>
-          <a:xfrm flipH="1">
-            <a:off x="2483708" y="3897959"/>
-            <a:ext cx="3423934" cy="726051"/>
-          </a:xfrm>
-          <a:prstGeom prst="straightConnector1">
-            <a:avLst/>
-          </a:prstGeom>
-          <a:noFill/>
-          <a:ln w="38100" cap="flat" cmpd="sng">
-            <a:solidFill>
-              <a:srgbClr val="000000"/>
-            </a:solidFill>
-            <a:prstDash val="solid"/>
-            <a:round/>
-            <a:headEnd type="none" w="med" len="med"/>
-            <a:tailEnd type="triangle" w="med" len="med"/>
-          </a:ln>
-        </p:spPr>
-      </p:cxnSp>
-      <p:sp>
-        <p:nvSpPr>
-          <p:cNvPr id="12" name="Google Shape;367;p31">
-            <a:extLst>
-              <a:ext uri="{FF2B5EF4-FFF2-40B4-BE49-F238E27FC236}">
-                <a16:creationId xmlns:a16="http://schemas.microsoft.com/office/drawing/2014/main" id="{F2AC1F08-9383-D24B-9D21-A11FD31E42F8}"/>
-              </a:ext>
-            </a:extLst>
-          </p:cNvPr>
-          <p:cNvSpPr txBox="1"/>
-          <p:nvPr/>
-        </p:nvSpPr>
-        <p:spPr>
-          <a:xfrm>
-            <a:off x="5870066" y="3515384"/>
-            <a:ext cx="2843165" cy="694500"/>
-          </a:xfrm>
-          <a:prstGeom prst="rect">
-            <a:avLst/>
-          </a:prstGeom>
-          <a:noFill/>
-          <a:ln>
-            <a:noFill/>
-          </a:ln>
-        </p:spPr>
-        <p:txBody>
-          <a:bodyPr spcFirstLastPara="1" wrap="square" lIns="91425" tIns="91425" rIns="91425" bIns="91425" anchor="t" anchorCtr="0">
-            <a:noAutofit/>
-          </a:bodyPr>
-          <a:lstStyle/>
-          <a:p>
-            <a:pPr marL="0" lvl="0" indent="0" algn="l" rtl="0">
-              <a:spcBef>
-                <a:spcPts val="0"/>
-              </a:spcBef>
-              <a:spcAft>
-                <a:spcPts val="0"/>
-              </a:spcAft>
-              <a:buNone/>
-            </a:pPr>
-            <a:r>
-              <a:rPr lang="en" sz="2000" b="1" dirty="0">
-                <a:latin typeface="Calibri"/>
-                <a:ea typeface="Calibri"/>
-                <a:cs typeface="Calibri"/>
-                <a:sym typeface="Calibri"/>
-              </a:rPr>
-              <a:t>Column or SQL snippet</a:t>
-            </a:r>
-            <a:endParaRPr sz="2000" b="1" dirty="0">
-              <a:latin typeface="Calibri"/>
-              <a:ea typeface="Calibri"/>
-              <a:cs typeface="Calibri"/>
-              <a:sym typeface="Calibri"/>
-            </a:endParaRPr>
-          </a:p>
-          <a:p>
-            <a:pPr marL="0" lvl="0" indent="0" algn="l" rtl="0">
-              <a:spcBef>
-                <a:spcPts val="0"/>
-              </a:spcBef>
-              <a:spcAft>
-                <a:spcPts val="0"/>
-              </a:spcAft>
-              <a:buNone/>
-            </a:pPr>
-            <a:r>
-              <a:rPr lang="en" sz="2000" b="1" dirty="0">
-                <a:latin typeface="Calibri"/>
-                <a:ea typeface="Calibri"/>
-                <a:cs typeface="Calibri"/>
-                <a:sym typeface="Calibri"/>
-              </a:rPr>
-              <a:t>and aggregation function</a:t>
-            </a:r>
-            <a:endParaRPr sz="2000" b="1" dirty="0">
-              <a:latin typeface="Calibri"/>
-              <a:ea typeface="Calibri"/>
-              <a:cs typeface="Calibri"/>
-              <a:sym typeface="Calibri"/>
-            </a:endParaRPr>
-          </a:p>
-        </p:txBody>
-      </p:sp>
-      <p:cxnSp>
-        <p:nvCxnSpPr>
-          <p:cNvPr id="13" name="Google Shape;368;p31">
-            <a:extLst>
-              <a:ext uri="{FF2B5EF4-FFF2-40B4-BE49-F238E27FC236}">
-                <a16:creationId xmlns:a16="http://schemas.microsoft.com/office/drawing/2014/main" id="{A2EBC366-7C25-3B4D-9EC9-58C6705C2B40}"/>
-              </a:ext>
-            </a:extLst>
-          </p:cNvPr>
-          <p:cNvCxnSpPr/>
-          <p:nvPr/>
-        </p:nvCxnSpPr>
-        <p:spPr>
-          <a:xfrm flipH="1">
-            <a:off x="5588667" y="5542102"/>
-            <a:ext cx="609000" cy="113700"/>
-          </a:xfrm>
-          <a:prstGeom prst="straightConnector1">
-            <a:avLst/>
-          </a:prstGeom>
-          <a:noFill/>
-          <a:ln w="38100" cap="flat" cmpd="sng">
-            <a:solidFill>
-              <a:srgbClr val="000000"/>
-            </a:solidFill>
-            <a:prstDash val="solid"/>
-            <a:round/>
-            <a:headEnd type="none" w="med" len="med"/>
-            <a:tailEnd type="triangle" w="med" len="med"/>
-          </a:ln>
-        </p:spPr>
-      </p:cxnSp>
-      <p:sp>
-        <p:nvSpPr>
-          <p:cNvPr id="14" name="Google Shape;369;p31">
-            <a:extLst>
-              <a:ext uri="{FF2B5EF4-FFF2-40B4-BE49-F238E27FC236}">
-                <a16:creationId xmlns:a16="http://schemas.microsoft.com/office/drawing/2014/main" id="{DFCDACD2-5AB9-FB42-9E3E-61E65181D072}"/>
-              </a:ext>
-            </a:extLst>
-          </p:cNvPr>
-          <p:cNvSpPr txBox="1"/>
-          <p:nvPr/>
-        </p:nvSpPr>
-        <p:spPr>
-          <a:xfrm>
-            <a:off x="6121467" y="5129452"/>
-            <a:ext cx="2575500" cy="694500"/>
-          </a:xfrm>
-          <a:prstGeom prst="rect">
-            <a:avLst/>
-          </a:prstGeom>
-          <a:noFill/>
-          <a:ln>
-            <a:noFill/>
-          </a:ln>
-        </p:spPr>
-        <p:txBody>
-          <a:bodyPr spcFirstLastPara="1" wrap="square" lIns="91425" tIns="91425" rIns="91425" bIns="91425" anchor="t" anchorCtr="0">
-            <a:noAutofit/>
-          </a:bodyPr>
-          <a:lstStyle/>
-          <a:p>
-            <a:pPr marL="0" lvl="0" indent="0" algn="l" rtl="0">
-              <a:spcBef>
-                <a:spcPts val="0"/>
-              </a:spcBef>
-              <a:spcAft>
-                <a:spcPts val="0"/>
-              </a:spcAft>
-              <a:buNone/>
-            </a:pPr>
-            <a:r>
-              <a:rPr lang="en" sz="2000" b="1" dirty="0">
-                <a:latin typeface="Calibri"/>
-                <a:ea typeface="Calibri"/>
-                <a:cs typeface="Calibri"/>
-                <a:sym typeface="Calibri"/>
-              </a:rPr>
-              <a:t>Time frames for aggregation</a:t>
-            </a:r>
-            <a:endParaRPr sz="2000" b="1" dirty="0">
-              <a:latin typeface="Calibri"/>
-              <a:ea typeface="Calibri"/>
-              <a:cs typeface="Calibri"/>
-              <a:sym typeface="Calibri"/>
-            </a:endParaRPr>
-          </a:p>
-        </p:txBody>
-      </p:sp>
-    </p:spTree>
-    <p:extLst>
-      <p:ext uri="{BB962C8B-B14F-4D97-AF65-F5344CB8AC3E}">
-        <p14:creationId xmlns:p14="http://schemas.microsoft.com/office/powerpoint/2010/main" val="1940963158"/>
-      </p:ext>
-    </p:extLst>
-  </p:cSld>
-  <p:clrMapOvr>
-    <a:masterClrMapping/>
-  </p:clrMapOvr>
-</p:sld>
-</file>
-
-<file path=ppt/slides/slide33.xml><?xml version="1.0" encoding="utf-8"?>
-<p:sld xmlns:a="http://schemas.openxmlformats.org/drawingml/2006/main" xmlns:r="http://schemas.openxmlformats.org/officeDocument/2006/relationships" xmlns:p="http://schemas.openxmlformats.org/presentationml/2006/main">
-  <p:cSld>
-    <p:spTree>
-      <p:nvGrpSpPr>
-        <p:cNvPr id="1" name=""/>
-        <p:cNvGrpSpPr/>
-        <p:nvPr/>
-      </p:nvGrpSpPr>
-      <p:grpSpPr>
-        <a:xfrm>
-          <a:off x="0" y="0"/>
-          <a:ext cx="0" cy="0"/>
-          <a:chOff x="0" y="0"/>
-          <a:chExt cx="0" cy="0"/>
-        </a:xfrm>
-      </p:grpSpPr>
-      <p:sp>
-        <p:nvSpPr>
-          <p:cNvPr id="2" name="Title 1">
-            <a:extLst>
-              <a:ext uri="{FF2B5EF4-FFF2-40B4-BE49-F238E27FC236}">
-                <a16:creationId xmlns:a16="http://schemas.microsoft.com/office/drawing/2014/main" id="{98347210-B4BE-4047-93B4-3D7AA966D0F1}"/>
-              </a:ext>
-            </a:extLst>
-          </p:cNvPr>
-          <p:cNvSpPr>
-            <a:spLocks noGrp="1"/>
-          </p:cNvSpPr>
-          <p:nvPr>
-            <p:ph type="title"/>
-          </p:nvPr>
-        </p:nvSpPr>
-        <p:spPr/>
-        <p:txBody>
-          <a:bodyPr/>
-          <a:lstStyle/>
-          <a:p>
-            <a:r>
-              <a:rPr lang="en-US" dirty="0"/>
-              <a:t>Feature in triage: Collate</a:t>
-            </a:r>
-          </a:p>
-        </p:txBody>
-      </p:sp>
-      <p:pic>
-        <p:nvPicPr>
-          <p:cNvPr id="15" name="Google Shape;374;p32">
-            <a:extLst>
-              <a:ext uri="{FF2B5EF4-FFF2-40B4-BE49-F238E27FC236}">
-                <a16:creationId xmlns:a16="http://schemas.microsoft.com/office/drawing/2014/main" id="{96658BB8-39C3-334B-8D4F-2527D220FB50}"/>
-              </a:ext>
-            </a:extLst>
-          </p:cNvPr>
-          <p:cNvPicPr preferRelativeResize="0"/>
-          <p:nvPr/>
-        </p:nvPicPr>
-        <p:blipFill>
-          <a:blip r:embed="rId2">
-            <a:alphaModFix/>
-          </a:blip>
-          <a:stretch>
-            <a:fillRect/>
-          </a:stretch>
-        </p:blipFill>
-        <p:spPr>
-          <a:xfrm>
-            <a:off x="160638" y="1469856"/>
-            <a:ext cx="4868561" cy="5007339"/>
-          </a:xfrm>
-          <a:prstGeom prst="rect">
-            <a:avLst/>
-          </a:prstGeom>
-          <a:noFill/>
-          <a:ln>
-            <a:noFill/>
-          </a:ln>
-        </p:spPr>
-      </p:pic>
-      <p:sp>
-        <p:nvSpPr>
-          <p:cNvPr id="16" name="Google Shape;376;p32">
-            <a:extLst>
-              <a:ext uri="{FF2B5EF4-FFF2-40B4-BE49-F238E27FC236}">
-                <a16:creationId xmlns:a16="http://schemas.microsoft.com/office/drawing/2014/main" id="{8142FD36-EDCE-734D-8AD5-ACE3E58DF356}"/>
-              </a:ext>
-            </a:extLst>
-          </p:cNvPr>
-          <p:cNvSpPr txBox="1"/>
-          <p:nvPr/>
-        </p:nvSpPr>
-        <p:spPr>
-          <a:xfrm>
-            <a:off x="5262595" y="2791281"/>
-            <a:ext cx="2575500" cy="694500"/>
-          </a:xfrm>
-          <a:prstGeom prst="rect">
-            <a:avLst/>
-          </a:prstGeom>
-          <a:noFill/>
-          <a:ln>
-            <a:noFill/>
-          </a:ln>
-        </p:spPr>
-        <p:txBody>
-          <a:bodyPr spcFirstLastPara="1" wrap="square" lIns="91425" tIns="91425" rIns="91425" bIns="91425" anchor="t" anchorCtr="0">
-            <a:noAutofit/>
-          </a:bodyPr>
-          <a:lstStyle/>
-          <a:p>
-            <a:pPr marL="0" lvl="0" indent="0" algn="l" rtl="0">
-              <a:spcBef>
-                <a:spcPts val="0"/>
-              </a:spcBef>
-              <a:spcAft>
-                <a:spcPts val="0"/>
-              </a:spcAft>
-              <a:buNone/>
-            </a:pPr>
-            <a:r>
-              <a:rPr lang="en" sz="2000" b="1">
-                <a:latin typeface="Calibri"/>
-                <a:ea typeface="Calibri"/>
-                <a:cs typeface="Calibri"/>
-                <a:sym typeface="Calibri"/>
-              </a:rPr>
-              <a:t>Similar structure for categoricals</a:t>
-            </a:r>
-            <a:endParaRPr sz="2000" b="1">
-              <a:latin typeface="Calibri"/>
-              <a:ea typeface="Calibri"/>
-              <a:cs typeface="Calibri"/>
-              <a:sym typeface="Calibri"/>
-            </a:endParaRPr>
-          </a:p>
-        </p:txBody>
-      </p:sp>
-      <p:cxnSp>
-        <p:nvCxnSpPr>
-          <p:cNvPr id="17" name="Google Shape;377;p32">
-            <a:extLst>
-              <a:ext uri="{FF2B5EF4-FFF2-40B4-BE49-F238E27FC236}">
-                <a16:creationId xmlns:a16="http://schemas.microsoft.com/office/drawing/2014/main" id="{D23696E0-1F1B-214A-B21A-E9C35A4E337C}"/>
-              </a:ext>
-            </a:extLst>
-          </p:cNvPr>
-          <p:cNvCxnSpPr>
-            <a:cxnSpLocks/>
-          </p:cNvCxnSpPr>
-          <p:nvPr/>
-        </p:nvCxnSpPr>
-        <p:spPr>
-          <a:xfrm flipH="1">
-            <a:off x="2724670" y="3145581"/>
-            <a:ext cx="2575500" cy="605750"/>
-          </a:xfrm>
-          <a:prstGeom prst="straightConnector1">
-            <a:avLst/>
-          </a:prstGeom>
-          <a:noFill/>
-          <a:ln w="38100" cap="flat" cmpd="sng">
-            <a:solidFill>
-              <a:srgbClr val="000000"/>
-            </a:solidFill>
-            <a:prstDash val="solid"/>
-            <a:round/>
-            <a:headEnd type="none" w="med" len="med"/>
-            <a:tailEnd type="triangle" w="med" len="med"/>
-          </a:ln>
-        </p:spPr>
-      </p:cxnSp>
-      <p:cxnSp>
-        <p:nvCxnSpPr>
-          <p:cNvPr id="18" name="Google Shape;378;p32">
-            <a:extLst>
-              <a:ext uri="{FF2B5EF4-FFF2-40B4-BE49-F238E27FC236}">
-                <a16:creationId xmlns:a16="http://schemas.microsoft.com/office/drawing/2014/main" id="{441C19BB-6061-3249-9980-AF2EC0D1FA70}"/>
-              </a:ext>
-            </a:extLst>
-          </p:cNvPr>
-          <p:cNvCxnSpPr>
-            <a:cxnSpLocks/>
-          </p:cNvCxnSpPr>
-          <p:nvPr/>
-        </p:nvCxnSpPr>
-        <p:spPr>
-          <a:xfrm flipH="1">
-            <a:off x="3793524" y="4133906"/>
-            <a:ext cx="1506646" cy="311925"/>
-          </a:xfrm>
-          <a:prstGeom prst="straightConnector1">
-            <a:avLst/>
-          </a:prstGeom>
-          <a:noFill/>
-          <a:ln w="38100" cap="flat" cmpd="sng">
-            <a:solidFill>
-              <a:srgbClr val="000000"/>
-            </a:solidFill>
-            <a:prstDash val="solid"/>
-            <a:round/>
-            <a:headEnd type="none" w="med" len="med"/>
-            <a:tailEnd type="triangle" w="med" len="med"/>
-          </a:ln>
-        </p:spPr>
-      </p:cxnSp>
-      <p:sp>
-        <p:nvSpPr>
-          <p:cNvPr id="19" name="Google Shape;379;p32">
-            <a:extLst>
-              <a:ext uri="{FF2B5EF4-FFF2-40B4-BE49-F238E27FC236}">
-                <a16:creationId xmlns:a16="http://schemas.microsoft.com/office/drawing/2014/main" id="{7BBE3A5B-371F-5F47-AB13-3C53804B9A02}"/>
-              </a:ext>
-            </a:extLst>
-          </p:cNvPr>
-          <p:cNvSpPr txBox="1"/>
-          <p:nvPr/>
-        </p:nvSpPr>
-        <p:spPr>
-          <a:xfrm>
-            <a:off x="5262595" y="3751331"/>
-            <a:ext cx="3016432" cy="694500"/>
-          </a:xfrm>
-          <a:prstGeom prst="rect">
-            <a:avLst/>
-          </a:prstGeom>
-          <a:noFill/>
-          <a:ln>
-            <a:noFill/>
-          </a:ln>
-        </p:spPr>
-        <p:txBody>
-          <a:bodyPr spcFirstLastPara="1" wrap="square" lIns="91425" tIns="91425" rIns="91425" bIns="91425" anchor="t" anchorCtr="0">
-            <a:noAutofit/>
-          </a:bodyPr>
-          <a:lstStyle/>
-          <a:p>
-            <a:pPr marL="0" lvl="0" indent="0" algn="l" rtl="0">
-              <a:spcBef>
-                <a:spcPts val="0"/>
-              </a:spcBef>
-              <a:spcAft>
-                <a:spcPts val="0"/>
-              </a:spcAft>
-              <a:buNone/>
-            </a:pPr>
-            <a:r>
-              <a:rPr lang="en" sz="2000" b="1" dirty="0">
-                <a:latin typeface="Calibri"/>
-                <a:ea typeface="Calibri"/>
-                <a:cs typeface="Calibri"/>
-                <a:sym typeface="Calibri"/>
-              </a:rPr>
-              <a:t>Specify categorical values by hand or query</a:t>
-            </a:r>
-            <a:endParaRPr sz="2000" b="1" dirty="0">
-              <a:latin typeface="Calibri"/>
-              <a:ea typeface="Calibri"/>
-              <a:cs typeface="Calibri"/>
-              <a:sym typeface="Calibri"/>
-            </a:endParaRPr>
-          </a:p>
-        </p:txBody>
-      </p:sp>
-    </p:spTree>
-    <p:extLst>
-      <p:ext uri="{BB962C8B-B14F-4D97-AF65-F5344CB8AC3E}">
-        <p14:creationId xmlns:p14="http://schemas.microsoft.com/office/powerpoint/2010/main" val="3980843704"/>
-      </p:ext>
-    </p:extLst>
-  </p:cSld>
-  <p:clrMapOvr>
-    <a:masterClrMapping/>
-  </p:clrMapOvr>
-</p:sld>
-</file>
-
-<file path=ppt/slides/slide34.xml><?xml version="1.0" encoding="utf-8"?>
+<file path=ppt/slides/slide39.xml><?xml version="1.0" encoding="utf-8"?>
 <p:sld xmlns:a="http://schemas.openxmlformats.org/drawingml/2006/main" xmlns:r="http://schemas.openxmlformats.org/officeDocument/2006/relationships" xmlns:p="http://schemas.openxmlformats.org/presentationml/2006/main">
   <p:cSld>
     <p:spTree>
@@ -19528,18 +20788,53 @@
               <a:buNone/>
             </a:pPr>
             <a:r>
-              <a:rPr lang="en-US" b="1" dirty="0"/>
+              <a:rPr lang="en-US" b="1" dirty="0">
+                <a:solidFill>
+                  <a:schemeClr val="tx1">
+                    <a:lumMod val="75000"/>
+                    <a:lumOff val="25000"/>
+                  </a:schemeClr>
+                </a:solidFill>
+              </a:rPr>
               <a:t>This week:</a:t>
             </a:r>
           </a:p>
           <a:p>
             <a:r>
-              <a:rPr lang="en-US" dirty="0"/>
+              <a:rPr lang="en-US" dirty="0">
+                <a:solidFill>
+                  <a:schemeClr val="tx1">
+                    <a:lumMod val="75000"/>
+                    <a:lumOff val="25000"/>
+                  </a:schemeClr>
+                </a:solidFill>
+              </a:rPr>
               <a:t>Tomorrow: Wednesday Group Check-Ins</a:t>
             </a:r>
+          </a:p>
+          <a:p>
+            <a:r>
+              <a:rPr lang="en-US" dirty="0">
+                <a:solidFill>
+                  <a:schemeClr val="tx1">
+                    <a:lumMod val="75000"/>
+                    <a:lumOff val="25000"/>
+                  </a:schemeClr>
+                </a:solidFill>
+              </a:rPr>
+              <a:t>Thursday: Time for group work (no lecture)</a:t>
+            </a:r>
+          </a:p>
+          <a:p>
+            <a:pPr marL="76200" indent="0">
+              <a:buNone/>
+            </a:pPr>
             <a:endParaRPr lang="en-US" b="1" dirty="0">
               <a:solidFill>
-                <a:schemeClr val="tx1"/>
+                <a:schemeClr val="tx1">
+                  <a:lumMod val="75000"/>
+                  <a:lumOff val="25000"/>
+                </a:schemeClr>
               </a:solidFill>
             </a:endParaRPr>
           </a:p>
@@ -19547,45 +20842,68 @@
             <a:pPr marL="76200" indent="0">
               <a:buNone/>
             </a:pPr>
-            <a:endParaRPr lang="en-US" b="1" dirty="0"/>
-          </a:p>
-          <a:p>
-            <a:pPr marL="76200" indent="0">
-              <a:buNone/>
-            </a:pPr>
-            <a:endParaRPr lang="en-US" b="1" dirty="0"/>
+            <a:endParaRPr lang="en-US" b="1" dirty="0">
+              <a:solidFill>
+                <a:schemeClr val="tx1">
+                  <a:lumMod val="75000"/>
+                  <a:lumOff val="25000"/>
+                </a:schemeClr>
+              </a:solidFill>
+            </a:endParaRPr>
           </a:p>
           <a:p>
             <a:pPr marL="76200" indent="0">
               <a:buNone/>
             </a:pPr>
             <a:r>
-              <a:rPr lang="en-US" b="1" dirty="0"/>
-              <a:t>Coming up next week:</a:t>
+              <a:rPr lang="en-US" b="1" dirty="0">
+                <a:solidFill>
+                  <a:schemeClr val="tx1">
+                    <a:lumMod val="75000"/>
+                    <a:lumOff val="25000"/>
+                  </a:schemeClr>
+                </a:solidFill>
+              </a:rPr>
+              <a:t>Coming up after fall break:</a:t>
             </a:r>
           </a:p>
           <a:p>
             <a:r>
-              <a:rPr lang="en-US" dirty="0"/>
-              <a:t>Monday: Project Update 2</a:t>
+              <a:rPr lang="en-US" dirty="0">
+                <a:solidFill>
+                  <a:schemeClr val="tx1">
+                    <a:lumMod val="75000"/>
+                    <a:lumOff val="25000"/>
+                  </a:schemeClr>
+                </a:solidFill>
+              </a:rPr>
+              <a:t>Monday: Project Update 3</a:t>
             </a:r>
           </a:p>
           <a:p>
             <a:r>
-              <a:rPr lang="en-US" dirty="0"/>
+              <a:rPr lang="en-US" dirty="0">
+                <a:solidFill>
+                  <a:schemeClr val="tx1">
+                    <a:lumMod val="75000"/>
+                    <a:lumOff val="25000"/>
+                  </a:schemeClr>
+                </a:solidFill>
+              </a:rPr>
               <a:t>Tuesday: Weekly Feedback Form</a:t>
             </a:r>
           </a:p>
           <a:p>
             <a:r>
-              <a:rPr lang="en-US" dirty="0"/>
-              <a:t>Tuesday: Reading on Practical ML</a:t>
-            </a:r>
-          </a:p>
-          <a:p>
-            <a:r>
-              <a:rPr lang="en-US" dirty="0"/>
-              <a:t>Following week: Project Update Presentations</a:t>
+              <a:rPr lang="en-US" dirty="0">
+                <a:solidFill>
+                  <a:schemeClr val="tx1">
+                    <a:lumMod val="75000"/>
+                    <a:lumOff val="25000"/>
+                  </a:schemeClr>
+                </a:solidFill>
+              </a:rPr>
+              <a:t>Tuesday: Readings on Practical ML</a:t>
             </a:r>
           </a:p>
         </p:txBody>
@@ -19593,7 +20911,7 @@
     </p:spTree>
     <p:extLst>
       <p:ext uri="{BB962C8B-B14F-4D97-AF65-F5344CB8AC3E}">
-        <p14:creationId xmlns:p14="http://schemas.microsoft.com/office/powerpoint/2010/main" val="3936161038"/>
+        <p14:creationId xmlns:p14="http://schemas.microsoft.com/office/powerpoint/2010/main" val="867991865"/>
       </p:ext>
     </p:extLst>
   </p:cSld>
@@ -19604,6 +20922,1257 @@
 </file>
 
 <file path=ppt/slides/slide4.xml><?xml version="1.0" encoding="utf-8"?>
+<p:sld xmlns:a="http://schemas.openxmlformats.org/drawingml/2006/main" xmlns:r="http://schemas.openxmlformats.org/officeDocument/2006/relationships" xmlns:p="http://schemas.openxmlformats.org/presentationml/2006/main">
+  <p:cSld>
+    <p:spTree>
+      <p:nvGrpSpPr>
+        <p:cNvPr id="1" name=""/>
+        <p:cNvGrpSpPr/>
+        <p:nvPr/>
+      </p:nvGrpSpPr>
+      <p:grpSpPr>
+        <a:xfrm>
+          <a:off x="0" y="0"/>
+          <a:ext cx="0" cy="0"/>
+          <a:chOff x="0" y="0"/>
+          <a:chExt cx="0" cy="0"/>
+        </a:xfrm>
+      </p:grpSpPr>
+      <p:sp>
+        <p:nvSpPr>
+          <p:cNvPr id="3" name="Title 2"/>
+          <p:cNvSpPr>
+            <a:spLocks noGrp="1"/>
+          </p:cNvSpPr>
+          <p:nvPr>
+            <p:ph type="title"/>
+          </p:nvPr>
+        </p:nvSpPr>
+        <p:spPr/>
+        <p:txBody>
+          <a:bodyPr/>
+          <a:lstStyle/>
+          <a:p>
+            <a:r>
+              <a:rPr lang="en-US" dirty="0"/>
+              <a:t>Reminder: The PR-k Curve</a:t>
+            </a:r>
+          </a:p>
+        </p:txBody>
+      </p:sp>
+      <p:grpSp>
+        <p:nvGrpSpPr>
+          <p:cNvPr id="5" name="Group 4"/>
+          <p:cNvGrpSpPr/>
+          <p:nvPr/>
+        </p:nvGrpSpPr>
+        <p:grpSpPr>
+          <a:xfrm>
+            <a:off x="2435740" y="1562635"/>
+            <a:ext cx="7320520" cy="4944871"/>
+            <a:chOff x="616981" y="1325057"/>
+            <a:chExt cx="7320520" cy="4944871"/>
+          </a:xfrm>
+        </p:grpSpPr>
+        <p:pic>
+          <p:nvPicPr>
+            <p:cNvPr id="4" name="Picture 3"/>
+            <p:cNvPicPr>
+              <a:picLocks noChangeAspect="1"/>
+            </p:cNvPicPr>
+            <p:nvPr/>
+          </p:nvPicPr>
+          <p:blipFill>
+            <a:blip r:embed="rId2"/>
+            <a:stretch>
+              <a:fillRect/>
+            </a:stretch>
+          </p:blipFill>
+          <p:spPr>
+            <a:xfrm>
+              <a:off x="616981" y="1325057"/>
+              <a:ext cx="7320520" cy="4944871"/>
+            </a:xfrm>
+            <a:prstGeom prst="rect">
+              <a:avLst/>
+            </a:prstGeom>
+          </p:spPr>
+        </p:pic>
+        <p:sp>
+          <p:nvSpPr>
+            <p:cNvPr id="2" name="Rectangle 1"/>
+            <p:cNvSpPr/>
+            <p:nvPr/>
+          </p:nvSpPr>
+          <p:spPr>
+            <a:xfrm>
+              <a:off x="4064000" y="1409700"/>
+              <a:ext cx="342900" cy="279400"/>
+            </a:xfrm>
+            <a:prstGeom prst="rect">
+              <a:avLst/>
+            </a:prstGeom>
+            <a:ln>
+              <a:noFill/>
+            </a:ln>
+          </p:spPr>
+          <p:style>
+            <a:lnRef idx="2">
+              <a:schemeClr val="dk1"/>
+            </a:lnRef>
+            <a:fillRef idx="1">
+              <a:schemeClr val="lt1"/>
+            </a:fillRef>
+            <a:effectRef idx="0">
+              <a:schemeClr val="dk1"/>
+            </a:effectRef>
+            <a:fontRef idx="minor">
+              <a:schemeClr val="dk1"/>
+            </a:fontRef>
+          </p:style>
+          <p:txBody>
+            <a:bodyPr rtlCol="0" anchor="ctr"/>
+            <a:lstStyle/>
+            <a:p>
+              <a:pPr algn="ctr" defTabSz="457200">
+                <a:buClrTx/>
+              </a:pPr>
+              <a:endParaRPr lang="en-US" sz="1800" kern="1200">
+                <a:solidFill>
+                  <a:prstClr val="black"/>
+                </a:solidFill>
+                <a:latin typeface="Calibri"/>
+              </a:endParaRPr>
+            </a:p>
+          </p:txBody>
+        </p:sp>
+      </p:grpSp>
+      <p:grpSp>
+        <p:nvGrpSpPr>
+          <p:cNvPr id="9" name="Group 8">
+            <a:extLst>
+              <a:ext uri="{FF2B5EF4-FFF2-40B4-BE49-F238E27FC236}">
+                <a16:creationId xmlns:a16="http://schemas.microsoft.com/office/drawing/2014/main" id="{100148AF-CA57-0541-9177-560EC8D36156}"/>
+              </a:ext>
+            </a:extLst>
+          </p:cNvPr>
+          <p:cNvGrpSpPr/>
+          <p:nvPr/>
+        </p:nvGrpSpPr>
+        <p:grpSpPr>
+          <a:xfrm>
+            <a:off x="3018798" y="1150982"/>
+            <a:ext cx="6607802" cy="882961"/>
+            <a:chOff x="1494798" y="1150981"/>
+            <a:chExt cx="6607802" cy="882961"/>
+          </a:xfrm>
+        </p:grpSpPr>
+        <p:sp>
+          <p:nvSpPr>
+            <p:cNvPr id="6" name="TextBox 5"/>
+            <p:cNvSpPr txBox="1"/>
+            <p:nvPr/>
+          </p:nvSpPr>
+          <p:spPr>
+            <a:xfrm>
+              <a:off x="1494798" y="1387611"/>
+              <a:ext cx="6607802" cy="646331"/>
+            </a:xfrm>
+            <a:prstGeom prst="rect">
+              <a:avLst/>
+            </a:prstGeom>
+            <a:noFill/>
+          </p:spPr>
+          <p:txBody>
+            <a:bodyPr wrap="square" rtlCol="0">
+              <a:spAutoFit/>
+            </a:bodyPr>
+            <a:lstStyle/>
+            <a:p>
+              <a:pPr defTabSz="457200">
+                <a:buClrTx/>
+              </a:pPr>
+              <a:r>
+                <a:rPr lang="en-US" sz="1800" b="1" kern="1200" dirty="0">
+                  <a:solidFill>
+                    <a:srgbClr val="C0504D">
+                      <a:lumMod val="75000"/>
+                    </a:srgbClr>
+                  </a:solidFill>
+                  <a:latin typeface="Calibri"/>
+                  <a:ea typeface="+mn-ea"/>
+                  <a:cs typeface="+mn-cs"/>
+                </a:rPr>
+                <a:t>1         .9     .8                .7        .6            .5    .4  .3.                  .2     .1 </a:t>
+              </a:r>
+            </a:p>
+            <a:p>
+              <a:pPr defTabSz="457200">
+                <a:buClrTx/>
+              </a:pPr>
+              <a:r>
+                <a:rPr lang="en-US" sz="1050" b="1" kern="1200" dirty="0">
+                  <a:solidFill>
+                    <a:srgbClr val="C0504D">
+                      <a:lumMod val="75000"/>
+                    </a:srgbClr>
+                  </a:solidFill>
+                  <a:latin typeface="Calibri"/>
+                  <a:ea typeface="+mn-ea"/>
+                  <a:cs typeface="+mn-cs"/>
+                </a:rPr>
+                <a:t> |                  |             |                               |                  |                        |           |        |                                    |            |</a:t>
+              </a:r>
+              <a:r>
+                <a:rPr lang="en-US" sz="1800" b="1" kern="1200" dirty="0">
+                  <a:solidFill>
+                    <a:srgbClr val="C0504D">
+                      <a:lumMod val="75000"/>
+                    </a:srgbClr>
+                  </a:solidFill>
+                  <a:latin typeface="Calibri"/>
+                  <a:ea typeface="+mn-ea"/>
+                  <a:cs typeface="+mn-cs"/>
+                </a:rPr>
+                <a:t>   </a:t>
+              </a:r>
+              <a:r>
+                <a:rPr lang="en-US" sz="1800" kern="1200" dirty="0">
+                  <a:solidFill>
+                    <a:srgbClr val="EEECE1">
+                      <a:lumMod val="25000"/>
+                    </a:srgbClr>
+                  </a:solidFill>
+                  <a:latin typeface="Calibri"/>
+                  <a:ea typeface="+mn-ea"/>
+                  <a:cs typeface="+mn-cs"/>
+                </a:rPr>
+                <a:t>      </a:t>
+              </a:r>
+            </a:p>
+          </p:txBody>
+        </p:sp>
+        <p:sp>
+          <p:nvSpPr>
+            <p:cNvPr id="8" name="TextBox 7">
+              <a:extLst>
+                <a:ext uri="{FF2B5EF4-FFF2-40B4-BE49-F238E27FC236}">
+                  <a16:creationId xmlns:a16="http://schemas.microsoft.com/office/drawing/2014/main" id="{EFA4ED1E-FBFF-4545-BB64-FFD28CAC8A4B}"/>
+                </a:ext>
+              </a:extLst>
+            </p:cNvPr>
+            <p:cNvSpPr txBox="1"/>
+            <p:nvPr/>
+          </p:nvSpPr>
+          <p:spPr>
+            <a:xfrm>
+              <a:off x="4097994" y="1150981"/>
+              <a:ext cx="700705" cy="369332"/>
+            </a:xfrm>
+            <a:prstGeom prst="rect">
+              <a:avLst/>
+            </a:prstGeom>
+            <a:noFill/>
+          </p:spPr>
+          <p:txBody>
+            <a:bodyPr wrap="none" rtlCol="0">
+              <a:spAutoFit/>
+            </a:bodyPr>
+            <a:lstStyle/>
+            <a:p>
+              <a:pPr defTabSz="457200">
+                <a:buClrTx/>
+              </a:pPr>
+              <a:r>
+                <a:rPr lang="en-US" sz="1800" b="1" kern="1200" dirty="0">
+                  <a:solidFill>
+                    <a:srgbClr val="C00000"/>
+                  </a:solidFill>
+                  <a:latin typeface="Calibri"/>
+                  <a:ea typeface="+mn-ea"/>
+                  <a:cs typeface="+mn-cs"/>
+                </a:rPr>
+                <a:t>Score</a:t>
+              </a:r>
+            </a:p>
+          </p:txBody>
+        </p:sp>
+      </p:grpSp>
+      <p:grpSp>
+        <p:nvGrpSpPr>
+          <p:cNvPr id="15" name="Group 14">
+            <a:extLst>
+              <a:ext uri="{FF2B5EF4-FFF2-40B4-BE49-F238E27FC236}">
+                <a16:creationId xmlns:a16="http://schemas.microsoft.com/office/drawing/2014/main" id="{F79BF13E-AE77-6A46-B2C2-E1985346BF6A}"/>
+              </a:ext>
+            </a:extLst>
+          </p:cNvPr>
+          <p:cNvGrpSpPr/>
+          <p:nvPr/>
+        </p:nvGrpSpPr>
+        <p:grpSpPr>
+          <a:xfrm>
+            <a:off x="1836283" y="5550212"/>
+            <a:ext cx="7221578" cy="369332"/>
+            <a:chOff x="312283" y="5550212"/>
+            <a:chExt cx="7221578" cy="369332"/>
+          </a:xfrm>
+        </p:grpSpPr>
+        <p:cxnSp>
+          <p:nvCxnSpPr>
+            <p:cNvPr id="11" name="Straight Connector 10">
+              <a:extLst>
+                <a:ext uri="{FF2B5EF4-FFF2-40B4-BE49-F238E27FC236}">
+                  <a16:creationId xmlns:a16="http://schemas.microsoft.com/office/drawing/2014/main" id="{91561906-EEC1-6046-905E-0E55B1D4B60D}"/>
+                </a:ext>
+              </a:extLst>
+            </p:cNvPr>
+            <p:cNvCxnSpPr/>
+            <p:nvPr/>
+          </p:nvCxnSpPr>
+          <p:spPr>
+            <a:xfrm flipH="1">
+              <a:off x="1649896" y="5734878"/>
+              <a:ext cx="5883965" cy="0"/>
+            </a:xfrm>
+            <a:prstGeom prst="line">
+              <a:avLst/>
+            </a:prstGeom>
+            <a:ln w="28575">
+              <a:solidFill>
+                <a:srgbClr val="00B0F0"/>
+              </a:solidFill>
+            </a:ln>
+          </p:spPr>
+          <p:style>
+            <a:lnRef idx="2">
+              <a:schemeClr val="accent1"/>
+            </a:lnRef>
+            <a:fillRef idx="0">
+              <a:schemeClr val="accent1"/>
+            </a:fillRef>
+            <a:effectRef idx="1">
+              <a:schemeClr val="accent1"/>
+            </a:effectRef>
+            <a:fontRef idx="minor">
+              <a:schemeClr val="tx1"/>
+            </a:fontRef>
+          </p:style>
+        </p:cxnSp>
+        <p:sp>
+          <p:nvSpPr>
+            <p:cNvPr id="12" name="TextBox 11">
+              <a:extLst>
+                <a:ext uri="{FF2B5EF4-FFF2-40B4-BE49-F238E27FC236}">
+                  <a16:creationId xmlns:a16="http://schemas.microsoft.com/office/drawing/2014/main" id="{79F59512-F15A-1445-8C8B-BFD99D51B252}"/>
+                </a:ext>
+              </a:extLst>
+            </p:cNvPr>
+            <p:cNvSpPr txBox="1"/>
+            <p:nvPr/>
+          </p:nvSpPr>
+          <p:spPr>
+            <a:xfrm>
+              <a:off x="312283" y="5550212"/>
+              <a:ext cx="1069139" cy="369332"/>
+            </a:xfrm>
+            <a:prstGeom prst="rect">
+              <a:avLst/>
+            </a:prstGeom>
+            <a:noFill/>
+          </p:spPr>
+          <p:txBody>
+            <a:bodyPr wrap="none" rtlCol="0">
+              <a:spAutoFit/>
+            </a:bodyPr>
+            <a:lstStyle/>
+            <a:p>
+              <a:pPr defTabSz="457200">
+                <a:buClrTx/>
+              </a:pPr>
+              <a:r>
+                <a:rPr lang="en-US" sz="1800" b="1" kern="1200" dirty="0">
+                  <a:solidFill>
+                    <a:srgbClr val="C00000"/>
+                  </a:solidFill>
+                  <a:latin typeface="Calibri"/>
+                  <a:ea typeface="+mn-ea"/>
+                  <a:cs typeface="+mn-cs"/>
+                </a:rPr>
+                <a:t>Base rate</a:t>
+              </a:r>
+            </a:p>
+          </p:txBody>
+        </p:sp>
+        <p:cxnSp>
+          <p:nvCxnSpPr>
+            <p:cNvPr id="14" name="Straight Arrow Connector 13">
+              <a:extLst>
+                <a:ext uri="{FF2B5EF4-FFF2-40B4-BE49-F238E27FC236}">
+                  <a16:creationId xmlns:a16="http://schemas.microsoft.com/office/drawing/2014/main" id="{E9A4A58B-B356-1E41-A6F4-EEF6E44A9AD1}"/>
+                </a:ext>
+              </a:extLst>
+            </p:cNvPr>
+            <p:cNvCxnSpPr>
+              <a:stCxn id="12" idx="3"/>
+            </p:cNvCxnSpPr>
+            <p:nvPr/>
+          </p:nvCxnSpPr>
+          <p:spPr>
+            <a:xfrm>
+              <a:off x="1381422" y="5734878"/>
+              <a:ext cx="198900" cy="0"/>
+            </a:xfrm>
+            <a:prstGeom prst="straightConnector1">
+              <a:avLst/>
+            </a:prstGeom>
+            <a:ln>
+              <a:tailEnd type="triangle"/>
+            </a:ln>
+          </p:spPr>
+          <p:style>
+            <a:lnRef idx="2">
+              <a:schemeClr val="accent1"/>
+            </a:lnRef>
+            <a:fillRef idx="0">
+              <a:schemeClr val="accent1"/>
+            </a:fillRef>
+            <a:effectRef idx="1">
+              <a:schemeClr val="accent1"/>
+            </a:effectRef>
+            <a:fontRef idx="minor">
+              <a:schemeClr val="tx1"/>
+            </a:fontRef>
+          </p:style>
+        </p:cxnSp>
+      </p:grpSp>
+    </p:spTree>
+    <p:extLst>
+      <p:ext uri="{BB962C8B-B14F-4D97-AF65-F5344CB8AC3E}">
+        <p14:creationId xmlns:p14="http://schemas.microsoft.com/office/powerpoint/2010/main" val="255739373"/>
+      </p:ext>
+    </p:extLst>
+  </p:cSld>
+  <p:clrMapOvr>
+    <a:masterClrMapping/>
+  </p:clrMapOvr>
+</p:sld>
+</file>
+
+<file path=ppt/slides/slide5.xml><?xml version="1.0" encoding="utf-8"?>
+<p:sld xmlns:a="http://schemas.openxmlformats.org/drawingml/2006/main" xmlns:r="http://schemas.openxmlformats.org/officeDocument/2006/relationships" xmlns:p="http://schemas.openxmlformats.org/presentationml/2006/main">
+  <p:cSld>
+    <p:spTree>
+      <p:nvGrpSpPr>
+        <p:cNvPr id="1" name=""/>
+        <p:cNvGrpSpPr/>
+        <p:nvPr/>
+      </p:nvGrpSpPr>
+      <p:grpSpPr>
+        <a:xfrm>
+          <a:off x="0" y="0"/>
+          <a:ext cx="0" cy="0"/>
+          <a:chOff x="0" y="0"/>
+          <a:chExt cx="0" cy="0"/>
+        </a:xfrm>
+      </p:grpSpPr>
+      <p:sp>
+        <p:nvSpPr>
+          <p:cNvPr id="3" name="Title 2">
+            <a:extLst>
+              <a:ext uri="{FF2B5EF4-FFF2-40B4-BE49-F238E27FC236}">
+                <a16:creationId xmlns:a16="http://schemas.microsoft.com/office/drawing/2014/main" id="{9323871C-7CA8-1448-8FFC-1AE6E1838941}"/>
+              </a:ext>
+            </a:extLst>
+          </p:cNvPr>
+          <p:cNvSpPr>
+            <a:spLocks noGrp="1"/>
+          </p:cNvSpPr>
+          <p:nvPr>
+            <p:ph type="title"/>
+          </p:nvPr>
+        </p:nvSpPr>
+        <p:spPr>
+          <a:xfrm>
+            <a:off x="415600" y="2667"/>
+            <a:ext cx="11360700" cy="763500"/>
+          </a:xfrm>
+        </p:spPr>
+        <p:txBody>
+          <a:bodyPr/>
+          <a:lstStyle/>
+          <a:p>
+            <a:pPr algn="ctr"/>
+            <a:r>
+              <a:rPr lang="en-US" b="1" dirty="0" err="1"/>
+              <a:t>slido.com</a:t>
+            </a:r>
+            <a:r>
+              <a:rPr lang="en-US" b="1" dirty="0"/>
+              <a:t>/94889</a:t>
+            </a:r>
+            <a:br>
+              <a:rPr lang="en-US" dirty="0"/>
+            </a:br>
+            <a:r>
+              <a:rPr lang="en-US" sz="2400" dirty="0"/>
+              <a:t>Which of these is a </a:t>
+            </a:r>
+            <a:r>
+              <a:rPr lang="en-US" sz="2400" u="sng" dirty="0"/>
+              <a:t>possible</a:t>
+            </a:r>
+            <a:r>
+              <a:rPr lang="en-US" sz="2400" dirty="0"/>
+              <a:t> PR-k curve on the same dataset as the one outlined?</a:t>
+            </a:r>
+            <a:r>
+              <a:rPr lang="en-US" dirty="0"/>
+              <a:t> </a:t>
+            </a:r>
+          </a:p>
+        </p:txBody>
+      </p:sp>
+      <p:pic>
+        <p:nvPicPr>
+          <p:cNvPr id="1026" name="Picture 2">
+            <a:extLst>
+              <a:ext uri="{FF2B5EF4-FFF2-40B4-BE49-F238E27FC236}">
+                <a16:creationId xmlns:a16="http://schemas.microsoft.com/office/drawing/2014/main" id="{5821B651-BAFB-8E46-9563-DD473DB1F8A6}"/>
+              </a:ext>
+            </a:extLst>
+          </p:cNvPr>
+          <p:cNvPicPr>
+            <a:picLocks noChangeAspect="1" noChangeArrowheads="1"/>
+          </p:cNvPicPr>
+          <p:nvPr/>
+        </p:nvPicPr>
+        <p:blipFill>
+          <a:blip r:embed="rId2">
+            <a:extLst>
+              <a:ext uri="{28A0092B-C50C-407E-A947-70E740481C1C}">
+                <a14:useLocalDpi xmlns:a14="http://schemas.microsoft.com/office/drawing/2010/main" val="0"/>
+              </a:ext>
+            </a:extLst>
+          </a:blip>
+          <a:srcRect/>
+          <a:stretch>
+            <a:fillRect/>
+          </a:stretch>
+        </p:blipFill>
+        <p:spPr bwMode="auto">
+          <a:xfrm>
+            <a:off x="102630" y="1484699"/>
+            <a:ext cx="3683000" cy="2603500"/>
+          </a:xfrm>
+          <a:prstGeom prst="rect">
+            <a:avLst/>
+          </a:prstGeom>
+          <a:noFill/>
+          <a:ln w="57150">
+            <a:solidFill>
+              <a:srgbClr val="7030A0"/>
+            </a:solidFill>
+          </a:ln>
+          <a:extLst>
+            <a:ext uri="{909E8E84-426E-40DD-AFC4-6F175D3DCCD1}">
+              <a14:hiddenFill xmlns:a14="http://schemas.microsoft.com/office/drawing/2010/main">
+                <a:solidFill>
+                  <a:srgbClr val="FFFFFF"/>
+                </a:solidFill>
+              </a14:hiddenFill>
+            </a:ext>
+          </a:extLst>
+        </p:spPr>
+      </p:pic>
+      <p:pic>
+        <p:nvPicPr>
+          <p:cNvPr id="8" name="Picture 7">
+            <a:extLst>
+              <a:ext uri="{FF2B5EF4-FFF2-40B4-BE49-F238E27FC236}">
+                <a16:creationId xmlns:a16="http://schemas.microsoft.com/office/drawing/2014/main" id="{B85614E7-F81E-E446-B0C7-8FD2E9C9318F}"/>
+              </a:ext>
+            </a:extLst>
+          </p:cNvPr>
+          <p:cNvPicPr>
+            <a:picLocks noChangeAspect="1"/>
+          </p:cNvPicPr>
+          <p:nvPr/>
+        </p:nvPicPr>
+        <p:blipFill>
+          <a:blip r:embed="rId3"/>
+          <a:stretch>
+            <a:fillRect/>
+          </a:stretch>
+        </p:blipFill>
+        <p:spPr>
+          <a:xfrm>
+            <a:off x="4194089" y="1325675"/>
+            <a:ext cx="3318819" cy="2390675"/>
+          </a:xfrm>
+          <a:prstGeom prst="rect">
+            <a:avLst/>
+          </a:prstGeom>
+        </p:spPr>
+      </p:pic>
+      <p:pic>
+        <p:nvPicPr>
+          <p:cNvPr id="9" name="Picture 8">
+            <a:extLst>
+              <a:ext uri="{FF2B5EF4-FFF2-40B4-BE49-F238E27FC236}">
+                <a16:creationId xmlns:a16="http://schemas.microsoft.com/office/drawing/2014/main" id="{691734CC-D6CC-D148-9AD3-760F6BBC7F3D}"/>
+              </a:ext>
+            </a:extLst>
+          </p:cNvPr>
+          <p:cNvPicPr>
+            <a:picLocks noChangeAspect="1"/>
+          </p:cNvPicPr>
+          <p:nvPr/>
+        </p:nvPicPr>
+        <p:blipFill>
+          <a:blip r:embed="rId4"/>
+          <a:stretch>
+            <a:fillRect/>
+          </a:stretch>
+        </p:blipFill>
+        <p:spPr>
+          <a:xfrm>
+            <a:off x="8457481" y="1328644"/>
+            <a:ext cx="3318819" cy="2387706"/>
+          </a:xfrm>
+          <a:prstGeom prst="rect">
+            <a:avLst/>
+          </a:prstGeom>
+        </p:spPr>
+      </p:pic>
+      <p:pic>
+        <p:nvPicPr>
+          <p:cNvPr id="11" name="Picture 10">
+            <a:extLst>
+              <a:ext uri="{FF2B5EF4-FFF2-40B4-BE49-F238E27FC236}">
+                <a16:creationId xmlns:a16="http://schemas.microsoft.com/office/drawing/2014/main" id="{5FE55A37-C444-CB41-A9F1-BA81FEE25656}"/>
+              </a:ext>
+            </a:extLst>
+          </p:cNvPr>
+          <p:cNvPicPr>
+            <a:picLocks noChangeAspect="1"/>
+          </p:cNvPicPr>
+          <p:nvPr/>
+        </p:nvPicPr>
+        <p:blipFill>
+          <a:blip r:embed="rId5"/>
+          <a:stretch>
+            <a:fillRect/>
+          </a:stretch>
+        </p:blipFill>
+        <p:spPr>
+          <a:xfrm>
+            <a:off x="4194089" y="3703891"/>
+            <a:ext cx="3346946" cy="2390676"/>
+          </a:xfrm>
+          <a:prstGeom prst="rect">
+            <a:avLst/>
+          </a:prstGeom>
+        </p:spPr>
+      </p:pic>
+      <p:pic>
+        <p:nvPicPr>
+          <p:cNvPr id="12" name="Picture 11">
+            <a:extLst>
+              <a:ext uri="{FF2B5EF4-FFF2-40B4-BE49-F238E27FC236}">
+                <a16:creationId xmlns:a16="http://schemas.microsoft.com/office/drawing/2014/main" id="{C15DB196-3EE2-434E-B765-C69CAE0F1ABD}"/>
+              </a:ext>
+            </a:extLst>
+          </p:cNvPr>
+          <p:cNvPicPr>
+            <a:picLocks noChangeAspect="1"/>
+          </p:cNvPicPr>
+          <p:nvPr/>
+        </p:nvPicPr>
+        <p:blipFill>
+          <a:blip r:embed="rId6"/>
+          <a:stretch>
+            <a:fillRect/>
+          </a:stretch>
+        </p:blipFill>
+        <p:spPr>
+          <a:xfrm>
+            <a:off x="8457481" y="3648836"/>
+            <a:ext cx="3151434" cy="2686313"/>
+          </a:xfrm>
+          <a:prstGeom prst="rect">
+            <a:avLst/>
+          </a:prstGeom>
+        </p:spPr>
+      </p:pic>
+      <p:pic>
+        <p:nvPicPr>
+          <p:cNvPr id="14" name="Picture 13">
+            <a:extLst>
+              <a:ext uri="{FF2B5EF4-FFF2-40B4-BE49-F238E27FC236}">
+                <a16:creationId xmlns:a16="http://schemas.microsoft.com/office/drawing/2014/main" id="{1CF0C0F7-7C05-B341-BF1D-68116ED1E538}"/>
+              </a:ext>
+            </a:extLst>
+          </p:cNvPr>
+          <p:cNvPicPr>
+            <a:picLocks noChangeAspect="1"/>
+          </p:cNvPicPr>
+          <p:nvPr/>
+        </p:nvPicPr>
+        <p:blipFill rotWithShape="1">
+          <a:blip r:embed="rId6"/>
+          <a:srcRect t="88921"/>
+          <a:stretch/>
+        </p:blipFill>
+        <p:spPr>
+          <a:xfrm>
+            <a:off x="4389601" y="6067076"/>
+            <a:ext cx="3151434" cy="297609"/>
+          </a:xfrm>
+          <a:prstGeom prst="rect">
+            <a:avLst/>
+          </a:prstGeom>
+        </p:spPr>
+      </p:pic>
+      <p:pic>
+        <p:nvPicPr>
+          <p:cNvPr id="15" name="Picture 14">
+            <a:extLst>
+              <a:ext uri="{FF2B5EF4-FFF2-40B4-BE49-F238E27FC236}">
+                <a16:creationId xmlns:a16="http://schemas.microsoft.com/office/drawing/2014/main" id="{9137F808-ABB8-7941-9FAE-DE98E8DE45FD}"/>
+              </a:ext>
+            </a:extLst>
+          </p:cNvPr>
+          <p:cNvPicPr>
+            <a:picLocks noChangeAspect="1"/>
+          </p:cNvPicPr>
+          <p:nvPr/>
+        </p:nvPicPr>
+        <p:blipFill rotWithShape="1">
+          <a:blip r:embed="rId4"/>
+          <a:srcRect l="92220"/>
+          <a:stretch/>
+        </p:blipFill>
+        <p:spPr>
+          <a:xfrm>
+            <a:off x="11590780" y="3700215"/>
+            <a:ext cx="258193" cy="2387706"/>
+          </a:xfrm>
+          <a:prstGeom prst="rect">
+            <a:avLst/>
+          </a:prstGeom>
+        </p:spPr>
+      </p:pic>
+      <p:sp>
+        <p:nvSpPr>
+          <p:cNvPr id="13" name="Rectangle 12">
+            <a:extLst>
+              <a:ext uri="{FF2B5EF4-FFF2-40B4-BE49-F238E27FC236}">
+                <a16:creationId xmlns:a16="http://schemas.microsoft.com/office/drawing/2014/main" id="{15DEBDEF-2E84-1E48-8558-7AF3CE99300E}"/>
+              </a:ext>
+            </a:extLst>
+          </p:cNvPr>
+          <p:cNvSpPr/>
+          <p:nvPr/>
+        </p:nvSpPr>
+        <p:spPr>
+          <a:xfrm>
+            <a:off x="6582391" y="2985924"/>
+            <a:ext cx="613540" cy="477079"/>
+          </a:xfrm>
+          <a:prstGeom prst="rect">
+            <a:avLst/>
+          </a:prstGeom>
+          <a:solidFill>
+            <a:schemeClr val="bg1"/>
+          </a:solidFill>
+          <a:ln>
+            <a:noFill/>
+          </a:ln>
+        </p:spPr>
+        <p:style>
+          <a:lnRef idx="2">
+            <a:schemeClr val="accent1">
+              <a:shade val="50000"/>
+            </a:schemeClr>
+          </a:lnRef>
+          <a:fillRef idx="1">
+            <a:schemeClr val="accent1"/>
+          </a:fillRef>
+          <a:effectRef idx="0">
+            <a:schemeClr val="accent1"/>
+          </a:effectRef>
+          <a:fontRef idx="minor">
+            <a:schemeClr val="lt1"/>
+          </a:fontRef>
+        </p:style>
+        <p:txBody>
+          <a:bodyPr rtlCol="0" anchor="ctr"/>
+          <a:lstStyle/>
+          <a:p>
+            <a:pPr algn="ctr"/>
+            <a:r>
+              <a:rPr lang="en-US" sz="2800" b="1" dirty="0">
+                <a:solidFill>
+                  <a:schemeClr val="tx1"/>
+                </a:solidFill>
+              </a:rPr>
+              <a:t>A</a:t>
+            </a:r>
+            <a:endParaRPr lang="en-US" b="1" dirty="0">
+              <a:solidFill>
+                <a:schemeClr val="tx1"/>
+              </a:solidFill>
+            </a:endParaRPr>
+          </a:p>
+        </p:txBody>
+      </p:sp>
+      <p:sp>
+        <p:nvSpPr>
+          <p:cNvPr id="17" name="Rectangle 16">
+            <a:extLst>
+              <a:ext uri="{FF2B5EF4-FFF2-40B4-BE49-F238E27FC236}">
+                <a16:creationId xmlns:a16="http://schemas.microsoft.com/office/drawing/2014/main" id="{7D7EC8D8-F48E-1649-A4BD-70F7D4FD0BC6}"/>
+              </a:ext>
+            </a:extLst>
+          </p:cNvPr>
+          <p:cNvSpPr/>
+          <p:nvPr/>
+        </p:nvSpPr>
+        <p:spPr>
+          <a:xfrm>
+            <a:off x="10577922" y="2959419"/>
+            <a:ext cx="613540" cy="477079"/>
+          </a:xfrm>
+          <a:prstGeom prst="rect">
+            <a:avLst/>
+          </a:prstGeom>
+          <a:solidFill>
+            <a:schemeClr val="bg1"/>
+          </a:solidFill>
+          <a:ln>
+            <a:noFill/>
+          </a:ln>
+        </p:spPr>
+        <p:style>
+          <a:lnRef idx="2">
+            <a:schemeClr val="accent1">
+              <a:shade val="50000"/>
+            </a:schemeClr>
+          </a:lnRef>
+          <a:fillRef idx="1">
+            <a:schemeClr val="accent1"/>
+          </a:fillRef>
+          <a:effectRef idx="0">
+            <a:schemeClr val="accent1"/>
+          </a:effectRef>
+          <a:fontRef idx="minor">
+            <a:schemeClr val="lt1"/>
+          </a:fontRef>
+        </p:style>
+        <p:txBody>
+          <a:bodyPr rtlCol="0" anchor="ctr"/>
+          <a:lstStyle/>
+          <a:p>
+            <a:pPr algn="ctr"/>
+            <a:r>
+              <a:rPr lang="en-US" sz="2800" b="1" dirty="0">
+                <a:solidFill>
+                  <a:schemeClr val="tx1"/>
+                </a:solidFill>
+              </a:rPr>
+              <a:t>B</a:t>
+            </a:r>
+            <a:endParaRPr lang="en-US" b="1" dirty="0">
+              <a:solidFill>
+                <a:schemeClr val="tx1"/>
+              </a:solidFill>
+            </a:endParaRPr>
+          </a:p>
+        </p:txBody>
+      </p:sp>
+      <p:sp>
+        <p:nvSpPr>
+          <p:cNvPr id="18" name="Rectangle 17">
+            <a:extLst>
+              <a:ext uri="{FF2B5EF4-FFF2-40B4-BE49-F238E27FC236}">
+                <a16:creationId xmlns:a16="http://schemas.microsoft.com/office/drawing/2014/main" id="{8B182DA0-52CD-F14E-A064-789A39327B64}"/>
+              </a:ext>
+            </a:extLst>
+          </p:cNvPr>
+          <p:cNvSpPr/>
+          <p:nvPr/>
+        </p:nvSpPr>
+        <p:spPr>
+          <a:xfrm>
+            <a:off x="6416739" y="5473153"/>
+            <a:ext cx="613540" cy="392794"/>
+          </a:xfrm>
+          <a:prstGeom prst="rect">
+            <a:avLst/>
+          </a:prstGeom>
+          <a:solidFill>
+            <a:schemeClr val="bg1"/>
+          </a:solidFill>
+          <a:ln>
+            <a:noFill/>
+          </a:ln>
+        </p:spPr>
+        <p:style>
+          <a:lnRef idx="2">
+            <a:schemeClr val="accent1">
+              <a:shade val="50000"/>
+            </a:schemeClr>
+          </a:lnRef>
+          <a:fillRef idx="1">
+            <a:schemeClr val="accent1"/>
+          </a:fillRef>
+          <a:effectRef idx="0">
+            <a:schemeClr val="accent1"/>
+          </a:effectRef>
+          <a:fontRef idx="minor">
+            <a:schemeClr val="lt1"/>
+          </a:fontRef>
+        </p:style>
+        <p:txBody>
+          <a:bodyPr rtlCol="0" anchor="ctr"/>
+          <a:lstStyle/>
+          <a:p>
+            <a:pPr algn="ctr"/>
+            <a:r>
+              <a:rPr lang="en-US" sz="2800" b="1" dirty="0">
+                <a:solidFill>
+                  <a:schemeClr val="tx1"/>
+                </a:solidFill>
+              </a:rPr>
+              <a:t>C</a:t>
+            </a:r>
+            <a:endParaRPr lang="en-US" b="1" dirty="0">
+              <a:solidFill>
+                <a:schemeClr val="tx1"/>
+              </a:solidFill>
+            </a:endParaRPr>
+          </a:p>
+        </p:txBody>
+      </p:sp>
+      <p:sp>
+        <p:nvSpPr>
+          <p:cNvPr id="19" name="Rectangle 18">
+            <a:extLst>
+              <a:ext uri="{FF2B5EF4-FFF2-40B4-BE49-F238E27FC236}">
+                <a16:creationId xmlns:a16="http://schemas.microsoft.com/office/drawing/2014/main" id="{C3991B48-CAD6-3B45-9058-D4B6799F4CF3}"/>
+              </a:ext>
+            </a:extLst>
+          </p:cNvPr>
+          <p:cNvSpPr/>
+          <p:nvPr/>
+        </p:nvSpPr>
+        <p:spPr>
+          <a:xfrm>
+            <a:off x="10611053" y="5369520"/>
+            <a:ext cx="613540" cy="392794"/>
+          </a:xfrm>
+          <a:prstGeom prst="rect">
+            <a:avLst/>
+          </a:prstGeom>
+          <a:solidFill>
+            <a:schemeClr val="bg1"/>
+          </a:solidFill>
+          <a:ln>
+            <a:noFill/>
+          </a:ln>
+        </p:spPr>
+        <p:style>
+          <a:lnRef idx="2">
+            <a:schemeClr val="accent1">
+              <a:shade val="50000"/>
+            </a:schemeClr>
+          </a:lnRef>
+          <a:fillRef idx="1">
+            <a:schemeClr val="accent1"/>
+          </a:fillRef>
+          <a:effectRef idx="0">
+            <a:schemeClr val="accent1"/>
+          </a:effectRef>
+          <a:fontRef idx="minor">
+            <a:schemeClr val="lt1"/>
+          </a:fontRef>
+        </p:style>
+        <p:txBody>
+          <a:bodyPr rtlCol="0" anchor="ctr"/>
+          <a:lstStyle/>
+          <a:p>
+            <a:pPr algn="ctr"/>
+            <a:r>
+              <a:rPr lang="en-US" sz="2800" b="1" dirty="0">
+                <a:solidFill>
+                  <a:schemeClr val="tx1"/>
+                </a:solidFill>
+              </a:rPr>
+              <a:t>D</a:t>
+            </a:r>
+            <a:endParaRPr lang="en-US" b="1" dirty="0">
+              <a:solidFill>
+                <a:schemeClr val="tx1"/>
+              </a:solidFill>
+            </a:endParaRPr>
+          </a:p>
+        </p:txBody>
+      </p:sp>
+      <p:sp>
+        <p:nvSpPr>
+          <p:cNvPr id="20" name="Rectangle 19">
+            <a:extLst>
+              <a:ext uri="{FF2B5EF4-FFF2-40B4-BE49-F238E27FC236}">
+                <a16:creationId xmlns:a16="http://schemas.microsoft.com/office/drawing/2014/main" id="{A73966B4-C814-5449-8741-2C42DD123299}"/>
+              </a:ext>
+            </a:extLst>
+          </p:cNvPr>
+          <p:cNvSpPr/>
+          <p:nvPr/>
+        </p:nvSpPr>
+        <p:spPr>
+          <a:xfrm>
+            <a:off x="6416739" y="6410197"/>
+            <a:ext cx="3346945" cy="392794"/>
+          </a:xfrm>
+          <a:prstGeom prst="rect">
+            <a:avLst/>
+          </a:prstGeom>
+          <a:solidFill>
+            <a:schemeClr val="bg1"/>
+          </a:solidFill>
+          <a:ln>
+            <a:noFill/>
+          </a:ln>
+        </p:spPr>
+        <p:style>
+          <a:lnRef idx="2">
+            <a:schemeClr val="accent1">
+              <a:shade val="50000"/>
+            </a:schemeClr>
+          </a:lnRef>
+          <a:fillRef idx="1">
+            <a:schemeClr val="accent1"/>
+          </a:fillRef>
+          <a:effectRef idx="0">
+            <a:schemeClr val="accent1"/>
+          </a:effectRef>
+          <a:fontRef idx="minor">
+            <a:schemeClr val="lt1"/>
+          </a:fontRef>
+        </p:style>
+        <p:txBody>
+          <a:bodyPr rtlCol="0" anchor="ctr"/>
+          <a:lstStyle/>
+          <a:p>
+            <a:pPr algn="ctr"/>
+            <a:r>
+              <a:rPr lang="en-US" sz="2800" b="1" dirty="0">
+                <a:solidFill>
+                  <a:schemeClr val="tx1"/>
+                </a:solidFill>
+              </a:rPr>
+              <a:t>E. None of these</a:t>
+            </a:r>
+            <a:endParaRPr lang="en-US" b="1" dirty="0">
+              <a:solidFill>
+                <a:schemeClr val="tx1"/>
+              </a:solidFill>
+            </a:endParaRPr>
+          </a:p>
+        </p:txBody>
+      </p:sp>
+      <p:pic>
+        <p:nvPicPr>
+          <p:cNvPr id="2" name="Picture 1">
+            <a:extLst>
+              <a:ext uri="{FF2B5EF4-FFF2-40B4-BE49-F238E27FC236}">
+                <a16:creationId xmlns:a16="http://schemas.microsoft.com/office/drawing/2014/main" id="{E73C463E-F1F2-6B40-9DD8-85A9282FFD21}"/>
+              </a:ext>
+            </a:extLst>
+          </p:cNvPr>
+          <p:cNvPicPr>
+            <a:picLocks noChangeAspect="1"/>
+          </p:cNvPicPr>
+          <p:nvPr/>
+        </p:nvPicPr>
+        <p:blipFill>
+          <a:blip r:embed="rId7"/>
+          <a:stretch>
+            <a:fillRect/>
+          </a:stretch>
+        </p:blipFill>
+        <p:spPr>
+          <a:xfrm>
+            <a:off x="902868" y="4152763"/>
+            <a:ext cx="2214435" cy="2257434"/>
+          </a:xfrm>
+          <a:prstGeom prst="rect">
+            <a:avLst/>
+          </a:prstGeom>
+        </p:spPr>
+      </p:pic>
+    </p:spTree>
+    <p:extLst>
+      <p:ext uri="{BB962C8B-B14F-4D97-AF65-F5344CB8AC3E}">
+        <p14:creationId xmlns:p14="http://schemas.microsoft.com/office/powerpoint/2010/main" val="2219935164"/>
+      </p:ext>
+    </p:extLst>
+  </p:cSld>
+  <p:clrMapOvr>
+    <a:masterClrMapping/>
+  </p:clrMapOvr>
+</p:sld>
+</file>
+
+<file path=ppt/slides/slide6.xml><?xml version="1.0" encoding="utf-8"?>
+<p:sld xmlns:a="http://schemas.openxmlformats.org/drawingml/2006/main" xmlns:r="http://schemas.openxmlformats.org/officeDocument/2006/relationships" xmlns:p="http://schemas.openxmlformats.org/presentationml/2006/main">
+  <p:cSld>
+    <p:spTree>
+      <p:nvGrpSpPr>
+        <p:cNvPr id="1" name=""/>
+        <p:cNvGrpSpPr/>
+        <p:nvPr/>
+      </p:nvGrpSpPr>
+      <p:grpSpPr>
+        <a:xfrm>
+          <a:off x="0" y="0"/>
+          <a:ext cx="0" cy="0"/>
+          <a:chOff x="0" y="0"/>
+          <a:chExt cx="0" cy="0"/>
+        </a:xfrm>
+      </p:grpSpPr>
+      <p:sp>
+        <p:nvSpPr>
+          <p:cNvPr id="2" name="Title 1">
+            <a:extLst>
+              <a:ext uri="{FF2B5EF4-FFF2-40B4-BE49-F238E27FC236}">
+                <a16:creationId xmlns:a16="http://schemas.microsoft.com/office/drawing/2014/main" id="{21359BA9-BA2B-D148-89DA-A99081B1FF81}"/>
+              </a:ext>
+            </a:extLst>
+          </p:cNvPr>
+          <p:cNvSpPr>
+            <a:spLocks noGrp="1"/>
+          </p:cNvSpPr>
+          <p:nvPr>
+            <p:ph type="title"/>
+          </p:nvPr>
+        </p:nvSpPr>
+        <p:spPr/>
+        <p:txBody>
+          <a:bodyPr/>
+          <a:lstStyle/>
+          <a:p>
+            <a:r>
+              <a:rPr lang="en-US" dirty="0"/>
+              <a:t>PR-k Curve example</a:t>
+            </a:r>
+          </a:p>
+        </p:txBody>
+      </p:sp>
+      <p:sp>
+        <p:nvSpPr>
+          <p:cNvPr id="3" name="Text Placeholder 2">
+            <a:extLst>
+              <a:ext uri="{FF2B5EF4-FFF2-40B4-BE49-F238E27FC236}">
+                <a16:creationId xmlns:a16="http://schemas.microsoft.com/office/drawing/2014/main" id="{DDA03E0F-5F3D-5B4D-8232-BF72B84A198E}"/>
+              </a:ext>
+            </a:extLst>
+          </p:cNvPr>
+          <p:cNvSpPr>
+            <a:spLocks noGrp="1"/>
+          </p:cNvSpPr>
+          <p:nvPr>
+            <p:ph type="body" idx="1"/>
+          </p:nvPr>
+        </p:nvSpPr>
+        <p:spPr>
+          <a:xfrm>
+            <a:off x="3962400" y="1536632"/>
+            <a:ext cx="7813900" cy="2279993"/>
+          </a:xfrm>
+        </p:spPr>
+        <p:txBody>
+          <a:bodyPr/>
+          <a:lstStyle/>
+          <a:p>
+            <a:pPr marL="76200" indent="0">
+              <a:buNone/>
+            </a:pPr>
+            <a:r>
+              <a:rPr lang="en-US" sz="3200" dirty="0"/>
+              <a:t>For this example, what would the PR-k curve from a random model look like? What about from a perfect model?</a:t>
+            </a:r>
+          </a:p>
+        </p:txBody>
+      </p:sp>
+      <p:pic>
+        <p:nvPicPr>
+          <p:cNvPr id="5" name="Picture 2">
+            <a:extLst>
+              <a:ext uri="{FF2B5EF4-FFF2-40B4-BE49-F238E27FC236}">
+                <a16:creationId xmlns:a16="http://schemas.microsoft.com/office/drawing/2014/main" id="{A8EE1529-648D-3E45-BDB1-18C295D69920}"/>
+              </a:ext>
+            </a:extLst>
+          </p:cNvPr>
+          <p:cNvPicPr>
+            <a:picLocks noChangeAspect="1" noChangeArrowheads="1"/>
+          </p:cNvPicPr>
+          <p:nvPr/>
+        </p:nvPicPr>
+        <p:blipFill>
+          <a:blip r:embed="rId2">
+            <a:extLst>
+              <a:ext uri="{28A0092B-C50C-407E-A947-70E740481C1C}">
+                <a14:useLocalDpi xmlns:a14="http://schemas.microsoft.com/office/drawing/2010/main" val="0"/>
+              </a:ext>
+            </a:extLst>
+          </a:blip>
+          <a:srcRect/>
+          <a:stretch>
+            <a:fillRect/>
+          </a:stretch>
+        </p:blipFill>
+        <p:spPr bwMode="auto">
+          <a:xfrm>
+            <a:off x="102630" y="1484699"/>
+            <a:ext cx="3683000" cy="2603500"/>
+          </a:xfrm>
+          <a:prstGeom prst="rect">
+            <a:avLst/>
+          </a:prstGeom>
+          <a:noFill/>
+          <a:ln w="57150">
+            <a:solidFill>
+              <a:srgbClr val="7030A0"/>
+            </a:solidFill>
+          </a:ln>
+          <a:extLst>
+            <a:ext uri="{909E8E84-426E-40DD-AFC4-6F175D3DCCD1}">
+              <a14:hiddenFill xmlns:a14="http://schemas.microsoft.com/office/drawing/2010/main">
+                <a:solidFill>
+                  <a:srgbClr val="FFFFFF"/>
+                </a:solidFill>
+              </a14:hiddenFill>
+            </a:ext>
+          </a:extLst>
+        </p:spPr>
+      </p:pic>
+    </p:spTree>
+    <p:extLst>
+      <p:ext uri="{BB962C8B-B14F-4D97-AF65-F5344CB8AC3E}">
+        <p14:creationId xmlns:p14="http://schemas.microsoft.com/office/powerpoint/2010/main" val="4247683129"/>
+      </p:ext>
+    </p:extLst>
+  </p:cSld>
+  <p:clrMapOvr>
+    <a:masterClrMapping/>
+  </p:clrMapOvr>
+</p:sld>
+</file>
+
+<file path=ppt/slides/slide7.xml><?xml version="1.0" encoding="utf-8"?>
 <p:sld xmlns:a="http://schemas.openxmlformats.org/drawingml/2006/main" xmlns:r="http://schemas.openxmlformats.org/officeDocument/2006/relationships" xmlns:p="http://schemas.openxmlformats.org/presentationml/2006/main">
   <p:cSld>
     <p:spTree>
@@ -19730,6 +22299,269 @@
           </a:prstGeom>
         </p:spPr>
       </p:pic>
+      <p:sp>
+        <p:nvSpPr>
+          <p:cNvPr id="6" name="Text Placeholder 2">
+            <a:extLst>
+              <a:ext uri="{FF2B5EF4-FFF2-40B4-BE49-F238E27FC236}">
+                <a16:creationId xmlns:a16="http://schemas.microsoft.com/office/drawing/2014/main" id="{5A2B6EAB-BB36-1C44-B96D-264CD7B51325}"/>
+              </a:ext>
+            </a:extLst>
+          </p:cNvPr>
+          <p:cNvSpPr txBox="1">
+            <a:spLocks/>
+          </p:cNvSpPr>
+          <p:nvPr/>
+        </p:nvSpPr>
+        <p:spPr>
+          <a:xfrm>
+            <a:off x="53790" y="107581"/>
+            <a:ext cx="7813900" cy="570338"/>
+          </a:xfrm>
+          <a:prstGeom prst="rect">
+            <a:avLst/>
+          </a:prstGeom>
+        </p:spPr>
+        <p:txBody>
+          <a:bodyPr/>
+          <a:lstStyle>
+            <a:defPPr marR="0" lvl="0" algn="l" rtl="0">
+              <a:lnSpc>
+                <a:spcPct val="100000"/>
+              </a:lnSpc>
+              <a:spcBef>
+                <a:spcPts val="0"/>
+              </a:spcBef>
+              <a:spcAft>
+                <a:spcPts val="0"/>
+              </a:spcAft>
+            </a:defPPr>
+            <a:lvl1pPr marR="0" lvl="0" algn="l" rtl="0">
+              <a:lnSpc>
+                <a:spcPct val="100000"/>
+              </a:lnSpc>
+              <a:spcBef>
+                <a:spcPts val="0"/>
+              </a:spcBef>
+              <a:spcAft>
+                <a:spcPts val="0"/>
+              </a:spcAft>
+              <a:buClr>
+                <a:srgbClr val="000000"/>
+              </a:buClr>
+              <a:buFont typeface="Arial"/>
+              <a:defRPr sz="1400" b="0" i="0" u="none" strike="noStrike" cap="none">
+                <a:solidFill>
+                  <a:srgbClr val="000000"/>
+                </a:solidFill>
+                <a:latin typeface="Arial"/>
+                <a:ea typeface="Arial"/>
+                <a:cs typeface="Arial"/>
+                <a:sym typeface="Arial"/>
+              </a:defRPr>
+            </a:lvl1pPr>
+            <a:lvl2pPr marR="0" lvl="1" algn="l" rtl="0">
+              <a:lnSpc>
+                <a:spcPct val="100000"/>
+              </a:lnSpc>
+              <a:spcBef>
+                <a:spcPts val="0"/>
+              </a:spcBef>
+              <a:spcAft>
+                <a:spcPts val="0"/>
+              </a:spcAft>
+              <a:buClr>
+                <a:srgbClr val="000000"/>
+              </a:buClr>
+              <a:buFont typeface="Arial"/>
+              <a:defRPr sz="1400" b="0" i="0" u="none" strike="noStrike" cap="none">
+                <a:solidFill>
+                  <a:srgbClr val="000000"/>
+                </a:solidFill>
+                <a:latin typeface="Arial"/>
+                <a:ea typeface="Arial"/>
+                <a:cs typeface="Arial"/>
+                <a:sym typeface="Arial"/>
+              </a:defRPr>
+            </a:lvl2pPr>
+            <a:lvl3pPr marR="0" lvl="2" algn="l" rtl="0">
+              <a:lnSpc>
+                <a:spcPct val="100000"/>
+              </a:lnSpc>
+              <a:spcBef>
+                <a:spcPts val="0"/>
+              </a:spcBef>
+              <a:spcAft>
+                <a:spcPts val="0"/>
+              </a:spcAft>
+              <a:buClr>
+                <a:srgbClr val="000000"/>
+              </a:buClr>
+              <a:buFont typeface="Arial"/>
+              <a:defRPr sz="1400" b="0" i="0" u="none" strike="noStrike" cap="none">
+                <a:solidFill>
+                  <a:srgbClr val="000000"/>
+                </a:solidFill>
+                <a:latin typeface="Arial"/>
+                <a:ea typeface="Arial"/>
+                <a:cs typeface="Arial"/>
+                <a:sym typeface="Arial"/>
+              </a:defRPr>
+            </a:lvl3pPr>
+            <a:lvl4pPr marR="0" lvl="3" algn="l" rtl="0">
+              <a:lnSpc>
+                <a:spcPct val="100000"/>
+              </a:lnSpc>
+              <a:spcBef>
+                <a:spcPts val="0"/>
+              </a:spcBef>
+              <a:spcAft>
+                <a:spcPts val="0"/>
+              </a:spcAft>
+              <a:buClr>
+                <a:srgbClr val="000000"/>
+              </a:buClr>
+              <a:buFont typeface="Arial"/>
+              <a:defRPr sz="1400" b="0" i="0" u="none" strike="noStrike" cap="none">
+                <a:solidFill>
+                  <a:srgbClr val="000000"/>
+                </a:solidFill>
+                <a:latin typeface="Arial"/>
+                <a:ea typeface="Arial"/>
+                <a:cs typeface="Arial"/>
+                <a:sym typeface="Arial"/>
+              </a:defRPr>
+            </a:lvl4pPr>
+            <a:lvl5pPr marR="0" lvl="4" algn="l" rtl="0">
+              <a:lnSpc>
+                <a:spcPct val="100000"/>
+              </a:lnSpc>
+              <a:spcBef>
+                <a:spcPts val="0"/>
+              </a:spcBef>
+              <a:spcAft>
+                <a:spcPts val="0"/>
+              </a:spcAft>
+              <a:buClr>
+                <a:srgbClr val="000000"/>
+              </a:buClr>
+              <a:buFont typeface="Arial"/>
+              <a:defRPr sz="1400" b="0" i="0" u="none" strike="noStrike" cap="none">
+                <a:solidFill>
+                  <a:srgbClr val="000000"/>
+                </a:solidFill>
+                <a:latin typeface="Arial"/>
+                <a:ea typeface="Arial"/>
+                <a:cs typeface="Arial"/>
+                <a:sym typeface="Arial"/>
+              </a:defRPr>
+            </a:lvl5pPr>
+            <a:lvl6pPr marR="0" lvl="5" algn="l" rtl="0">
+              <a:lnSpc>
+                <a:spcPct val="100000"/>
+              </a:lnSpc>
+              <a:spcBef>
+                <a:spcPts val="0"/>
+              </a:spcBef>
+              <a:spcAft>
+                <a:spcPts val="0"/>
+              </a:spcAft>
+              <a:buClr>
+                <a:srgbClr val="000000"/>
+              </a:buClr>
+              <a:buFont typeface="Arial"/>
+              <a:defRPr sz="1400" b="0" i="0" u="none" strike="noStrike" cap="none">
+                <a:solidFill>
+                  <a:srgbClr val="000000"/>
+                </a:solidFill>
+                <a:latin typeface="Arial"/>
+                <a:ea typeface="Arial"/>
+                <a:cs typeface="Arial"/>
+                <a:sym typeface="Arial"/>
+              </a:defRPr>
+            </a:lvl6pPr>
+            <a:lvl7pPr marR="0" lvl="6" algn="l" rtl="0">
+              <a:lnSpc>
+                <a:spcPct val="100000"/>
+              </a:lnSpc>
+              <a:spcBef>
+                <a:spcPts val="0"/>
+              </a:spcBef>
+              <a:spcAft>
+                <a:spcPts val="0"/>
+              </a:spcAft>
+              <a:buClr>
+                <a:srgbClr val="000000"/>
+              </a:buClr>
+              <a:buFont typeface="Arial"/>
+              <a:defRPr sz="1400" b="0" i="0" u="none" strike="noStrike" cap="none">
+                <a:solidFill>
+                  <a:srgbClr val="000000"/>
+                </a:solidFill>
+                <a:latin typeface="Arial"/>
+                <a:ea typeface="Arial"/>
+                <a:cs typeface="Arial"/>
+                <a:sym typeface="Arial"/>
+              </a:defRPr>
+            </a:lvl7pPr>
+            <a:lvl8pPr marR="0" lvl="7" algn="l" rtl="0">
+              <a:lnSpc>
+                <a:spcPct val="100000"/>
+              </a:lnSpc>
+              <a:spcBef>
+                <a:spcPts val="0"/>
+              </a:spcBef>
+              <a:spcAft>
+                <a:spcPts val="0"/>
+              </a:spcAft>
+              <a:buClr>
+                <a:srgbClr val="000000"/>
+              </a:buClr>
+              <a:buFont typeface="Arial"/>
+              <a:defRPr sz="1400" b="0" i="0" u="none" strike="noStrike" cap="none">
+                <a:solidFill>
+                  <a:srgbClr val="000000"/>
+                </a:solidFill>
+                <a:latin typeface="Arial"/>
+                <a:ea typeface="Arial"/>
+                <a:cs typeface="Arial"/>
+                <a:sym typeface="Arial"/>
+              </a:defRPr>
+            </a:lvl8pPr>
+            <a:lvl9pPr marR="0" lvl="8" algn="l" rtl="0">
+              <a:lnSpc>
+                <a:spcPct val="100000"/>
+              </a:lnSpc>
+              <a:spcBef>
+                <a:spcPts val="0"/>
+              </a:spcBef>
+              <a:spcAft>
+                <a:spcPts val="0"/>
+              </a:spcAft>
+              <a:buClr>
+                <a:srgbClr val="000000"/>
+              </a:buClr>
+              <a:buFont typeface="Arial"/>
+              <a:defRPr sz="1400" b="0" i="0" u="none" strike="noStrike" cap="none">
+                <a:solidFill>
+                  <a:srgbClr val="000000"/>
+                </a:solidFill>
+                <a:latin typeface="Arial"/>
+                <a:ea typeface="Arial"/>
+                <a:cs typeface="Arial"/>
+                <a:sym typeface="Arial"/>
+              </a:defRPr>
+            </a:lvl9pPr>
+          </a:lstStyle>
+          <a:p>
+            <a:pPr marL="76200"/>
+            <a:r>
+              <a:rPr lang="en-US" sz="3200" dirty="0"/>
+              <a:t>Reminder: Splitting Time with Triage</a:t>
+            </a:r>
+          </a:p>
+        </p:txBody>
+      </p:sp>
     </p:spTree>
     <p:extLst>
       <p:ext uri="{BB962C8B-B14F-4D97-AF65-F5344CB8AC3E}">
@@ -19743,7 +22575,7 @@
 </p:sld>
 </file>
 
-<file path=ppt/slides/slide5.xml><?xml version="1.0" encoding="utf-8"?>
+<file path=ppt/slides/slide8.xml><?xml version="1.0" encoding="utf-8"?>
 <p:sld xmlns:a="http://schemas.openxmlformats.org/drawingml/2006/main" xmlns:r="http://schemas.openxmlformats.org/officeDocument/2006/relationships" xmlns:p="http://schemas.openxmlformats.org/presentationml/2006/main">
   <p:cSld>
     <p:spTree>
@@ -19872,7 +22704,7 @@
 </p:sld>
 </file>
 
-<file path=ppt/slides/slide6.xml><?xml version="1.0" encoding="utf-8"?>
+<file path=ppt/slides/slide9.xml><?xml version="1.0" encoding="utf-8"?>
 <p:sld xmlns:a="http://schemas.openxmlformats.org/drawingml/2006/main" xmlns:r="http://schemas.openxmlformats.org/officeDocument/2006/relationships" xmlns:p="http://schemas.openxmlformats.org/presentationml/2006/main">
   <p:cSld>
     <p:spTree>
@@ -19972,358 +22804,6 @@
     <p:extLst>
       <p:ext uri="{BB962C8B-B14F-4D97-AF65-F5344CB8AC3E}">
         <p14:creationId xmlns:p14="http://schemas.microsoft.com/office/powerpoint/2010/main" val="1721185332"/>
-      </p:ext>
-    </p:extLst>
-  </p:cSld>
-  <p:clrMapOvr>
-    <a:masterClrMapping/>
-  </p:clrMapOvr>
-</p:sld>
-</file>
-
-<file path=ppt/slides/slide7.xml><?xml version="1.0" encoding="utf-8"?>
-<p:sld xmlns:a="http://schemas.openxmlformats.org/drawingml/2006/main" xmlns:r="http://schemas.openxmlformats.org/officeDocument/2006/relationships" xmlns:p="http://schemas.openxmlformats.org/presentationml/2006/main">
-  <p:cSld>
-    <p:spTree>
-      <p:nvGrpSpPr>
-        <p:cNvPr id="1" name=""/>
-        <p:cNvGrpSpPr/>
-        <p:nvPr/>
-      </p:nvGrpSpPr>
-      <p:grpSpPr>
-        <a:xfrm>
-          <a:off x="0" y="0"/>
-          <a:ext cx="0" cy="0"/>
-          <a:chOff x="0" y="0"/>
-          <a:chExt cx="0" cy="0"/>
-        </a:xfrm>
-      </p:grpSpPr>
-      <p:sp>
-        <p:nvSpPr>
-          <p:cNvPr id="3" name="Title 2"/>
-          <p:cNvSpPr>
-            <a:spLocks noGrp="1"/>
-          </p:cNvSpPr>
-          <p:nvPr>
-            <p:ph type="title"/>
-          </p:nvPr>
-        </p:nvSpPr>
-        <p:spPr/>
-        <p:txBody>
-          <a:bodyPr/>
-          <a:lstStyle/>
-          <a:p>
-            <a:r>
-              <a:rPr lang="en-US" dirty="0"/>
-              <a:t>Why do we care?</a:t>
-            </a:r>
-          </a:p>
-        </p:txBody>
-      </p:sp>
-      <p:sp>
-        <p:nvSpPr>
-          <p:cNvPr id="2" name="Content Placeholder 1"/>
-          <p:cNvSpPr>
-            <a:spLocks noGrp="1"/>
-          </p:cNvSpPr>
-          <p:nvPr>
-            <p:ph type="body" idx="1"/>
-          </p:nvPr>
-        </p:nvSpPr>
-        <p:spPr/>
-        <p:txBody>
-          <a:bodyPr>
-            <a:normAutofit/>
-          </a:bodyPr>
-          <a:lstStyle/>
-          <a:p>
-            <a:r>
-              <a:rPr lang="en-US" dirty="0"/>
-              <a:t>Features are hints/rules of thumb you give your model</a:t>
-            </a:r>
-          </a:p>
-          <a:p>
-            <a:pPr lvl="1"/>
-            <a:r>
-              <a:rPr lang="en-US" sz="2000" dirty="0"/>
-              <a:t>Encoding domain knowledge and context for the model to use</a:t>
-            </a:r>
-          </a:p>
-          <a:p>
-            <a:endParaRPr lang="en-US" dirty="0"/>
-          </a:p>
-          <a:p>
-            <a:r>
-              <a:rPr lang="en-US" dirty="0"/>
-              <a:t>Feature generation is a critical part of the machine learning modeling process, especially with structured data.</a:t>
-            </a:r>
-          </a:p>
-          <a:p>
-            <a:endParaRPr lang="en-US" dirty="0"/>
-          </a:p>
-          <a:p>
-            <a:r>
-              <a:rPr lang="en-US" dirty="0"/>
-              <a:t>Complexity in features may allow us to use less complex models that are faster to run, easier to understand and easier to maintain.</a:t>
-            </a:r>
-          </a:p>
-          <a:p>
-            <a:endParaRPr lang="en-US" dirty="0"/>
-          </a:p>
-          <a:p>
-            <a:endParaRPr lang="en-US" dirty="0"/>
-          </a:p>
-        </p:txBody>
-      </p:sp>
-    </p:spTree>
-    <p:extLst>
-      <p:ext uri="{BB962C8B-B14F-4D97-AF65-F5344CB8AC3E}">
-        <p14:creationId xmlns:p14="http://schemas.microsoft.com/office/powerpoint/2010/main" val="837826461"/>
-      </p:ext>
-    </p:extLst>
-  </p:cSld>
-  <p:clrMapOvr>
-    <a:masterClrMapping/>
-  </p:clrMapOvr>
-</p:sld>
-</file>
-
-<file path=ppt/slides/slide8.xml><?xml version="1.0" encoding="utf-8"?>
-<p:sld xmlns:a="http://schemas.openxmlformats.org/drawingml/2006/main" xmlns:r="http://schemas.openxmlformats.org/officeDocument/2006/relationships" xmlns:p="http://schemas.openxmlformats.org/presentationml/2006/main">
-  <p:cSld>
-    <p:spTree>
-      <p:nvGrpSpPr>
-        <p:cNvPr id="1" name=""/>
-        <p:cNvGrpSpPr/>
-        <p:nvPr/>
-      </p:nvGrpSpPr>
-      <p:grpSpPr>
-        <a:xfrm>
-          <a:off x="0" y="0"/>
-          <a:ext cx="0" cy="0"/>
-          <a:chOff x="0" y="0"/>
-          <a:chExt cx="0" cy="0"/>
-        </a:xfrm>
-      </p:grpSpPr>
-      <p:sp>
-        <p:nvSpPr>
-          <p:cNvPr id="3" name="Title 2"/>
-          <p:cNvSpPr>
-            <a:spLocks noGrp="1"/>
-          </p:cNvSpPr>
-          <p:nvPr>
-            <p:ph type="title"/>
-          </p:nvPr>
-        </p:nvSpPr>
-        <p:spPr/>
-        <p:txBody>
-          <a:bodyPr/>
-          <a:lstStyle/>
-          <a:p>
-            <a:r>
-              <a:rPr lang="en-US" dirty="0"/>
-              <a:t>Practical Pointers</a:t>
-            </a:r>
-          </a:p>
-        </p:txBody>
-      </p:sp>
-      <p:sp>
-        <p:nvSpPr>
-          <p:cNvPr id="2" name="Content Placeholder 1"/>
-          <p:cNvSpPr>
-            <a:spLocks noGrp="1"/>
-          </p:cNvSpPr>
-          <p:nvPr>
-            <p:ph type="body" idx="1"/>
-          </p:nvPr>
-        </p:nvSpPr>
-        <p:spPr/>
-        <p:txBody>
-          <a:bodyPr>
-            <a:normAutofit/>
-          </a:bodyPr>
-          <a:lstStyle/>
-          <a:p>
-            <a:r>
-              <a:rPr lang="en-US" dirty="0"/>
-              <a:t>When generating a feature, what did you know and </a:t>
-            </a:r>
-            <a:r>
-              <a:rPr lang="en-US" b="1" u="sng" dirty="0"/>
-              <a:t>when</a:t>
-            </a:r>
-            <a:r>
-              <a:rPr lang="en-US" dirty="0"/>
-              <a:t> did you know it?</a:t>
-            </a:r>
-          </a:p>
-          <a:p>
-            <a:pPr lvl="1"/>
-            <a:r>
-              <a:rPr lang="en-US" dirty="0"/>
-              <a:t>You can only create features from information available </a:t>
-            </a:r>
-            <a:r>
-              <a:rPr lang="en-US" sz="3200" b="1" dirty="0">
-                <a:solidFill>
-                  <a:srgbClr val="FF0000"/>
-                </a:solidFill>
-              </a:rPr>
-              <a:t>before</a:t>
-            </a:r>
-            <a:r>
-              <a:rPr lang="en-US" dirty="0"/>
-              <a:t> the “training” date for a given row</a:t>
-            </a:r>
-            <a:br>
-              <a:rPr lang="en-US" dirty="0"/>
-            </a:br>
-            <a:endParaRPr lang="en-US" dirty="0"/>
-          </a:p>
-          <a:p>
-            <a:r>
-              <a:rPr lang="en-US" dirty="0"/>
-              <a:t>Domain/expert knowledge and prior research in the field can help a lot!</a:t>
-            </a:r>
-          </a:p>
-          <a:p>
-            <a:endParaRPr lang="en-US" dirty="0"/>
-          </a:p>
-        </p:txBody>
-      </p:sp>
-    </p:spTree>
-    <p:extLst>
-      <p:ext uri="{BB962C8B-B14F-4D97-AF65-F5344CB8AC3E}">
-        <p14:creationId xmlns:p14="http://schemas.microsoft.com/office/powerpoint/2010/main" val="4045032903"/>
-      </p:ext>
-    </p:extLst>
-  </p:cSld>
-  <p:clrMapOvr>
-    <a:masterClrMapping/>
-  </p:clrMapOvr>
-</p:sld>
-</file>
-
-<file path=ppt/slides/slide9.xml><?xml version="1.0" encoding="utf-8"?>
-<p:sld xmlns:a="http://schemas.openxmlformats.org/drawingml/2006/main" xmlns:r="http://schemas.openxmlformats.org/officeDocument/2006/relationships" xmlns:p="http://schemas.openxmlformats.org/presentationml/2006/main">
-  <p:cSld>
-    <p:spTree>
-      <p:nvGrpSpPr>
-        <p:cNvPr id="1" name=""/>
-        <p:cNvGrpSpPr/>
-        <p:nvPr/>
-      </p:nvGrpSpPr>
-      <p:grpSpPr>
-        <a:xfrm>
-          <a:off x="0" y="0"/>
-          <a:ext cx="0" cy="0"/>
-          <a:chOff x="0" y="0"/>
-          <a:chExt cx="0" cy="0"/>
-        </a:xfrm>
-      </p:grpSpPr>
-      <p:sp>
-        <p:nvSpPr>
-          <p:cNvPr id="3" name="Title 2"/>
-          <p:cNvSpPr>
-            <a:spLocks noGrp="1"/>
-          </p:cNvSpPr>
-          <p:nvPr>
-            <p:ph type="title"/>
-          </p:nvPr>
-        </p:nvSpPr>
-        <p:spPr>
-          <a:xfrm>
-            <a:off x="415600" y="86585"/>
-            <a:ext cx="11360700" cy="763500"/>
-          </a:xfrm>
-        </p:spPr>
-        <p:txBody>
-          <a:bodyPr/>
-          <a:lstStyle/>
-          <a:p>
-            <a:r>
-              <a:rPr lang="en-US" dirty="0"/>
-              <a:t>Feature development is an </a:t>
-            </a:r>
-            <a:r>
-              <a:rPr lang="en-US" b="1" dirty="0"/>
-              <a:t>iterative</a:t>
-            </a:r>
-            <a:r>
-              <a:rPr lang="en-US" dirty="0"/>
-              <a:t> process</a:t>
-            </a:r>
-          </a:p>
-        </p:txBody>
-      </p:sp>
-      <p:graphicFrame>
-        <p:nvGraphicFramePr>
-          <p:cNvPr id="4" name="Content Placeholder 3"/>
-          <p:cNvGraphicFramePr>
-            <a:graphicFrameLocks noGrp="1"/>
-          </p:cNvGraphicFramePr>
-          <p:nvPr>
-            <p:ph idx="4294967295"/>
-            <p:extLst>
-              <p:ext uri="{D42A27DB-BD31-4B8C-83A1-F6EECF244321}">
-                <p14:modId xmlns:p14="http://schemas.microsoft.com/office/powerpoint/2010/main" val="2865556934"/>
-              </p:ext>
-            </p:extLst>
-          </p:nvPr>
-        </p:nvGraphicFramePr>
-        <p:xfrm>
-          <a:off x="1990675" y="2420472"/>
-          <a:ext cx="7013476" cy="4142572"/>
-        </p:xfrm>
-        <a:graphic>
-          <a:graphicData uri="http://schemas.openxmlformats.org/drawingml/2006/diagram">
-            <dgm:relIds xmlns:dgm="http://schemas.openxmlformats.org/drawingml/2006/diagram" xmlns:r="http://schemas.openxmlformats.org/officeDocument/2006/relationships" r:dm="rId2" r:lo="rId3" r:qs="rId4" r:cs="rId5"/>
-          </a:graphicData>
-        </a:graphic>
-      </p:graphicFrame>
-      <p:sp>
-        <p:nvSpPr>
-          <p:cNvPr id="2" name="Rectangle 1">
-            <a:extLst>
-              <a:ext uri="{FF2B5EF4-FFF2-40B4-BE49-F238E27FC236}">
-                <a16:creationId xmlns:a16="http://schemas.microsoft.com/office/drawing/2014/main" id="{62AA2596-889F-CA4A-81F2-861C7AF734E0}"/>
-              </a:ext>
-            </a:extLst>
-          </p:cNvPr>
-          <p:cNvSpPr/>
-          <p:nvPr/>
-        </p:nvSpPr>
-        <p:spPr>
-          <a:xfrm>
-            <a:off x="347830" y="1530907"/>
-            <a:ext cx="11360699" cy="1015663"/>
-          </a:xfrm>
-          <a:prstGeom prst="rect">
-            <a:avLst/>
-          </a:prstGeom>
-        </p:spPr>
-        <p:txBody>
-          <a:bodyPr wrap="square">
-            <a:spAutoFit/>
-          </a:bodyPr>
-          <a:lstStyle/>
-          <a:p>
-            <a:pPr lvl="1"/>
-            <a:r>
-              <a:rPr lang="en-US" sz="2000" dirty="0"/>
-              <a:t>Start simple: build a couple features (from each data source) you think are most important and expand from there</a:t>
-            </a:r>
-            <a:br>
-              <a:rPr lang="en-US" sz="2000" dirty="0"/>
-            </a:br>
-            <a:endParaRPr lang="en-US" sz="2000" dirty="0"/>
-          </a:p>
-        </p:txBody>
-      </p:sp>
-    </p:spTree>
-    <p:extLst>
-      <p:ext uri="{BB962C8B-B14F-4D97-AF65-F5344CB8AC3E}">
-        <p14:creationId xmlns:p14="http://schemas.microsoft.com/office/powerpoint/2010/main" val="771801604"/>
       </p:ext>
     </p:extLst>
   </p:cSld>

--- a/Lectures/12-features-and-imputation.pptx
+++ b/Lectures/12-features-and-imputation.pptx
@@ -9673,6 +9673,130 @@
 </p:notes>
 </file>
 
+<file path=ppt/notesSlides/notesSlide4.xml><?xml version="1.0" encoding="utf-8"?>
+<p:notes xmlns:a="http://schemas.openxmlformats.org/drawingml/2006/main" xmlns:r="http://schemas.openxmlformats.org/officeDocument/2006/relationships" xmlns:p="http://schemas.openxmlformats.org/presentationml/2006/main">
+  <p:cSld>
+    <p:spTree>
+      <p:nvGrpSpPr>
+        <p:cNvPr id="1" name=""/>
+        <p:cNvGrpSpPr/>
+        <p:nvPr/>
+      </p:nvGrpSpPr>
+      <p:grpSpPr>
+        <a:xfrm>
+          <a:off x="0" y="0"/>
+          <a:ext cx="0" cy="0"/>
+          <a:chOff x="0" y="0"/>
+          <a:chExt cx="0" cy="0"/>
+        </a:xfrm>
+      </p:grpSpPr>
+      <p:sp>
+        <p:nvSpPr>
+          <p:cNvPr id="2" name="Slide Image Placeholder 1"/>
+          <p:cNvSpPr>
+            <a:spLocks noGrp="1" noRot="1" noChangeAspect="1"/>
+          </p:cNvSpPr>
+          <p:nvPr>
+            <p:ph type="sldImg"/>
+          </p:nvPr>
+        </p:nvSpPr>
+        <p:spPr/>
+      </p:sp>
+      <p:sp>
+        <p:nvSpPr>
+          <p:cNvPr id="3" name="Notes Placeholder 2"/>
+          <p:cNvSpPr>
+            <a:spLocks noGrp="1"/>
+          </p:cNvSpPr>
+          <p:nvPr>
+            <p:ph type="body" idx="1"/>
+          </p:nvPr>
+        </p:nvSpPr>
+        <p:spPr/>
+        <p:txBody>
+          <a:bodyPr/>
+          <a:lstStyle/>
+          <a:p>
+            <a:r>
+              <a:rPr lang="en-US" dirty="0"/>
+              <a:t>Only reviewed briefly in class – should pick back up here + </a:t>
+            </a:r>
+            <a:r>
+              <a:rPr lang="en-US" dirty="0" err="1"/>
+              <a:t>slido</a:t>
+            </a:r>
+            <a:r>
+              <a:rPr lang="en-US" dirty="0"/>
+              <a:t> </a:t>
+            </a:r>
+            <a:r>
+              <a:rPr lang="en-US"/>
+              <a:t>+ collate</a:t>
+            </a:r>
+          </a:p>
+        </p:txBody>
+      </p:sp>
+      <p:sp>
+        <p:nvSpPr>
+          <p:cNvPr id="4" name="Slide Number Placeholder 3"/>
+          <p:cNvSpPr>
+            <a:spLocks noGrp="1"/>
+          </p:cNvSpPr>
+          <p:nvPr>
+            <p:ph type="sldNum" idx="12"/>
+          </p:nvPr>
+        </p:nvSpPr>
+        <p:spPr/>
+        <p:txBody>
+          <a:bodyPr/>
+          <a:lstStyle/>
+          <a:p>
+            <a:pPr marL="0" marR="0" lvl="0" indent="0" algn="r" rtl="0">
+              <a:spcBef>
+                <a:spcPts val="0"/>
+              </a:spcBef>
+              <a:spcAft>
+                <a:spcPts val="0"/>
+              </a:spcAft>
+              <a:buNone/>
+            </a:pPr>
+            <a:fld id="{00000000-1234-1234-1234-123412341234}" type="slidenum">
+              <a:rPr lang="en-US" sz="1200" b="0" i="0" u="none" strike="noStrike" cap="none" smtClean="0">
+                <a:solidFill>
+                  <a:schemeClr val="dk1"/>
+                </a:solidFill>
+                <a:latin typeface="Calibri"/>
+                <a:ea typeface="Calibri"/>
+                <a:cs typeface="Calibri"/>
+                <a:sym typeface="Calibri"/>
+              </a:rPr>
+              <a:t>16</a:t>
+            </a:fld>
+            <a:endParaRPr lang="en-US" sz="1200" b="0" i="0" u="none" strike="noStrike" cap="none">
+              <a:solidFill>
+                <a:schemeClr val="dk1"/>
+              </a:solidFill>
+              <a:latin typeface="Calibri"/>
+              <a:ea typeface="Calibri"/>
+              <a:cs typeface="Calibri"/>
+              <a:sym typeface="Calibri"/>
+            </a:endParaRPr>
+          </a:p>
+        </p:txBody>
+      </p:sp>
+    </p:spTree>
+    <p:extLst>
+      <p:ext uri="{BB962C8B-B14F-4D97-AF65-F5344CB8AC3E}">
+        <p14:creationId xmlns:p14="http://schemas.microsoft.com/office/powerpoint/2010/main" val="3414306"/>
+      </p:ext>
+    </p:extLst>
+  </p:cSld>
+  <p:clrMapOvr>
+    <a:masterClrMapping/>
+  </p:clrMapOvr>
+</p:notes>
+</file>
+
 <file path=ppt/slideLayouts/slideLayout1.xml><?xml version="1.0" encoding="utf-8"?>
 <p:sldLayout xmlns:a="http://schemas.openxmlformats.org/drawingml/2006/main" xmlns:r="http://schemas.openxmlformats.org/officeDocument/2006/relationships" xmlns:p="http://schemas.openxmlformats.org/presentationml/2006/main" matchingName="Title slide" type="title">
   <p:cSld name="TITLE">

--- a/Lectures/12-features-and-imputation.pptx
+++ b/Lectures/12-features-and-imputation.pptx
@@ -23,16 +23,16 @@
     <p:sldId id="303" r:id="rId14"/>
     <p:sldId id="320" r:id="rId15"/>
     <p:sldId id="295" r:id="rId16"/>
-    <p:sldId id="503" r:id="rId17"/>
-    <p:sldId id="478" r:id="rId18"/>
-    <p:sldId id="502" r:id="rId19"/>
-    <p:sldId id="500" r:id="rId20"/>
-    <p:sldId id="501" r:id="rId21"/>
-    <p:sldId id="300" r:id="rId22"/>
-    <p:sldId id="302" r:id="rId23"/>
-    <p:sldId id="304" r:id="rId24"/>
-    <p:sldId id="277" r:id="rId25"/>
-    <p:sldId id="321" r:id="rId26"/>
+    <p:sldId id="505" r:id="rId17"/>
+    <p:sldId id="503" r:id="rId18"/>
+    <p:sldId id="478" r:id="rId19"/>
+    <p:sldId id="502" r:id="rId20"/>
+    <p:sldId id="500" r:id="rId21"/>
+    <p:sldId id="501" r:id="rId22"/>
+    <p:sldId id="300" r:id="rId23"/>
+    <p:sldId id="302" r:id="rId24"/>
+    <p:sldId id="304" r:id="rId25"/>
+    <p:sldId id="277" r:id="rId26"/>
     <p:sldId id="278" r:id="rId27"/>
     <p:sldId id="280" r:id="rId28"/>
     <p:sldId id="279" r:id="rId29"/>
@@ -284,7 +284,7 @@
       <p15:sldGuideLst xmlns:p15="http://schemas.microsoft.com/office/powerpoint/2012/main"/>
     </p:ext>
     <p:ext uri="http://customooxmlschemas.google.com/">
-      <go:slidesCustomData xmlns="" xmlns:mc="http://schemas.openxmlformats.org/markup-compatibility/2006" xmlns:mv="urn:schemas-microsoft-com:mac:vml" xmlns:c="http://schemas.openxmlformats.org/drawingml/2006/chart" xmlns:dgm="http://schemas.openxmlformats.org/drawingml/2006/diagram" xmlns:o="urn:schemas-microsoft-com:office:office" xmlns:v="urn:schemas-microsoft-com:vml" xmlns:pvml="urn:schemas-microsoft-com:office:powerpoint" xmlns:com="http://schemas.openxmlformats.org/drawingml/2006/compatibility" xmlns:p14="http://schemas.microsoft.com/office/powerpoint/2010/main" xmlns:p15="http://schemas.microsoft.com/office/powerpoint/2012/main" xmlns:go="http://customooxmlschemas.google.com/" r:id="rId42" roundtripDataSignature="AMtx7mjFyVUGRZWio+dc9dxzYsimUxNJbg=="/>
+      <go:slidesCustomData xmlns:go="http://customooxmlschemas.google.com/" xmlns:p15="http://schemas.microsoft.com/office/powerpoint/2012/main" xmlns:p14="http://schemas.microsoft.com/office/powerpoint/2010/main" xmlns:com="http://schemas.openxmlformats.org/drawingml/2006/compatibility" xmlns:pvml="urn:schemas-microsoft-com:office:powerpoint" xmlns:v="urn:schemas-microsoft-com:vml" xmlns:o="urn:schemas-microsoft-com:office:office" xmlns:dgm="http://schemas.openxmlformats.org/drawingml/2006/diagram" xmlns:c="http://schemas.openxmlformats.org/drawingml/2006/chart" xmlns:mv="urn:schemas-microsoft-com:mac:vml" xmlns:mc="http://schemas.openxmlformats.org/markup-compatibility/2006" xmlns="" r:id="rId42" roundtripDataSignature="AMtx7mjFyVUGRZWio+dc9dxzYsimUxNJbg=="/>
     </p:ext>
   </p:extLst>
 </p:presentation>
@@ -9770,7 +9770,7 @@
                 <a:cs typeface="Calibri"/>
                 <a:sym typeface="Calibri"/>
               </a:rPr>
-              <a:t>16</a:t>
+              <a:t>17</a:t>
             </a:fld>
             <a:endParaRPr lang="en-US" sz="1200" b="0" i="0" u="none" strike="noStrike" cap="none">
               <a:solidFill>
@@ -16133,6 +16133,130 @@
       </p:grpSpPr>
       <p:sp>
         <p:nvSpPr>
+          <p:cNvPr id="2" name="Title 1">
+            <a:extLst>
+              <a:ext uri="{FF2B5EF4-FFF2-40B4-BE49-F238E27FC236}">
+                <a16:creationId xmlns:a16="http://schemas.microsoft.com/office/drawing/2014/main" id="{3E4FE157-27B9-B559-B9D7-D61ECB2A4402}"/>
+              </a:ext>
+            </a:extLst>
+          </p:cNvPr>
+          <p:cNvSpPr>
+            <a:spLocks noGrp="1"/>
+          </p:cNvSpPr>
+          <p:nvPr>
+            <p:ph type="title"/>
+          </p:nvPr>
+        </p:nvSpPr>
+        <p:spPr/>
+        <p:txBody>
+          <a:bodyPr/>
+          <a:lstStyle/>
+          <a:p>
+            <a:r>
+              <a:rPr lang="en-US" dirty="0"/>
+              <a:t>Topics for today</a:t>
+            </a:r>
+          </a:p>
+        </p:txBody>
+      </p:sp>
+      <p:sp>
+        <p:nvSpPr>
+          <p:cNvPr id="3" name="Text Placeholder 2">
+            <a:extLst>
+              <a:ext uri="{FF2B5EF4-FFF2-40B4-BE49-F238E27FC236}">
+                <a16:creationId xmlns:a16="http://schemas.microsoft.com/office/drawing/2014/main" id="{8E70F623-77EE-6ABB-6C57-D5F1265436FD}"/>
+              </a:ext>
+            </a:extLst>
+          </p:cNvPr>
+          <p:cNvSpPr>
+            <a:spLocks noGrp="1"/>
+          </p:cNvSpPr>
+          <p:nvPr>
+            <p:ph type="body" idx="1"/>
+          </p:nvPr>
+        </p:nvSpPr>
+        <p:spPr/>
+        <p:txBody>
+          <a:bodyPr/>
+          <a:lstStyle/>
+          <a:p>
+            <a:r>
+              <a:rPr lang="en-US" dirty="0"/>
+              <a:t>Recap on features</a:t>
+            </a:r>
+          </a:p>
+          <a:p>
+            <a:r>
+              <a:rPr lang="en-US" dirty="0"/>
+              <a:t>Triage and Feature Generation</a:t>
+            </a:r>
+          </a:p>
+          <a:p>
+            <a:r>
+              <a:rPr lang="en-US" dirty="0"/>
+              <a:t>Feedback</a:t>
+            </a:r>
+          </a:p>
+          <a:p>
+            <a:r>
+              <a:rPr lang="en-US" dirty="0"/>
+              <a:t>Plan for Thursday</a:t>
+            </a:r>
+          </a:p>
+          <a:p>
+            <a:r>
+              <a:rPr lang="en-US" dirty="0"/>
+              <a:t>Plan for the rest of the semester</a:t>
+            </a:r>
+          </a:p>
+          <a:p>
+            <a:pPr lvl="1"/>
+            <a:r>
+              <a:rPr lang="en-US" dirty="0"/>
+              <a:t>No mid-term presentations</a:t>
+            </a:r>
+          </a:p>
+          <a:p>
+            <a:pPr lvl="1"/>
+            <a:r>
+              <a:rPr lang="en-US" dirty="0"/>
+              <a:t>Baselines and some features -&gt; More feature and models - &gt; over time - &gt; understanding what the models are/do -&gt; bias audits</a:t>
+            </a:r>
+          </a:p>
+        </p:txBody>
+      </p:sp>
+    </p:spTree>
+    <p:extLst>
+      <p:ext uri="{BB962C8B-B14F-4D97-AF65-F5344CB8AC3E}">
+        <p14:creationId xmlns:p14="http://schemas.microsoft.com/office/powerpoint/2010/main" val="1527228990"/>
+      </p:ext>
+    </p:extLst>
+  </p:cSld>
+  <p:clrMapOvr>
+    <a:masterClrMapping/>
+  </p:clrMapOvr>
+</p:sld>
+</file>
+
+<file path=ppt/slides/slide17.xml><?xml version="1.0" encoding="utf-8"?>
+<p:sld xmlns:a="http://schemas.openxmlformats.org/drawingml/2006/main" xmlns:r="http://schemas.openxmlformats.org/officeDocument/2006/relationships" xmlns:p="http://schemas.openxmlformats.org/presentationml/2006/main">
+  <p:cSld>
+    <p:spTree>
+      <p:nvGrpSpPr>
+        <p:cNvPr id="1" name=""/>
+        <p:cNvGrpSpPr/>
+        <p:nvPr/>
+      </p:nvGrpSpPr>
+      <p:grpSpPr>
+        <a:xfrm>
+          <a:off x="0" y="0"/>
+          <a:ext cx="0" cy="0"/>
+          <a:chOff x="0" y="0"/>
+          <a:chExt cx="0" cy="0"/>
+        </a:xfrm>
+      </p:grpSpPr>
+      <p:sp>
+        <p:nvSpPr>
           <p:cNvPr id="3" name="Title 2"/>
           <p:cNvSpPr>
             <a:spLocks noGrp="1"/>
@@ -16522,7 +16646,7 @@
 </p:sld>
 </file>
 
-<file path=ppt/slides/slide17.xml><?xml version="1.0" encoding="utf-8"?>
+<file path=ppt/slides/slide18.xml><?xml version="1.0" encoding="utf-8"?>
 <p:sld xmlns:a="http://schemas.openxmlformats.org/drawingml/2006/main" xmlns:r="http://schemas.openxmlformats.org/officeDocument/2006/relationships" xmlns:p="http://schemas.openxmlformats.org/presentationml/2006/main">
   <p:cSld>
     <p:spTree>
@@ -16960,122 +17084,6 @@
     <p:extLst>
       <p:ext uri="{BB962C8B-B14F-4D97-AF65-F5344CB8AC3E}">
         <p14:creationId xmlns:p14="http://schemas.microsoft.com/office/powerpoint/2010/main" val="838504151"/>
-      </p:ext>
-    </p:extLst>
-  </p:cSld>
-  <p:clrMapOvr>
-    <a:masterClrMapping/>
-  </p:clrMapOvr>
-</p:sld>
-</file>
-
-<file path=ppt/slides/slide18.xml><?xml version="1.0" encoding="utf-8"?>
-<p:sld xmlns:a="http://schemas.openxmlformats.org/drawingml/2006/main" xmlns:r="http://schemas.openxmlformats.org/officeDocument/2006/relationships" xmlns:p="http://schemas.openxmlformats.org/presentationml/2006/main">
-  <p:cSld>
-    <p:spTree>
-      <p:nvGrpSpPr>
-        <p:cNvPr id="1" name=""/>
-        <p:cNvGrpSpPr/>
-        <p:nvPr/>
-      </p:nvGrpSpPr>
-      <p:grpSpPr>
-        <a:xfrm>
-          <a:off x="0" y="0"/>
-          <a:ext cx="0" cy="0"/>
-          <a:chOff x="0" y="0"/>
-          <a:chExt cx="0" cy="0"/>
-        </a:xfrm>
-      </p:grpSpPr>
-      <p:sp>
-        <p:nvSpPr>
-          <p:cNvPr id="2" name="Title 1">
-            <a:extLst>
-              <a:ext uri="{FF2B5EF4-FFF2-40B4-BE49-F238E27FC236}">
-                <a16:creationId xmlns:a16="http://schemas.microsoft.com/office/drawing/2014/main" id="{98347210-B4BE-4047-93B4-3D7AA966D0F1}"/>
-              </a:ext>
-            </a:extLst>
-          </p:cNvPr>
-          <p:cNvSpPr>
-            <a:spLocks noGrp="1"/>
-          </p:cNvSpPr>
-          <p:nvPr>
-            <p:ph type="title"/>
-          </p:nvPr>
-        </p:nvSpPr>
-        <p:spPr/>
-        <p:txBody>
-          <a:bodyPr/>
-          <a:lstStyle/>
-          <a:p>
-            <a:r>
-              <a:rPr lang="en-US" dirty="0"/>
-              <a:t>Feature in triage: Collate</a:t>
-            </a:r>
-          </a:p>
-        </p:txBody>
-      </p:sp>
-      <p:sp>
-        <p:nvSpPr>
-          <p:cNvPr id="3" name="Text Placeholder 2">
-            <a:extLst>
-              <a:ext uri="{FF2B5EF4-FFF2-40B4-BE49-F238E27FC236}">
-                <a16:creationId xmlns:a16="http://schemas.microsoft.com/office/drawing/2014/main" id="{8B9D9112-B2A1-D142-B67C-41AA10739FF6}"/>
-              </a:ext>
-            </a:extLst>
-          </p:cNvPr>
-          <p:cNvSpPr>
-            <a:spLocks noGrp="1"/>
-          </p:cNvSpPr>
-          <p:nvPr>
-            <p:ph type="body" idx="1"/>
-          </p:nvPr>
-        </p:nvSpPr>
-        <p:spPr/>
-        <p:txBody>
-          <a:bodyPr/>
-          <a:lstStyle/>
-          <a:p>
-            <a:r>
-              <a:rPr lang="en-US" dirty="0"/>
-              <a:t>All features are temporal aggregates, reflecting nature of data</a:t>
-            </a:r>
-            <a:br>
-              <a:rPr lang="en-US" dirty="0"/>
-            </a:br>
-            <a:endParaRPr lang="en-US" dirty="0"/>
-          </a:p>
-          <a:p>
-            <a:r>
-              <a:rPr lang="en-US" dirty="0"/>
-              <a:t>Need to specify what you’re using and when it was known</a:t>
-            </a:r>
-            <a:br>
-              <a:rPr lang="en-US" dirty="0"/>
-            </a:br>
-            <a:endParaRPr lang="en-US" dirty="0"/>
-          </a:p>
-          <a:p>
-            <a:r>
-              <a:rPr lang="en-US" dirty="0"/>
-              <a:t>Need to specify how you’ll handle missingness explicitly</a:t>
-            </a:r>
-            <a:br>
-              <a:rPr lang="en-US" dirty="0"/>
-            </a:br>
-            <a:endParaRPr lang="en-US" dirty="0"/>
-          </a:p>
-          <a:p>
-            <a:r>
-              <a:rPr lang="en-US" dirty="0"/>
-              <a:t>YAML structure can take a little getting used to, but powerful for specifying many aggregations over many time frames in compact format</a:t>
-            </a:r>
-          </a:p>
-        </p:txBody>
-      </p:sp>
-    </p:spTree>
-    <p:extLst>
-      <p:ext uri="{BB962C8B-B14F-4D97-AF65-F5344CB8AC3E}">
-        <p14:creationId xmlns:p14="http://schemas.microsoft.com/office/powerpoint/2010/main" val="460448307"/>
       </p:ext>
     </p:extLst>
   </p:cSld>
@@ -17125,7 +17133,326 @@
           <a:p>
             <a:r>
               <a:rPr lang="en-US" dirty="0"/>
-              <a:t>Feature in triage: Collate</a:t>
+              <a:t>Features in triage: Collate</a:t>
+            </a:r>
+          </a:p>
+        </p:txBody>
+      </p:sp>
+      <p:sp>
+        <p:nvSpPr>
+          <p:cNvPr id="3" name="Text Placeholder 2">
+            <a:extLst>
+              <a:ext uri="{FF2B5EF4-FFF2-40B4-BE49-F238E27FC236}">
+                <a16:creationId xmlns:a16="http://schemas.microsoft.com/office/drawing/2014/main" id="{8B9D9112-B2A1-D142-B67C-41AA10739FF6}"/>
+              </a:ext>
+            </a:extLst>
+          </p:cNvPr>
+          <p:cNvSpPr>
+            <a:spLocks noGrp="1"/>
+          </p:cNvSpPr>
+          <p:nvPr>
+            <p:ph type="body" idx="1"/>
+          </p:nvPr>
+        </p:nvSpPr>
+        <p:spPr/>
+        <p:txBody>
+          <a:bodyPr/>
+          <a:lstStyle/>
+          <a:p>
+            <a:r>
+              <a:rPr lang="en-US" dirty="0"/>
+              <a:t>All features are temporal aggregates, reflecting nature of data</a:t>
+            </a:r>
+            <a:br>
+              <a:rPr lang="en-US" dirty="0"/>
+            </a:br>
+            <a:endParaRPr lang="en-US" dirty="0"/>
+          </a:p>
+          <a:p>
+            <a:r>
+              <a:rPr lang="en-US" dirty="0"/>
+              <a:t>Need to specify what you’re using and when it was known</a:t>
+            </a:r>
+            <a:br>
+              <a:rPr lang="en-US" dirty="0"/>
+            </a:br>
+            <a:endParaRPr lang="en-US" dirty="0"/>
+          </a:p>
+          <a:p>
+            <a:r>
+              <a:rPr lang="en-US" dirty="0"/>
+              <a:t>Need to specify how you’ll handle missingness explicitly</a:t>
+            </a:r>
+            <a:br>
+              <a:rPr lang="en-US" dirty="0"/>
+            </a:br>
+            <a:endParaRPr lang="en-US" dirty="0"/>
+          </a:p>
+          <a:p>
+            <a:r>
+              <a:rPr lang="en-US" dirty="0"/>
+              <a:t>YAML structure can take a little getting used to, but powerful for specifying many aggregations over many time frames in compact format</a:t>
+            </a:r>
+          </a:p>
+        </p:txBody>
+      </p:sp>
+    </p:spTree>
+    <p:extLst>
+      <p:ext uri="{BB962C8B-B14F-4D97-AF65-F5344CB8AC3E}">
+        <p14:creationId xmlns:p14="http://schemas.microsoft.com/office/powerpoint/2010/main" val="460448307"/>
+      </p:ext>
+    </p:extLst>
+  </p:cSld>
+  <p:clrMapOvr>
+    <a:masterClrMapping/>
+  </p:clrMapOvr>
+</p:sld>
+</file>
+
+<file path=ppt/slides/slide2.xml><?xml version="1.0" encoding="utf-8"?>
+<p:sld xmlns:a="http://schemas.openxmlformats.org/drawingml/2006/main" xmlns:r="http://schemas.openxmlformats.org/officeDocument/2006/relationships" xmlns:p="http://schemas.openxmlformats.org/presentationml/2006/main">
+  <p:cSld>
+    <p:spTree>
+      <p:nvGrpSpPr>
+        <p:cNvPr id="1" name=""/>
+        <p:cNvGrpSpPr/>
+        <p:nvPr/>
+      </p:nvGrpSpPr>
+      <p:grpSpPr>
+        <a:xfrm>
+          <a:off x="0" y="0"/>
+          <a:ext cx="0" cy="0"/>
+          <a:chOff x="0" y="0"/>
+          <a:chExt cx="0" cy="0"/>
+        </a:xfrm>
+      </p:grpSpPr>
+      <p:sp>
+        <p:nvSpPr>
+          <p:cNvPr id="3" name="Title 2">
+            <a:extLst>
+              <a:ext uri="{FF2B5EF4-FFF2-40B4-BE49-F238E27FC236}">
+                <a16:creationId xmlns:a16="http://schemas.microsoft.com/office/drawing/2014/main" id="{9323871C-7CA8-1448-8FFC-1AE6E1838941}"/>
+              </a:ext>
+            </a:extLst>
+          </p:cNvPr>
+          <p:cNvSpPr>
+            <a:spLocks noGrp="1"/>
+          </p:cNvSpPr>
+          <p:nvPr>
+            <p:ph type="title"/>
+          </p:nvPr>
+        </p:nvSpPr>
+        <p:spPr/>
+        <p:txBody>
+          <a:bodyPr/>
+          <a:lstStyle/>
+          <a:p>
+            <a:r>
+              <a:rPr lang="en-US" dirty="0"/>
+              <a:t>Reminders</a:t>
+            </a:r>
+          </a:p>
+        </p:txBody>
+      </p:sp>
+      <p:sp>
+        <p:nvSpPr>
+          <p:cNvPr id="5" name="Text Placeholder 4">
+            <a:extLst>
+              <a:ext uri="{FF2B5EF4-FFF2-40B4-BE49-F238E27FC236}">
+                <a16:creationId xmlns:a16="http://schemas.microsoft.com/office/drawing/2014/main" id="{F4E0A5F0-1D89-954D-91FB-596CD9E690F2}"/>
+              </a:ext>
+            </a:extLst>
+          </p:cNvPr>
+          <p:cNvSpPr>
+            <a:spLocks noGrp="1"/>
+          </p:cNvSpPr>
+          <p:nvPr>
+            <p:ph type="body" idx="1"/>
+          </p:nvPr>
+        </p:nvSpPr>
+        <p:spPr/>
+        <p:txBody>
+          <a:bodyPr/>
+          <a:lstStyle/>
+          <a:p>
+            <a:pPr marL="76200" indent="0">
+              <a:buNone/>
+            </a:pPr>
+            <a:r>
+              <a:rPr lang="en-US" b="1" dirty="0">
+                <a:solidFill>
+                  <a:schemeClr val="tx1">
+                    <a:lumMod val="75000"/>
+                    <a:lumOff val="25000"/>
+                  </a:schemeClr>
+                </a:solidFill>
+              </a:rPr>
+              <a:t>This week:</a:t>
+            </a:r>
+          </a:p>
+          <a:p>
+            <a:r>
+              <a:rPr lang="en-US" dirty="0">
+                <a:solidFill>
+                  <a:schemeClr val="tx1">
+                    <a:lumMod val="75000"/>
+                    <a:lumOff val="25000"/>
+                  </a:schemeClr>
+                </a:solidFill>
+              </a:rPr>
+              <a:t>Tomorrow: Wednesday Group Check-Ins</a:t>
+            </a:r>
+          </a:p>
+          <a:p>
+            <a:r>
+              <a:rPr lang="en-US" dirty="0">
+                <a:solidFill>
+                  <a:schemeClr val="tx1">
+                    <a:lumMod val="75000"/>
+                    <a:lumOff val="25000"/>
+                  </a:schemeClr>
+                </a:solidFill>
+              </a:rPr>
+              <a:t>Thursday: Time for group work (no lecture)</a:t>
+            </a:r>
+          </a:p>
+          <a:p>
+            <a:pPr marL="76200" indent="0">
+              <a:buNone/>
+            </a:pPr>
+            <a:endParaRPr lang="en-US" b="1" dirty="0">
+              <a:solidFill>
+                <a:schemeClr val="tx1">
+                  <a:lumMod val="75000"/>
+                  <a:lumOff val="25000"/>
+                </a:schemeClr>
+              </a:solidFill>
+            </a:endParaRPr>
+          </a:p>
+          <a:p>
+            <a:pPr marL="76200" indent="0">
+              <a:buNone/>
+            </a:pPr>
+            <a:endParaRPr lang="en-US" b="1" dirty="0">
+              <a:solidFill>
+                <a:schemeClr val="tx1">
+                  <a:lumMod val="75000"/>
+                  <a:lumOff val="25000"/>
+                </a:schemeClr>
+              </a:solidFill>
+            </a:endParaRPr>
+          </a:p>
+          <a:p>
+            <a:pPr marL="76200" indent="0">
+              <a:buNone/>
+            </a:pPr>
+            <a:r>
+              <a:rPr lang="en-US" b="1" dirty="0">
+                <a:solidFill>
+                  <a:schemeClr val="tx1">
+                    <a:lumMod val="75000"/>
+                    <a:lumOff val="25000"/>
+                  </a:schemeClr>
+                </a:solidFill>
+              </a:rPr>
+              <a:t>Coming up after fall break:</a:t>
+            </a:r>
+          </a:p>
+          <a:p>
+            <a:r>
+              <a:rPr lang="en-US" dirty="0">
+                <a:solidFill>
+                  <a:schemeClr val="tx1">
+                    <a:lumMod val="75000"/>
+                    <a:lumOff val="25000"/>
+                  </a:schemeClr>
+                </a:solidFill>
+              </a:rPr>
+              <a:t>Monday: Project Update 3</a:t>
+            </a:r>
+          </a:p>
+          <a:p>
+            <a:r>
+              <a:rPr lang="en-US" dirty="0">
+                <a:solidFill>
+                  <a:schemeClr val="tx1">
+                    <a:lumMod val="75000"/>
+                    <a:lumOff val="25000"/>
+                  </a:schemeClr>
+                </a:solidFill>
+              </a:rPr>
+              <a:t>Tuesday: Weekly Feedback Form</a:t>
+            </a:r>
+          </a:p>
+          <a:p>
+            <a:r>
+              <a:rPr lang="en-US" dirty="0">
+                <a:solidFill>
+                  <a:schemeClr val="tx1">
+                    <a:lumMod val="75000"/>
+                    <a:lumOff val="25000"/>
+                  </a:schemeClr>
+                </a:solidFill>
+              </a:rPr>
+              <a:t>Tuesday: Readings on Practical ML</a:t>
+            </a:r>
+          </a:p>
+        </p:txBody>
+      </p:sp>
+    </p:spTree>
+    <p:extLst>
+      <p:ext uri="{BB962C8B-B14F-4D97-AF65-F5344CB8AC3E}">
+        <p14:creationId xmlns:p14="http://schemas.microsoft.com/office/powerpoint/2010/main" val="186046226"/>
+      </p:ext>
+    </p:extLst>
+  </p:cSld>
+  <p:clrMapOvr>
+    <a:masterClrMapping/>
+  </p:clrMapOvr>
+</p:sld>
+</file>
+
+<file path=ppt/slides/slide20.xml><?xml version="1.0" encoding="utf-8"?>
+<p:sld xmlns:a="http://schemas.openxmlformats.org/drawingml/2006/main" xmlns:r="http://schemas.openxmlformats.org/officeDocument/2006/relationships" xmlns:p="http://schemas.openxmlformats.org/presentationml/2006/main">
+  <p:cSld>
+    <p:spTree>
+      <p:nvGrpSpPr>
+        <p:cNvPr id="1" name=""/>
+        <p:cNvGrpSpPr/>
+        <p:nvPr/>
+      </p:nvGrpSpPr>
+      <p:grpSpPr>
+        <a:xfrm>
+          <a:off x="0" y="0"/>
+          <a:ext cx="0" cy="0"/>
+          <a:chOff x="0" y="0"/>
+          <a:chExt cx="0" cy="0"/>
+        </a:xfrm>
+      </p:grpSpPr>
+      <p:sp>
+        <p:nvSpPr>
+          <p:cNvPr id="2" name="Title 1">
+            <a:extLst>
+              <a:ext uri="{FF2B5EF4-FFF2-40B4-BE49-F238E27FC236}">
+                <a16:creationId xmlns:a16="http://schemas.microsoft.com/office/drawing/2014/main" id="{98347210-B4BE-4047-93B4-3D7AA966D0F1}"/>
+              </a:ext>
+            </a:extLst>
+          </p:cNvPr>
+          <p:cNvSpPr>
+            <a:spLocks noGrp="1"/>
+          </p:cNvSpPr>
+          <p:nvPr>
+            <p:ph type="title"/>
+          </p:nvPr>
+        </p:nvSpPr>
+        <p:spPr/>
+        <p:txBody>
+          <a:bodyPr/>
+          <a:lstStyle/>
+          <a:p>
+            <a:r>
+              <a:rPr lang="en-US" dirty="0"/>
+              <a:t>Features in triage: Collate</a:t>
             </a:r>
           </a:p>
         </p:txBody>
@@ -17570,210 +17897,7 @@
 </p:sld>
 </file>
 
-<file path=ppt/slides/slide2.xml><?xml version="1.0" encoding="utf-8"?>
-<p:sld xmlns:a="http://schemas.openxmlformats.org/drawingml/2006/main" xmlns:r="http://schemas.openxmlformats.org/officeDocument/2006/relationships" xmlns:p="http://schemas.openxmlformats.org/presentationml/2006/main">
-  <p:cSld>
-    <p:spTree>
-      <p:nvGrpSpPr>
-        <p:cNvPr id="1" name=""/>
-        <p:cNvGrpSpPr/>
-        <p:nvPr/>
-      </p:nvGrpSpPr>
-      <p:grpSpPr>
-        <a:xfrm>
-          <a:off x="0" y="0"/>
-          <a:ext cx="0" cy="0"/>
-          <a:chOff x="0" y="0"/>
-          <a:chExt cx="0" cy="0"/>
-        </a:xfrm>
-      </p:grpSpPr>
-      <p:sp>
-        <p:nvSpPr>
-          <p:cNvPr id="3" name="Title 2">
-            <a:extLst>
-              <a:ext uri="{FF2B5EF4-FFF2-40B4-BE49-F238E27FC236}">
-                <a16:creationId xmlns:a16="http://schemas.microsoft.com/office/drawing/2014/main" id="{9323871C-7CA8-1448-8FFC-1AE6E1838941}"/>
-              </a:ext>
-            </a:extLst>
-          </p:cNvPr>
-          <p:cNvSpPr>
-            <a:spLocks noGrp="1"/>
-          </p:cNvSpPr>
-          <p:nvPr>
-            <p:ph type="title"/>
-          </p:nvPr>
-        </p:nvSpPr>
-        <p:spPr/>
-        <p:txBody>
-          <a:bodyPr/>
-          <a:lstStyle/>
-          <a:p>
-            <a:r>
-              <a:rPr lang="en-US" dirty="0"/>
-              <a:t>Reminders</a:t>
-            </a:r>
-          </a:p>
-        </p:txBody>
-      </p:sp>
-      <p:sp>
-        <p:nvSpPr>
-          <p:cNvPr id="5" name="Text Placeholder 4">
-            <a:extLst>
-              <a:ext uri="{FF2B5EF4-FFF2-40B4-BE49-F238E27FC236}">
-                <a16:creationId xmlns:a16="http://schemas.microsoft.com/office/drawing/2014/main" id="{F4E0A5F0-1D89-954D-91FB-596CD9E690F2}"/>
-              </a:ext>
-            </a:extLst>
-          </p:cNvPr>
-          <p:cNvSpPr>
-            <a:spLocks noGrp="1"/>
-          </p:cNvSpPr>
-          <p:nvPr>
-            <p:ph type="body" idx="1"/>
-          </p:nvPr>
-        </p:nvSpPr>
-        <p:spPr/>
-        <p:txBody>
-          <a:bodyPr/>
-          <a:lstStyle/>
-          <a:p>
-            <a:pPr marL="76200" indent="0">
-              <a:buNone/>
-            </a:pPr>
-            <a:r>
-              <a:rPr lang="en-US" b="1" dirty="0">
-                <a:solidFill>
-                  <a:schemeClr val="tx1">
-                    <a:lumMod val="75000"/>
-                    <a:lumOff val="25000"/>
-                  </a:schemeClr>
-                </a:solidFill>
-              </a:rPr>
-              <a:t>This week:</a:t>
-            </a:r>
-          </a:p>
-          <a:p>
-            <a:r>
-              <a:rPr lang="en-US" dirty="0">
-                <a:solidFill>
-                  <a:schemeClr val="tx1">
-                    <a:lumMod val="75000"/>
-                    <a:lumOff val="25000"/>
-                  </a:schemeClr>
-                </a:solidFill>
-              </a:rPr>
-              <a:t>Tomorrow: Wednesday Group Check-Ins</a:t>
-            </a:r>
-          </a:p>
-          <a:p>
-            <a:r>
-              <a:rPr lang="en-US" dirty="0">
-                <a:solidFill>
-                  <a:schemeClr val="tx1">
-                    <a:lumMod val="75000"/>
-                    <a:lumOff val="25000"/>
-                  </a:schemeClr>
-                </a:solidFill>
-              </a:rPr>
-              <a:t>Thursday: Time for group work (no lecture)</a:t>
-            </a:r>
-          </a:p>
-          <a:p>
-            <a:pPr marL="76200" indent="0">
-              <a:buNone/>
-            </a:pPr>
-            <a:endParaRPr lang="en-US" b="1" dirty="0">
-              <a:solidFill>
-                <a:schemeClr val="tx1">
-                  <a:lumMod val="75000"/>
-                  <a:lumOff val="25000"/>
-                </a:schemeClr>
-              </a:solidFill>
-            </a:endParaRPr>
-          </a:p>
-          <a:p>
-            <a:pPr marL="76200" indent="0">
-              <a:buNone/>
-            </a:pPr>
-            <a:endParaRPr lang="en-US" b="1" dirty="0">
-              <a:solidFill>
-                <a:schemeClr val="tx1">
-                  <a:lumMod val="75000"/>
-                  <a:lumOff val="25000"/>
-                </a:schemeClr>
-              </a:solidFill>
-            </a:endParaRPr>
-          </a:p>
-          <a:p>
-            <a:pPr marL="76200" indent="0">
-              <a:buNone/>
-            </a:pPr>
-            <a:r>
-              <a:rPr lang="en-US" b="1" dirty="0">
-                <a:solidFill>
-                  <a:schemeClr val="tx1">
-                    <a:lumMod val="75000"/>
-                    <a:lumOff val="25000"/>
-                  </a:schemeClr>
-                </a:solidFill>
-              </a:rPr>
-              <a:t>Coming up after fall break:</a:t>
-            </a:r>
-          </a:p>
-          <a:p>
-            <a:r>
-              <a:rPr lang="en-US" dirty="0">
-                <a:solidFill>
-                  <a:schemeClr val="tx1">
-                    <a:lumMod val="75000"/>
-                    <a:lumOff val="25000"/>
-                  </a:schemeClr>
-                </a:solidFill>
-              </a:rPr>
-              <a:t>Monday: Project Update 3</a:t>
-            </a:r>
-          </a:p>
-          <a:p>
-            <a:r>
-              <a:rPr lang="en-US" dirty="0">
-                <a:solidFill>
-                  <a:schemeClr val="tx1">
-                    <a:lumMod val="75000"/>
-                    <a:lumOff val="25000"/>
-                  </a:schemeClr>
-                </a:solidFill>
-              </a:rPr>
-              <a:t>Tuesday: Weekly Feedback Form</a:t>
-            </a:r>
-          </a:p>
-          <a:p>
-            <a:r>
-              <a:rPr lang="en-US" dirty="0">
-                <a:solidFill>
-                  <a:schemeClr val="tx1">
-                    <a:lumMod val="75000"/>
-                    <a:lumOff val="25000"/>
-                  </a:schemeClr>
-                </a:solidFill>
-              </a:rPr>
-              <a:t>Tuesday: Readings on Practical ML</a:t>
-            </a:r>
-          </a:p>
-        </p:txBody>
-      </p:sp>
-    </p:spTree>
-    <p:extLst>
-      <p:ext uri="{BB962C8B-B14F-4D97-AF65-F5344CB8AC3E}">
-        <p14:creationId xmlns:p14="http://schemas.microsoft.com/office/powerpoint/2010/main" val="186046226"/>
-      </p:ext>
-    </p:extLst>
-  </p:cSld>
-  <p:clrMapOvr>
-    <a:masterClrMapping/>
-  </p:clrMapOvr>
-</p:sld>
-</file>
-
-<file path=ppt/slides/slide20.xml><?xml version="1.0" encoding="utf-8"?>
+<file path=ppt/slides/slide21.xml><?xml version="1.0" encoding="utf-8"?>
 <p:sld xmlns:a="http://schemas.openxmlformats.org/drawingml/2006/main" xmlns:r="http://schemas.openxmlformats.org/officeDocument/2006/relationships" xmlns:p="http://schemas.openxmlformats.org/presentationml/2006/main">
   <p:cSld>
     <p:spTree>
@@ -17813,7 +17937,7 @@
           <a:p>
             <a:r>
               <a:rPr lang="en-US" dirty="0"/>
-              <a:t>Feature in triage: Collate</a:t>
+              <a:t>Features in triage: Collate</a:t>
             </a:r>
           </a:p>
         </p:txBody>
@@ -18049,138 +18173,6 @@
 </p:sld>
 </file>
 
-<file path=ppt/slides/slide21.xml><?xml version="1.0" encoding="utf-8"?>
-<p:sld xmlns:a="http://schemas.openxmlformats.org/drawingml/2006/main" xmlns:r="http://schemas.openxmlformats.org/officeDocument/2006/relationships" xmlns:p="http://schemas.openxmlformats.org/presentationml/2006/main">
-  <p:cSld>
-    <p:spTree>
-      <p:nvGrpSpPr>
-        <p:cNvPr id="1" name=""/>
-        <p:cNvGrpSpPr/>
-        <p:nvPr/>
-      </p:nvGrpSpPr>
-      <p:grpSpPr>
-        <a:xfrm>
-          <a:off x="0" y="0"/>
-          <a:ext cx="0" cy="0"/>
-          <a:chOff x="0" y="0"/>
-          <a:chExt cx="0" cy="0"/>
-        </a:xfrm>
-      </p:grpSpPr>
-      <p:sp>
-        <p:nvSpPr>
-          <p:cNvPr id="3" name="Title 2"/>
-          <p:cNvSpPr>
-            <a:spLocks noGrp="1"/>
-          </p:cNvSpPr>
-          <p:nvPr>
-            <p:ph type="title"/>
-          </p:nvPr>
-        </p:nvSpPr>
-        <p:spPr/>
-        <p:txBody>
-          <a:bodyPr/>
-          <a:lstStyle/>
-          <a:p>
-            <a:r>
-              <a:rPr lang="en-US" dirty="0"/>
-              <a:t>Feature Generation – A Deeper Look</a:t>
-            </a:r>
-          </a:p>
-        </p:txBody>
-      </p:sp>
-      <p:sp>
-        <p:nvSpPr>
-          <p:cNvPr id="2" name="Content Placeholder 1"/>
-          <p:cNvSpPr>
-            <a:spLocks noGrp="1"/>
-          </p:cNvSpPr>
-          <p:nvPr>
-            <p:ph type="body" idx="1"/>
-          </p:nvPr>
-        </p:nvSpPr>
-        <p:spPr/>
-        <p:txBody>
-          <a:bodyPr>
-            <a:normAutofit/>
-          </a:bodyPr>
-          <a:lstStyle/>
-          <a:p>
-            <a:r>
-              <a:rPr lang="en-US" dirty="0"/>
-              <a:t>Categorical to Binary (Dummies)</a:t>
-            </a:r>
-          </a:p>
-          <a:p>
-            <a:r>
-              <a:rPr lang="en-US" dirty="0"/>
-              <a:t>Features for missing values</a:t>
-            </a:r>
-          </a:p>
-          <a:p>
-            <a:r>
-              <a:rPr lang="en-US" dirty="0"/>
-              <a:t>Discretization</a:t>
-            </a:r>
-          </a:p>
-          <a:p>
-            <a:r>
-              <a:rPr lang="en-US" dirty="0"/>
-              <a:t>Date/Time Features</a:t>
-            </a:r>
-          </a:p>
-          <a:p>
-            <a:r>
-              <a:rPr lang="en-US" dirty="0"/>
-              <a:t>Scaling/Normalizing</a:t>
-            </a:r>
-          </a:p>
-          <a:p>
-            <a:r>
-              <a:rPr lang="en-US" dirty="0"/>
-              <a:t>Transformations</a:t>
-            </a:r>
-          </a:p>
-          <a:p>
-            <a:r>
-              <a:rPr lang="en-US" b="1" dirty="0"/>
-              <a:t>Aggregations (space, time, space and time)</a:t>
-            </a:r>
-          </a:p>
-          <a:p>
-            <a:r>
-              <a:rPr lang="en-US" b="1" dirty="0"/>
-              <a:t>Relative (compared to the average</a:t>
-            </a:r>
-            <a:r>
-              <a:rPr lang="mr-IN" b="1" dirty="0"/>
-              <a:t>…</a:t>
-            </a:r>
-            <a:r>
-              <a:rPr lang="en-US" b="1" dirty="0"/>
-              <a:t>)</a:t>
-            </a:r>
-          </a:p>
-          <a:p>
-            <a:r>
-              <a:rPr lang="en-US" dirty="0"/>
-              <a:t>Interactions</a:t>
-            </a:r>
-          </a:p>
-        </p:txBody>
-      </p:sp>
-    </p:spTree>
-    <p:extLst>
-      <p:ext uri="{BB962C8B-B14F-4D97-AF65-F5344CB8AC3E}">
-        <p14:creationId xmlns:p14="http://schemas.microsoft.com/office/powerpoint/2010/main" val="273184349"/>
-      </p:ext>
-    </p:extLst>
-  </p:cSld>
-  <p:clrMapOvr>
-    <a:masterClrMapping/>
-  </p:clrMapOvr>
-</p:sld>
-</file>
-
 <file path=ppt/slides/slide22.xml><?xml version="1.0" encoding="utf-8"?>
 <p:sld xmlns:a="http://schemas.openxmlformats.org/drawingml/2006/main" xmlns:r="http://schemas.openxmlformats.org/officeDocument/2006/relationships" xmlns:p="http://schemas.openxmlformats.org/presentationml/2006/main">
   <p:cSld>
@@ -18215,6 +18207,138 @@
           <a:p>
             <a:r>
               <a:rPr lang="en-US" dirty="0"/>
+              <a:t>Feature Generation – A Deeper Look</a:t>
+            </a:r>
+          </a:p>
+        </p:txBody>
+      </p:sp>
+      <p:sp>
+        <p:nvSpPr>
+          <p:cNvPr id="2" name="Content Placeholder 1"/>
+          <p:cNvSpPr>
+            <a:spLocks noGrp="1"/>
+          </p:cNvSpPr>
+          <p:nvPr>
+            <p:ph type="body" idx="1"/>
+          </p:nvPr>
+        </p:nvSpPr>
+        <p:spPr/>
+        <p:txBody>
+          <a:bodyPr>
+            <a:normAutofit/>
+          </a:bodyPr>
+          <a:lstStyle/>
+          <a:p>
+            <a:r>
+              <a:rPr lang="en-US" dirty="0"/>
+              <a:t>Categorical to Binary (Dummies)</a:t>
+            </a:r>
+          </a:p>
+          <a:p>
+            <a:r>
+              <a:rPr lang="en-US" dirty="0"/>
+              <a:t>Features for missing values</a:t>
+            </a:r>
+          </a:p>
+          <a:p>
+            <a:r>
+              <a:rPr lang="en-US" dirty="0"/>
+              <a:t>Discretization</a:t>
+            </a:r>
+          </a:p>
+          <a:p>
+            <a:r>
+              <a:rPr lang="en-US" dirty="0"/>
+              <a:t>Date/Time Features</a:t>
+            </a:r>
+          </a:p>
+          <a:p>
+            <a:r>
+              <a:rPr lang="en-US" dirty="0"/>
+              <a:t>Scaling/Normalizing</a:t>
+            </a:r>
+          </a:p>
+          <a:p>
+            <a:r>
+              <a:rPr lang="en-US" dirty="0"/>
+              <a:t>Transformations</a:t>
+            </a:r>
+          </a:p>
+          <a:p>
+            <a:r>
+              <a:rPr lang="en-US" b="1" dirty="0"/>
+              <a:t>Aggregations (space, time, space and time)</a:t>
+            </a:r>
+          </a:p>
+          <a:p>
+            <a:r>
+              <a:rPr lang="en-US" b="1" dirty="0"/>
+              <a:t>Relative (compared to the average</a:t>
+            </a:r>
+            <a:r>
+              <a:rPr lang="mr-IN" b="1" dirty="0"/>
+              <a:t>…</a:t>
+            </a:r>
+            <a:r>
+              <a:rPr lang="en-US" b="1" dirty="0"/>
+              <a:t>)</a:t>
+            </a:r>
+          </a:p>
+          <a:p>
+            <a:r>
+              <a:rPr lang="en-US" dirty="0"/>
+              <a:t>Interactions</a:t>
+            </a:r>
+          </a:p>
+        </p:txBody>
+      </p:sp>
+    </p:spTree>
+    <p:extLst>
+      <p:ext uri="{BB962C8B-B14F-4D97-AF65-F5344CB8AC3E}">
+        <p14:creationId xmlns:p14="http://schemas.microsoft.com/office/powerpoint/2010/main" val="273184349"/>
+      </p:ext>
+    </p:extLst>
+  </p:cSld>
+  <p:clrMapOvr>
+    <a:masterClrMapping/>
+  </p:clrMapOvr>
+</p:sld>
+</file>
+
+<file path=ppt/slides/slide23.xml><?xml version="1.0" encoding="utf-8"?>
+<p:sld xmlns:a="http://schemas.openxmlformats.org/drawingml/2006/main" xmlns:r="http://schemas.openxmlformats.org/officeDocument/2006/relationships" xmlns:p="http://schemas.openxmlformats.org/presentationml/2006/main">
+  <p:cSld>
+    <p:spTree>
+      <p:nvGrpSpPr>
+        <p:cNvPr id="1" name=""/>
+        <p:cNvGrpSpPr/>
+        <p:nvPr/>
+      </p:nvGrpSpPr>
+      <p:grpSpPr>
+        <a:xfrm>
+          <a:off x="0" y="0"/>
+          <a:ext cx="0" cy="0"/>
+          <a:chOff x="0" y="0"/>
+          <a:chExt cx="0" cy="0"/>
+        </a:xfrm>
+      </p:grpSpPr>
+      <p:sp>
+        <p:nvSpPr>
+          <p:cNvPr id="3" name="Title 2"/>
+          <p:cNvSpPr>
+            <a:spLocks noGrp="1"/>
+          </p:cNvSpPr>
+          <p:nvPr>
+            <p:ph type="title"/>
+          </p:nvPr>
+        </p:nvSpPr>
+        <p:spPr/>
+        <p:txBody>
+          <a:bodyPr/>
+          <a:lstStyle/>
+          <a:p>
+            <a:r>
+              <a:rPr lang="en-US" dirty="0"/>
               <a:t>Categorical to Binary</a:t>
             </a:r>
           </a:p>
@@ -18278,7 +18402,7 @@
 </p:sld>
 </file>
 
-<file path=ppt/slides/slide23.xml><?xml version="1.0" encoding="utf-8"?>
+<file path=ppt/slides/slide24.xml><?xml version="1.0" encoding="utf-8"?>
 <p:sld xmlns:a="http://schemas.openxmlformats.org/drawingml/2006/main" xmlns:r="http://schemas.openxmlformats.org/officeDocument/2006/relationships" xmlns:p="http://schemas.openxmlformats.org/presentationml/2006/main">
   <p:cSld>
     <p:spTree>
@@ -18570,7 +18694,7 @@
 </p:sld>
 </file>
 
-<file path=ppt/slides/slide24.xml><?xml version="1.0" encoding="utf-8"?>
+<file path=ppt/slides/slide25.xml><?xml version="1.0" encoding="utf-8"?>
 <p:sld xmlns:a="http://schemas.openxmlformats.org/drawingml/2006/main" xmlns:r="http://schemas.openxmlformats.org/officeDocument/2006/relationships" xmlns:p="http://schemas.openxmlformats.org/presentationml/2006/main">
   <p:cSld>
     <p:spTree>
@@ -18697,127 +18821,6 @@
     <p:extLst>
       <p:ext uri="{BB962C8B-B14F-4D97-AF65-F5344CB8AC3E}">
         <p14:creationId xmlns:p14="http://schemas.microsoft.com/office/powerpoint/2010/main" val="1008191164"/>
-      </p:ext>
-    </p:extLst>
-  </p:cSld>
-  <p:clrMapOvr>
-    <a:masterClrMapping/>
-  </p:clrMapOvr>
-</p:sld>
-</file>
-
-<file path=ppt/slides/slide25.xml><?xml version="1.0" encoding="utf-8"?>
-<p:sld xmlns:a="http://schemas.openxmlformats.org/drawingml/2006/main" xmlns:r="http://schemas.openxmlformats.org/officeDocument/2006/relationships" xmlns:p="http://schemas.openxmlformats.org/presentationml/2006/main">
-  <p:cSld>
-    <p:spTree>
-      <p:nvGrpSpPr>
-        <p:cNvPr id="1" name=""/>
-        <p:cNvGrpSpPr/>
-        <p:nvPr/>
-      </p:nvGrpSpPr>
-      <p:grpSpPr>
-        <a:xfrm>
-          <a:off x="0" y="0"/>
-          <a:ext cx="0" cy="0"/>
-          <a:chOff x="0" y="0"/>
-          <a:chExt cx="0" cy="0"/>
-        </a:xfrm>
-      </p:grpSpPr>
-      <p:sp>
-        <p:nvSpPr>
-          <p:cNvPr id="3" name="Title 2"/>
-          <p:cNvSpPr>
-            <a:spLocks noGrp="1"/>
-          </p:cNvSpPr>
-          <p:nvPr>
-            <p:ph type="title"/>
-          </p:nvPr>
-        </p:nvSpPr>
-        <p:spPr>
-          <a:xfrm>
-            <a:off x="111210" y="367459"/>
-            <a:ext cx="12080789" cy="763500"/>
-          </a:xfrm>
-        </p:spPr>
-        <p:txBody>
-          <a:bodyPr/>
-          <a:lstStyle/>
-          <a:p>
-            <a:r>
-              <a:rPr lang="en-US" dirty="0"/>
-              <a:t>Is Scaling Important for…</a:t>
-            </a:r>
-          </a:p>
-        </p:txBody>
-      </p:sp>
-      <p:sp>
-        <p:nvSpPr>
-          <p:cNvPr id="2" name="Content Placeholder 1"/>
-          <p:cNvSpPr>
-            <a:spLocks noGrp="1"/>
-          </p:cNvSpPr>
-          <p:nvPr>
-            <p:ph type="body" idx="1"/>
-          </p:nvPr>
-        </p:nvSpPr>
-        <p:spPr/>
-        <p:txBody>
-          <a:bodyPr/>
-          <a:lstStyle/>
-          <a:p>
-            <a:r>
-              <a:rPr lang="en-US" dirty="0"/>
-              <a:t>Decision Trees?</a:t>
-            </a:r>
-            <a:br>
-              <a:rPr lang="en-US" dirty="0"/>
-            </a:br>
-            <a:endParaRPr lang="en-US" dirty="0"/>
-          </a:p>
-          <a:p>
-            <a:r>
-              <a:rPr lang="en-US" dirty="0"/>
-              <a:t>k-Nearest Neighbors?</a:t>
-            </a:r>
-            <a:br>
-              <a:rPr lang="en-US" dirty="0"/>
-            </a:br>
-            <a:endParaRPr lang="en-US" dirty="0"/>
-          </a:p>
-          <a:p>
-            <a:r>
-              <a:rPr lang="en-US" dirty="0"/>
-              <a:t>Random Forest?</a:t>
-            </a:r>
-            <a:br>
-              <a:rPr lang="en-US" dirty="0"/>
-            </a:br>
-            <a:endParaRPr lang="en-US" dirty="0"/>
-          </a:p>
-          <a:p>
-            <a:r>
-              <a:rPr lang="en-US" dirty="0"/>
-              <a:t>Logistic Regression?</a:t>
-            </a:r>
-          </a:p>
-          <a:p>
-            <a:endParaRPr lang="en-US" dirty="0"/>
-          </a:p>
-          <a:p>
-            <a:r>
-              <a:rPr lang="en-US" dirty="0"/>
-              <a:t>Neural Nets?</a:t>
-            </a:r>
-          </a:p>
-          <a:p>
-            <a:endParaRPr lang="en-US" dirty="0"/>
-          </a:p>
-        </p:txBody>
-      </p:sp>
-    </p:spTree>
-    <p:extLst>
-      <p:ext uri="{BB962C8B-B14F-4D97-AF65-F5344CB8AC3E}">
-        <p14:creationId xmlns:p14="http://schemas.microsoft.com/office/powerpoint/2010/main" val="46359626"/>
       </p:ext>
     </p:extLst>
   </p:cSld>
@@ -20946,7 +20949,7 @@
                   </a:schemeClr>
                 </a:solidFill>
               </a:rPr>
-              <a:t>Thursday: Time for group work (no lecture)</a:t>
+              <a:t>Thursday: Triage Q&amp;A and Office Hours</a:t>
             </a:r>
           </a:p>
           <a:p>
@@ -20974,61 +20977,6 @@
                 </a:schemeClr>
               </a:solidFill>
             </a:endParaRPr>
-          </a:p>
-          <a:p>
-            <a:pPr marL="76200" indent="0">
-              <a:buNone/>
-            </a:pPr>
-            <a:r>
-              <a:rPr lang="en-US" b="1" dirty="0">
-                <a:solidFill>
-                  <a:schemeClr val="tx1">
-                    <a:lumMod val="75000"/>
-                    <a:lumOff val="25000"/>
-                  </a:schemeClr>
-                </a:solidFill>
-              </a:rPr>
-              <a:t>Coming up after fall break:</a:t>
-            </a:r>
-          </a:p>
-          <a:p>
-            <a:r>
-              <a:rPr lang="en-US" dirty="0">
-                <a:solidFill>
-                  <a:schemeClr val="tx1">
-                    <a:lumMod val="75000"/>
-                    <a:lumOff val="25000"/>
-                  </a:schemeClr>
-                </a:solidFill>
-              </a:rPr>
-              <a:t>Monday: Project Update 3</a:t>
-            </a:r>
-          </a:p>
-          <a:p>
-            <a:r>
-              <a:rPr lang="en-US" dirty="0">
-                <a:solidFill>
-                  <a:schemeClr val="tx1">
-                    <a:lumMod val="75000"/>
-                    <a:lumOff val="25000"/>
-                  </a:schemeClr>
-                </a:solidFill>
-              </a:rPr>
-              <a:t>Tuesday: Weekly Feedback Form</a:t>
-            </a:r>
-          </a:p>
-          <a:p>
-            <a:r>
-              <a:rPr lang="en-US" dirty="0">
-                <a:solidFill>
-                  <a:schemeClr val="tx1">
-                    <a:lumMod val="75000"/>
-                    <a:lumOff val="25000"/>
-                  </a:schemeClr>
-                </a:solidFill>
-              </a:rPr>
-              <a:t>Tuesday: Readings on Practical ML</a:t>
-            </a:r>
           </a:p>
         </p:txBody>
       </p:sp>

--- a/Lectures/12-features-and-imputation.pptx
+++ b/Lectures/12-features-and-imputation.pptx
@@ -284,7 +284,7 @@
       <p15:sldGuideLst xmlns:p15="http://schemas.microsoft.com/office/powerpoint/2012/main"/>
     </p:ext>
     <p:ext uri="http://customooxmlschemas.google.com/">
-      <go:slidesCustomData xmlns:go="http://customooxmlschemas.google.com/" xmlns:p15="http://schemas.microsoft.com/office/powerpoint/2012/main" xmlns:p14="http://schemas.microsoft.com/office/powerpoint/2010/main" xmlns:com="http://schemas.openxmlformats.org/drawingml/2006/compatibility" xmlns:pvml="urn:schemas-microsoft-com:office:powerpoint" xmlns:v="urn:schemas-microsoft-com:vml" xmlns:o="urn:schemas-microsoft-com:office:office" xmlns:dgm="http://schemas.openxmlformats.org/drawingml/2006/diagram" xmlns:c="http://schemas.openxmlformats.org/drawingml/2006/chart" xmlns:mv="urn:schemas-microsoft-com:mac:vml" xmlns:mc="http://schemas.openxmlformats.org/markup-compatibility/2006" xmlns="" r:id="rId42" roundtripDataSignature="AMtx7mjFyVUGRZWio+dc9dxzYsimUxNJbg=="/>
+      <go:slidesCustomData xmlns="" xmlns:mc="http://schemas.openxmlformats.org/markup-compatibility/2006" xmlns:mv="urn:schemas-microsoft-com:mac:vml" xmlns:c="http://schemas.openxmlformats.org/drawingml/2006/chart" xmlns:dgm="http://schemas.openxmlformats.org/drawingml/2006/diagram" xmlns:o="urn:schemas-microsoft-com:office:office" xmlns:v="urn:schemas-microsoft-com:vml" xmlns:pvml="urn:schemas-microsoft-com:office:powerpoint" xmlns:com="http://schemas.openxmlformats.org/drawingml/2006/compatibility" xmlns:p14="http://schemas.microsoft.com/office/powerpoint/2010/main" xmlns:p15="http://schemas.microsoft.com/office/powerpoint/2012/main" xmlns:go="http://customooxmlschemas.google.com/" r:id="rId42" roundtripDataSignature="AMtx7mjFyVUGRZWio+dc9dxzYsimUxNJbg=="/>
     </p:ext>
   </p:extLst>
 </p:presentation>
@@ -15316,14 +15316,14 @@
               <a:buNone/>
             </a:pPr>
             <a:r>
-              <a:rPr lang="en-US" sz="2800">
+              <a:rPr lang="en-US" sz="2800" dirty="0">
                 <a:solidFill>
                   <a:srgbClr val="595959"/>
                 </a:solidFill>
               </a:rPr>
-              <a:t>Rayid Ghani and Kit Rodolfa</a:t>
+              <a:t>Rayid Ghani</a:t>
             </a:r>
-            <a:endParaRPr sz="2800">
+            <a:endParaRPr sz="2800" dirty="0">
               <a:solidFill>
                 <a:srgbClr val="595959"/>
               </a:solidFill>
@@ -20938,32 +20938,6 @@
               </a:rPr>
               <a:t>Tomorrow: Wednesday Group Check-Ins</a:t>
             </a:r>
-          </a:p>
-          <a:p>
-            <a:r>
-              <a:rPr lang="en-US" dirty="0">
-                <a:solidFill>
-                  <a:schemeClr val="tx1">
-                    <a:lumMod val="75000"/>
-                    <a:lumOff val="25000"/>
-                  </a:schemeClr>
-                </a:solidFill>
-              </a:rPr>
-              <a:t>Thursday: Triage Q&amp;A and Office Hours</a:t>
-            </a:r>
-          </a:p>
-          <a:p>
-            <a:pPr marL="76200" indent="0">
-              <a:buNone/>
-            </a:pPr>
-            <a:endParaRPr lang="en-US" b="1" dirty="0">
-              <a:solidFill>
-                <a:schemeClr val="tx1">
-                  <a:lumMod val="75000"/>
-                  <a:lumOff val="25000"/>
-                </a:schemeClr>
-              </a:solidFill>
-            </a:endParaRPr>
           </a:p>
           <a:p>
             <a:pPr marL="76200" indent="0">
